--- a/실증적 sw프로젝트/자료/SW실증 중간발표(토끼용) .pptx
+++ b/실증적 sw프로젝트/자료/SW실증 중간발표(토끼용) .pptx
@@ -1,24 +1,24 @@
 
 <file path=ppt/presentation.xml><?xml version="1.0" encoding="utf-8"?>
-<p:presentation xmlns:a="http://schemas.openxmlformats.org/drawingml/2006/main" xmlns:r="http://schemas.openxmlformats.org/officeDocument/2006/relationships" xmlns:p="http://schemas.openxmlformats.org/presentationml/2006/main" saveSubsetFonts="1">
+<p:presentation xmlns:r="http://schemas.openxmlformats.org/officeDocument/2006/relationships" xmlns:c="http://schemas.openxmlformats.org/drawingml/2006/chart" xmlns:a="http://schemas.openxmlformats.org/drawingml/2006/main" xmlns:dgm="http://schemas.openxmlformats.org/drawingml/2006/diagram" xmlns:dsp="http://schemas.microsoft.com/office/drawing/2008/diagram" xmlns:p="http://schemas.openxmlformats.org/presentationml/2006/main">
   <p:sldMasterIdLst>
     <p:sldMasterId id="2147483648" r:id="rId1"/>
   </p:sldMasterIdLst>
   <p:notesMasterIdLst>
-    <p:notesMasterId r:id="rId13"/>
+    <p:notesMasterId r:id="rId2"/>
   </p:notesMasterIdLst>
   <p:sldIdLst>
-    <p:sldId id="256" r:id="rId2"/>
-    <p:sldId id="266" r:id="rId3"/>
-    <p:sldId id="258" r:id="rId4"/>
-    <p:sldId id="259" r:id="rId5"/>
-    <p:sldId id="257" r:id="rId6"/>
-    <p:sldId id="261" r:id="rId7"/>
-    <p:sldId id="260" r:id="rId8"/>
-    <p:sldId id="262" r:id="rId9"/>
-    <p:sldId id="263" r:id="rId10"/>
-    <p:sldId id="264" r:id="rId11"/>
-    <p:sldId id="265" r:id="rId12"/>
+    <p:sldId id="256" r:id="rId3"/>
+    <p:sldId id="266" r:id="rId4"/>
+    <p:sldId id="258" r:id="rId5"/>
+    <p:sldId id="259" r:id="rId6"/>
+    <p:sldId id="257" r:id="rId7"/>
+    <p:sldId id="261" r:id="rId8"/>
+    <p:sldId id="260" r:id="rId9"/>
+    <p:sldId id="262" r:id="rId10"/>
+    <p:sldId id="263" r:id="rId11"/>
+    <p:sldId id="264" r:id="rId12"/>
+    <p:sldId id="265" r:id="rId13"/>
   </p:sldIdLst>
   <p:sldSz cx="12192000" cy="6858000"/>
   <p:notesSz cx="6858000" cy="9144000"/>
@@ -117,933 +117,11 @@
       </a:defRPr>
     </a:lvl9pPr>
   </p:defaultTextStyle>
-  <p:extLst>
-    <p:ext uri="{EFAFB233-063F-42B5-8137-9DF3F51BA10A}">
-      <p15:sldGuideLst xmlns:p15="http://schemas.microsoft.com/office/powerpoint/2012/main"/>
-    </p:ext>
-  </p:extLst>
 </p:presentation>
 </file>
 
-<file path=ppt/revisionInfo.xml><?xml version="1.0" encoding="utf-8"?>
-<p1510:revInfo xmlns:a="http://schemas.openxmlformats.org/drawingml/2006/main" xmlns:r="http://schemas.openxmlformats.org/officeDocument/2006/relationships" xmlns:p1510="http://schemas.microsoft.com/office/powerpoint/2015/10/main">
-  <p1510:revLst>
-    <p1510:client id="{1F71EE4E-3085-48E1-BF6F-A2C8224C0C5B}" v="262" dt="2024-04-16T13:30:11.412"/>
-    <p1510:client id="{840F65C8-68DF-4AAE-856C-4F1783051E79}" v="126" dt="2024-04-17T08:34:40.125"/>
-  </p1510:revLst>
-</p1510:revInfo>
-</file>
-
-<file path=ppt/changesInfos/changesInfo1.xml><?xml version="1.0" encoding="utf-8"?>
-<pc:chgInfo xmlns:a="http://schemas.openxmlformats.org/drawingml/2006/main" xmlns:r="http://schemas.openxmlformats.org/officeDocument/2006/relationships" xmlns:ac="http://schemas.microsoft.com/office/drawing/2013/main/command" xmlns:pc="http://schemas.microsoft.com/office/powerpoint/2013/main/command">
-  <pc:docChgLst>
-    <pc:chgData name="Yunoh Seo" userId="efae776377444399" providerId="LiveId" clId="{840F65C8-68DF-4AAE-856C-4F1783051E79}"/>
-    <pc:docChg chg="undo custSel addSld delSld modSld sldOrd">
-      <pc:chgData name="Yunoh Seo" userId="efae776377444399" providerId="LiveId" clId="{840F65C8-68DF-4AAE-856C-4F1783051E79}" dt="2024-04-17T08:34:40.125" v="1400" actId="164"/>
-      <pc:docMkLst>
-        <pc:docMk/>
-      </pc:docMkLst>
-      <pc:sldChg chg="addSp modSp mod ord">
-        <pc:chgData name="Yunoh Seo" userId="efae776377444399" providerId="LiveId" clId="{840F65C8-68DF-4AAE-856C-4F1783051E79}" dt="2024-04-17T02:43:01.654" v="496" actId="1036"/>
-        <pc:sldMkLst>
-          <pc:docMk/>
-          <pc:sldMk cId="1857560704" sldId="257"/>
-        </pc:sldMkLst>
-        <pc:spChg chg="mod">
-          <ac:chgData name="Yunoh Seo" userId="efae776377444399" providerId="LiveId" clId="{840F65C8-68DF-4AAE-856C-4F1783051E79}" dt="2024-04-17T02:42:59.811" v="490" actId="164"/>
-          <ac:spMkLst>
-            <pc:docMk/>
-            <pc:sldMk cId="1857560704" sldId="257"/>
-            <ac:spMk id="9" creationId="{302A7955-CF9F-1D9D-22B8-FB1CF5721D88}"/>
-          </ac:spMkLst>
-        </pc:spChg>
-        <pc:spChg chg="mod">
-          <ac:chgData name="Yunoh Seo" userId="efae776377444399" providerId="LiveId" clId="{840F65C8-68DF-4AAE-856C-4F1783051E79}" dt="2024-04-17T02:42:59.811" v="490" actId="164"/>
-          <ac:spMkLst>
-            <pc:docMk/>
-            <pc:sldMk cId="1857560704" sldId="257"/>
-            <ac:spMk id="12" creationId="{2DBEEEEC-D102-A4DC-9196-E5047AC08077}"/>
-          </ac:spMkLst>
-        </pc:spChg>
-        <pc:grpChg chg="add mod">
-          <ac:chgData name="Yunoh Seo" userId="efae776377444399" providerId="LiveId" clId="{840F65C8-68DF-4AAE-856C-4F1783051E79}" dt="2024-04-17T02:43:01.654" v="496" actId="1036"/>
-          <ac:grpSpMkLst>
-            <pc:docMk/>
-            <pc:sldMk cId="1857560704" sldId="257"/>
-            <ac:grpSpMk id="2" creationId="{E6792C6B-5CD3-422D-950A-AB1D5379C3C5}"/>
-          </ac:grpSpMkLst>
-        </pc:grpChg>
-      </pc:sldChg>
-      <pc:sldChg chg="addSp modSp mod ord modNotesTx">
-        <pc:chgData name="Yunoh Seo" userId="efae776377444399" providerId="LiveId" clId="{840F65C8-68DF-4AAE-856C-4F1783051E79}" dt="2024-04-17T02:59:50.565" v="1392" actId="20577"/>
-        <pc:sldMkLst>
-          <pc:docMk/>
-          <pc:sldMk cId="2120292262" sldId="258"/>
-        </pc:sldMkLst>
-        <pc:spChg chg="add mod">
-          <ac:chgData name="Yunoh Seo" userId="efae776377444399" providerId="LiveId" clId="{840F65C8-68DF-4AAE-856C-4F1783051E79}" dt="2024-04-17T02:41:19.876" v="453" actId="207"/>
-          <ac:spMkLst>
-            <pc:docMk/>
-            <pc:sldMk cId="2120292262" sldId="258"/>
-            <ac:spMk id="2" creationId="{CDEA0312-C4B8-A905-AB3C-F0ED62119300}"/>
-          </ac:spMkLst>
-        </pc:spChg>
-        <pc:spChg chg="mod">
-          <ac:chgData name="Yunoh Seo" userId="efae776377444399" providerId="LiveId" clId="{840F65C8-68DF-4AAE-856C-4F1783051E79}" dt="2024-04-17T02:56:09.565" v="856" actId="20577"/>
-          <ac:spMkLst>
-            <pc:docMk/>
-            <pc:sldMk cId="2120292262" sldId="258"/>
-            <ac:spMk id="13" creationId="{B8CE6A36-FAFB-D742-AD0F-842BB79BA50B}"/>
-          </ac:spMkLst>
-        </pc:spChg>
-        <pc:grpChg chg="add mod">
-          <ac:chgData name="Yunoh Seo" userId="efae776377444399" providerId="LiveId" clId="{840F65C8-68DF-4AAE-856C-4F1783051E79}" dt="2024-04-17T02:56:16.112" v="858" actId="1076"/>
-          <ac:grpSpMkLst>
-            <pc:docMk/>
-            <pc:sldMk cId="2120292262" sldId="258"/>
-            <ac:grpSpMk id="11" creationId="{E2268F6A-5A0D-35CC-066B-582C70FAAA57}"/>
-          </ac:grpSpMkLst>
-        </pc:grpChg>
-        <pc:picChg chg="add mod">
-          <ac:chgData name="Yunoh Seo" userId="efae776377444399" providerId="LiveId" clId="{840F65C8-68DF-4AAE-856C-4F1783051E79}" dt="2024-04-17T02:55:52.624" v="852" actId="164"/>
-          <ac:picMkLst>
-            <pc:docMk/>
-            <pc:sldMk cId="2120292262" sldId="258"/>
-            <ac:picMk id="8" creationId="{3566374F-6A48-A8B0-415A-08A0E84701D8}"/>
-          </ac:picMkLst>
-        </pc:picChg>
-        <pc:picChg chg="add mod">
-          <ac:chgData name="Yunoh Seo" userId="efae776377444399" providerId="LiveId" clId="{840F65C8-68DF-4AAE-856C-4F1783051E79}" dt="2024-04-17T02:55:12.877" v="836"/>
-          <ac:picMkLst>
-            <pc:docMk/>
-            <pc:sldMk cId="2120292262" sldId="258"/>
-            <ac:picMk id="9" creationId="{52308A91-D03D-C883-FA38-F6AE73409966}"/>
-          </ac:picMkLst>
-        </pc:picChg>
-        <pc:picChg chg="add mod">
-          <ac:chgData name="Yunoh Seo" userId="efae776377444399" providerId="LiveId" clId="{840F65C8-68DF-4AAE-856C-4F1783051E79}" dt="2024-04-17T02:56:11.810" v="857" actId="1037"/>
-          <ac:picMkLst>
-            <pc:docMk/>
-            <pc:sldMk cId="2120292262" sldId="258"/>
-            <ac:picMk id="10" creationId="{0F31F50E-7BBA-307E-96E1-55A24F090737}"/>
-          </ac:picMkLst>
-        </pc:picChg>
-        <pc:picChg chg="mod">
-          <ac:chgData name="Yunoh Seo" userId="efae776377444399" providerId="LiveId" clId="{840F65C8-68DF-4AAE-856C-4F1783051E79}" dt="2024-04-17T02:40:26.814" v="441" actId="1076"/>
-          <ac:picMkLst>
-            <pc:docMk/>
-            <pc:sldMk cId="2120292262" sldId="258"/>
-            <ac:picMk id="12" creationId="{AB5D21F8-CB30-64CD-8378-A71AF2A9FB8E}"/>
-          </ac:picMkLst>
-        </pc:picChg>
-      </pc:sldChg>
-      <pc:sldChg chg="ord">
-        <pc:chgData name="Yunoh Seo" userId="efae776377444399" providerId="LiveId" clId="{840F65C8-68DF-4AAE-856C-4F1783051E79}" dt="2024-04-17T01:52:58.573" v="120"/>
-        <pc:sldMkLst>
-          <pc:docMk/>
-          <pc:sldMk cId="2456296581" sldId="259"/>
-        </pc:sldMkLst>
-      </pc:sldChg>
-      <pc:sldChg chg="addSp modSp mod modNotesTx">
-        <pc:chgData name="Yunoh Seo" userId="efae776377444399" providerId="LiveId" clId="{840F65C8-68DF-4AAE-856C-4F1783051E79}" dt="2024-04-17T01:48:48.381" v="78" actId="2"/>
-        <pc:sldMkLst>
-          <pc:docMk/>
-          <pc:sldMk cId="1707221411" sldId="260"/>
-        </pc:sldMkLst>
-        <pc:spChg chg="add">
-          <ac:chgData name="Yunoh Seo" userId="efae776377444399" providerId="LiveId" clId="{840F65C8-68DF-4AAE-856C-4F1783051E79}" dt="2024-04-17T01:46:32.119" v="4"/>
-          <ac:spMkLst>
-            <pc:docMk/>
-            <pc:sldMk cId="1707221411" sldId="260"/>
-            <ac:spMk id="2" creationId="{EA6A9543-1C27-13D8-4686-ACB932A7CA23}"/>
-          </ac:spMkLst>
-        </pc:spChg>
-        <pc:spChg chg="add mod">
-          <ac:chgData name="Yunoh Seo" userId="efae776377444399" providerId="LiveId" clId="{840F65C8-68DF-4AAE-856C-4F1783051E79}" dt="2024-04-17T01:48:48.381" v="78" actId="2"/>
-          <ac:spMkLst>
-            <pc:docMk/>
-            <pc:sldMk cId="1707221411" sldId="260"/>
-            <ac:spMk id="9" creationId="{01F2B929-C1F6-0BED-2EAF-D04424CCBC67}"/>
-          </ac:spMkLst>
-        </pc:spChg>
-        <pc:grpChg chg="mod">
-          <ac:chgData name="Yunoh Seo" userId="efae776377444399" providerId="LiveId" clId="{840F65C8-68DF-4AAE-856C-4F1783051E79}" dt="2024-04-17T01:47:05.816" v="26" actId="1038"/>
-          <ac:grpSpMkLst>
-            <pc:docMk/>
-            <pc:sldMk cId="1707221411" sldId="260"/>
-            <ac:grpSpMk id="29" creationId="{AEA9F806-0956-1CDA-C228-2D3356A536DE}"/>
-          </ac:grpSpMkLst>
-        </pc:grpChg>
-        <pc:picChg chg="add mod">
-          <ac:chgData name="Yunoh Seo" userId="efae776377444399" providerId="LiveId" clId="{840F65C8-68DF-4AAE-856C-4F1783051E79}" dt="2024-04-17T01:47:08.326" v="30" actId="1037"/>
-          <ac:picMkLst>
-            <pc:docMk/>
-            <pc:sldMk cId="1707221411" sldId="260"/>
-            <ac:picMk id="8" creationId="{488BABE6-4E96-B893-FE61-97F320726E7E}"/>
-          </ac:picMkLst>
-        </pc:picChg>
-        <pc:picChg chg="mod">
-          <ac:chgData name="Yunoh Seo" userId="efae776377444399" providerId="LiveId" clId="{840F65C8-68DF-4AAE-856C-4F1783051E79}" dt="2024-04-17T01:47:14.621" v="32" actId="1076"/>
-          <ac:picMkLst>
-            <pc:docMk/>
-            <pc:sldMk cId="1707221411" sldId="260"/>
-            <ac:picMk id="11" creationId="{427AB795-5765-07D1-32C0-4269BE7AFFEC}"/>
-          </ac:picMkLst>
-        </pc:picChg>
-      </pc:sldChg>
-      <pc:sldChg chg="addSp delSp modSp add mod ord modNotesTx">
-        <pc:chgData name="Yunoh Seo" userId="efae776377444399" providerId="LiveId" clId="{840F65C8-68DF-4AAE-856C-4F1783051E79}" dt="2024-04-17T02:27:14.158" v="281" actId="1076"/>
-        <pc:sldMkLst>
-          <pc:docMk/>
-          <pc:sldMk cId="2788063003" sldId="262"/>
-        </pc:sldMkLst>
-        <pc:spChg chg="mod">
-          <ac:chgData name="Yunoh Seo" userId="efae776377444399" providerId="LiveId" clId="{840F65C8-68DF-4AAE-856C-4F1783051E79}" dt="2024-04-17T01:51:11.064" v="85" actId="20577"/>
-          <ac:spMkLst>
-            <pc:docMk/>
-            <pc:sldMk cId="2788063003" sldId="262"/>
-            <ac:spMk id="6" creationId="{63A3221C-0FE7-9D69-87B5-BB6B3CAC6F7C}"/>
-          </ac:spMkLst>
-        </pc:spChg>
-        <pc:spChg chg="mod">
-          <ac:chgData name="Yunoh Seo" userId="efae776377444399" providerId="LiveId" clId="{840F65C8-68DF-4AAE-856C-4F1783051E79}" dt="2024-04-17T01:51:15.877" v="110"/>
-          <ac:spMkLst>
-            <pc:docMk/>
-            <pc:sldMk cId="2788063003" sldId="262"/>
-            <ac:spMk id="7" creationId="{D5AC7425-ACD3-A33C-AF7E-7778BA417A3E}"/>
-          </ac:spMkLst>
-        </pc:spChg>
-        <pc:spChg chg="add del mod">
-          <ac:chgData name="Yunoh Seo" userId="efae776377444399" providerId="LiveId" clId="{840F65C8-68DF-4AAE-856C-4F1783051E79}" dt="2024-04-17T01:59:08.258" v="159" actId="478"/>
-          <ac:spMkLst>
-            <pc:docMk/>
-            <pc:sldMk cId="2788063003" sldId="262"/>
-            <ac:spMk id="17" creationId="{20A38D12-FCA5-A4E6-09D8-E6A9854A87D8}"/>
-          </ac:spMkLst>
-        </pc:spChg>
-        <pc:spChg chg="del topLvl">
-          <ac:chgData name="Yunoh Seo" userId="efae776377444399" providerId="LiveId" clId="{840F65C8-68DF-4AAE-856C-4F1783051E79}" dt="2024-04-17T01:53:48.851" v="137" actId="478"/>
-          <ac:spMkLst>
-            <pc:docMk/>
-            <pc:sldMk cId="2788063003" sldId="262"/>
-            <ac:spMk id="18" creationId="{23A6EBFA-ED5A-60FD-5596-C007B9BDC020}"/>
-          </ac:spMkLst>
-        </pc:spChg>
-        <pc:spChg chg="add del mod">
-          <ac:chgData name="Yunoh Seo" userId="efae776377444399" providerId="LiveId" clId="{840F65C8-68DF-4AAE-856C-4F1783051E79}" dt="2024-04-17T01:59:37.500" v="169" actId="478"/>
-          <ac:spMkLst>
-            <pc:docMk/>
-            <pc:sldMk cId="2788063003" sldId="262"/>
-            <ac:spMk id="19" creationId="{73848A5B-D973-C419-C28C-26A23885A2CC}"/>
-          </ac:spMkLst>
-        </pc:spChg>
-        <pc:spChg chg="add del mod">
-          <ac:chgData name="Yunoh Seo" userId="efae776377444399" providerId="LiveId" clId="{840F65C8-68DF-4AAE-856C-4F1783051E79}" dt="2024-04-17T02:05:06.321" v="242" actId="478"/>
-          <ac:spMkLst>
-            <pc:docMk/>
-            <pc:sldMk cId="2788063003" sldId="262"/>
-            <ac:spMk id="20" creationId="{28590131-E7F3-4A59-0FF5-DEE6DDBAE990}"/>
-          </ac:spMkLst>
-        </pc:spChg>
-        <pc:spChg chg="add del mod">
-          <ac:chgData name="Yunoh Seo" userId="efae776377444399" providerId="LiveId" clId="{840F65C8-68DF-4AAE-856C-4F1783051E79}" dt="2024-04-17T02:05:06.700" v="243" actId="478"/>
-          <ac:spMkLst>
-            <pc:docMk/>
-            <pc:sldMk cId="2788063003" sldId="262"/>
-            <ac:spMk id="21" creationId="{422329DB-70D8-2867-25F6-E03BC2E797F9}"/>
-          </ac:spMkLst>
-        </pc:spChg>
-        <pc:spChg chg="del mod topLvl">
-          <ac:chgData name="Yunoh Seo" userId="efae776377444399" providerId="LiveId" clId="{840F65C8-68DF-4AAE-856C-4F1783051E79}" dt="2024-04-17T01:53:51.554" v="139" actId="478"/>
-          <ac:spMkLst>
-            <pc:docMk/>
-            <pc:sldMk cId="2788063003" sldId="262"/>
-            <ac:spMk id="25" creationId="{93EA9BEA-59AA-4A09-AF8B-B41DA627D3B9}"/>
-          </ac:spMkLst>
-        </pc:spChg>
-        <pc:spChg chg="add mod">
-          <ac:chgData name="Yunoh Seo" userId="efae776377444399" providerId="LiveId" clId="{840F65C8-68DF-4AAE-856C-4F1783051E79}" dt="2024-04-17T02:03:54.249" v="224"/>
-          <ac:spMkLst>
-            <pc:docMk/>
-            <pc:sldMk cId="2788063003" sldId="262"/>
-            <ac:spMk id="30" creationId="{74F2C08A-664B-45E1-52F5-F11BD8DB97AE}"/>
-          </ac:spMkLst>
-        </pc:spChg>
-        <pc:spChg chg="add mod">
-          <ac:chgData name="Yunoh Seo" userId="efae776377444399" providerId="LiveId" clId="{840F65C8-68DF-4AAE-856C-4F1783051E79}" dt="2024-04-17T02:05:33.722" v="257" actId="1076"/>
-          <ac:spMkLst>
-            <pc:docMk/>
-            <pc:sldMk cId="2788063003" sldId="262"/>
-            <ac:spMk id="31" creationId="{B00A3DD3-CD3C-A471-DB15-CF7A33C54B36}"/>
-          </ac:spMkLst>
-        </pc:spChg>
-        <pc:grpChg chg="del topLvl">
-          <ac:chgData name="Yunoh Seo" userId="efae776377444399" providerId="LiveId" clId="{840F65C8-68DF-4AAE-856C-4F1783051E79}" dt="2024-04-17T01:56:15.122" v="140" actId="478"/>
-          <ac:grpSpMkLst>
-            <pc:docMk/>
-            <pc:sldMk cId="2788063003" sldId="262"/>
-            <ac:grpSpMk id="2" creationId="{964546D0-2194-484C-00BD-0490D7FE911A}"/>
-          </ac:grpSpMkLst>
-        </pc:grpChg>
-        <pc:grpChg chg="del">
-          <ac:chgData name="Yunoh Seo" userId="efae776377444399" providerId="LiveId" clId="{840F65C8-68DF-4AAE-856C-4F1783051E79}" dt="2024-04-17T01:53:48.851" v="137" actId="478"/>
-          <ac:grpSpMkLst>
-            <pc:docMk/>
-            <pc:sldMk cId="2788063003" sldId="262"/>
-            <ac:grpSpMk id="22" creationId="{20661681-3CA5-991C-979C-593B6A6D6880}"/>
-          </ac:grpSpMkLst>
-        </pc:grpChg>
-        <pc:grpChg chg="del">
-          <ac:chgData name="Yunoh Seo" userId="efae776377444399" providerId="LiveId" clId="{840F65C8-68DF-4AAE-856C-4F1783051E79}" dt="2024-04-17T01:53:51.554" v="139" actId="478"/>
-          <ac:grpSpMkLst>
-            <pc:docMk/>
-            <pc:sldMk cId="2788063003" sldId="262"/>
-            <ac:grpSpMk id="23" creationId="{BE58D673-AD1A-8B09-9AAB-2A6BD56B6DF7}"/>
-          </ac:grpSpMkLst>
-        </pc:grpChg>
-        <pc:grpChg chg="del topLvl">
-          <ac:chgData name="Yunoh Seo" userId="efae776377444399" providerId="LiveId" clId="{840F65C8-68DF-4AAE-856C-4F1783051E79}" dt="2024-04-17T01:56:15.563" v="141" actId="478"/>
-          <ac:grpSpMkLst>
-            <pc:docMk/>
-            <pc:sldMk cId="2788063003" sldId="262"/>
-            <ac:grpSpMk id="24" creationId="{A1926EC9-EF36-F7E9-6F95-97EE872B20A9}"/>
-          </ac:grpSpMkLst>
-        </pc:grpChg>
-        <pc:picChg chg="add mod">
-          <ac:chgData name="Yunoh Seo" userId="efae776377444399" providerId="LiveId" clId="{840F65C8-68DF-4AAE-856C-4F1783051E79}" dt="2024-04-17T02:27:14.158" v="281" actId="1076"/>
-          <ac:picMkLst>
-            <pc:docMk/>
-            <pc:sldMk cId="2788063003" sldId="262"/>
-            <ac:picMk id="3" creationId="{9BF3EAA6-C6E2-532C-04B0-D3842681E34A}"/>
-          </ac:picMkLst>
-        </pc:picChg>
-        <pc:picChg chg="add mod">
-          <ac:chgData name="Yunoh Seo" userId="efae776377444399" providerId="LiveId" clId="{840F65C8-68DF-4AAE-856C-4F1783051E79}" dt="2024-04-17T02:05:19.218" v="252" actId="1076"/>
-          <ac:picMkLst>
-            <pc:docMk/>
-            <pc:sldMk cId="2788063003" sldId="262"/>
-            <ac:picMk id="10" creationId="{08657EEE-B3B5-C0E2-7B2C-9D7B26663CAC}"/>
-          </ac:picMkLst>
-        </pc:picChg>
-        <pc:picChg chg="add del mod">
-          <ac:chgData name="Yunoh Seo" userId="efae776377444399" providerId="LiveId" clId="{840F65C8-68DF-4AAE-856C-4F1783051E79}" dt="2024-04-17T02:01:53.523" v="211" actId="478"/>
-          <ac:picMkLst>
-            <pc:docMk/>
-            <pc:sldMk cId="2788063003" sldId="262"/>
-            <ac:picMk id="14" creationId="{3AD368A0-6A86-D52C-7F0E-67B9ED81C525}"/>
-          </ac:picMkLst>
-        </pc:picChg>
-        <pc:picChg chg="add del mod">
-          <ac:chgData name="Yunoh Seo" userId="efae776377444399" providerId="LiveId" clId="{840F65C8-68DF-4AAE-856C-4F1783051E79}" dt="2024-04-17T02:03:36.980" v="215" actId="478"/>
-          <ac:picMkLst>
-            <pc:docMk/>
-            <pc:sldMk cId="2788063003" sldId="262"/>
-            <ac:picMk id="16" creationId="{42A79C8F-850C-DA89-A970-D6727306A595}"/>
-          </ac:picMkLst>
-        </pc:picChg>
-        <pc:picChg chg="add mod">
-          <ac:chgData name="Yunoh Seo" userId="efae776377444399" providerId="LiveId" clId="{840F65C8-68DF-4AAE-856C-4F1783051E79}" dt="2024-04-17T02:05:17.231" v="251" actId="1076"/>
-          <ac:picMkLst>
-            <pc:docMk/>
-            <pc:sldMk cId="2788063003" sldId="262"/>
-            <ac:picMk id="29" creationId="{CA38054E-4056-D6D1-0160-68588E4074F9}"/>
-          </ac:picMkLst>
-        </pc:picChg>
-      </pc:sldChg>
-      <pc:sldChg chg="addSp delSp modSp add mod modNotesTx">
-        <pc:chgData name="Yunoh Seo" userId="efae776377444399" providerId="LiveId" clId="{840F65C8-68DF-4AAE-856C-4F1783051E79}" dt="2024-04-17T02:32:49.501" v="372" actId="478"/>
-        <pc:sldMkLst>
-          <pc:docMk/>
-          <pc:sldMk cId="3476104518" sldId="263"/>
-        </pc:sldMkLst>
-        <pc:spChg chg="add mod">
-          <ac:chgData name="Yunoh Seo" userId="efae776377444399" providerId="LiveId" clId="{840F65C8-68DF-4AAE-856C-4F1783051E79}" dt="2024-04-17T02:32:07.151" v="318" actId="164"/>
-          <ac:spMkLst>
-            <pc:docMk/>
-            <pc:sldMk cId="3476104518" sldId="263"/>
-            <ac:spMk id="11" creationId="{DEACA44D-C782-F169-93BF-E1DADB43E134}"/>
-          </ac:spMkLst>
-        </pc:spChg>
-        <pc:spChg chg="add mod">
-          <ac:chgData name="Yunoh Seo" userId="efae776377444399" providerId="LiveId" clId="{840F65C8-68DF-4AAE-856C-4F1783051E79}" dt="2024-04-17T02:32:07.151" v="318" actId="164"/>
-          <ac:spMkLst>
-            <pc:docMk/>
-            <pc:sldMk cId="3476104518" sldId="263"/>
-            <ac:spMk id="12" creationId="{03DE1DA7-ACB1-3803-313E-F3DF9D8D5CB3}"/>
-          </ac:spMkLst>
-        </pc:spChg>
-        <pc:spChg chg="add del mod">
-          <ac:chgData name="Yunoh Seo" userId="efae776377444399" providerId="LiveId" clId="{840F65C8-68DF-4AAE-856C-4F1783051E79}" dt="2024-04-17T02:29:59.869" v="300" actId="478"/>
-          <ac:spMkLst>
-            <pc:docMk/>
-            <pc:sldMk cId="3476104518" sldId="263"/>
-            <ac:spMk id="14" creationId="{42B7BA6F-D91E-2472-ED01-BBFCD072080A}"/>
-          </ac:spMkLst>
-        </pc:spChg>
-        <pc:spChg chg="add del mod">
-          <ac:chgData name="Yunoh Seo" userId="efae776377444399" providerId="LiveId" clId="{840F65C8-68DF-4AAE-856C-4F1783051E79}" dt="2024-04-17T02:32:49.501" v="372" actId="478"/>
-          <ac:spMkLst>
-            <pc:docMk/>
-            <pc:sldMk cId="3476104518" sldId="263"/>
-            <ac:spMk id="15" creationId="{D2F6A9FD-AAA1-04A8-7A96-E66D0638C074}"/>
-          </ac:spMkLst>
-        </pc:spChg>
-        <pc:grpChg chg="add mod">
-          <ac:chgData name="Yunoh Seo" userId="efae776377444399" providerId="LiveId" clId="{840F65C8-68DF-4AAE-856C-4F1783051E79}" dt="2024-04-17T02:32:07.151" v="318" actId="164"/>
-          <ac:grpSpMkLst>
-            <pc:docMk/>
-            <pc:sldMk cId="3476104518" sldId="263"/>
-            <ac:grpSpMk id="13" creationId="{31013B47-F0EB-C690-BBB7-083186169489}"/>
-          </ac:grpSpMkLst>
-        </pc:grpChg>
-        <pc:grpChg chg="add mod">
-          <ac:chgData name="Yunoh Seo" userId="efae776377444399" providerId="LiveId" clId="{840F65C8-68DF-4AAE-856C-4F1783051E79}" dt="2024-04-17T02:32:07.151" v="318" actId="164"/>
-          <ac:grpSpMkLst>
-            <pc:docMk/>
-            <pc:sldMk cId="3476104518" sldId="263"/>
-            <ac:grpSpMk id="19" creationId="{030D48C3-6D4C-6BE9-BDB9-3D3A3CAEC583}"/>
-          </ac:grpSpMkLst>
-        </pc:grpChg>
-        <pc:grpChg chg="add mod">
-          <ac:chgData name="Yunoh Seo" userId="efae776377444399" providerId="LiveId" clId="{840F65C8-68DF-4AAE-856C-4F1783051E79}" dt="2024-04-17T02:32:07.151" v="318" actId="164"/>
-          <ac:grpSpMkLst>
-            <pc:docMk/>
-            <pc:sldMk cId="3476104518" sldId="263"/>
-            <ac:grpSpMk id="21" creationId="{4073A94D-1689-D928-7FCB-CAFC02C40880}"/>
-          </ac:grpSpMkLst>
-        </pc:grpChg>
-        <pc:grpChg chg="del">
-          <ac:chgData name="Yunoh Seo" userId="efae776377444399" providerId="LiveId" clId="{840F65C8-68DF-4AAE-856C-4F1783051E79}" dt="2024-04-17T01:53:37.380" v="131" actId="478"/>
-          <ac:grpSpMkLst>
-            <pc:docMk/>
-            <pc:sldMk cId="3476104518" sldId="263"/>
-            <ac:grpSpMk id="22" creationId="{20661681-3CA5-991C-979C-593B6A6D6880}"/>
-          </ac:grpSpMkLst>
-        </pc:grpChg>
-        <pc:grpChg chg="del">
-          <ac:chgData name="Yunoh Seo" userId="efae776377444399" providerId="LiveId" clId="{840F65C8-68DF-4AAE-856C-4F1783051E79}" dt="2024-04-17T01:53:37.852" v="132" actId="478"/>
-          <ac:grpSpMkLst>
-            <pc:docMk/>
-            <pc:sldMk cId="3476104518" sldId="263"/>
-            <ac:grpSpMk id="23" creationId="{BE58D673-AD1A-8B09-9AAB-2A6BD56B6DF7}"/>
-          </ac:grpSpMkLst>
-        </pc:grpChg>
-        <pc:picChg chg="add mod">
-          <ac:chgData name="Yunoh Seo" userId="efae776377444399" providerId="LiveId" clId="{840F65C8-68DF-4AAE-856C-4F1783051E79}" dt="2024-04-17T02:29:26.839" v="298" actId="164"/>
-          <ac:picMkLst>
-            <pc:docMk/>
-            <pc:sldMk cId="3476104518" sldId="263"/>
-            <ac:picMk id="3" creationId="{013F5E72-B894-9045-20A1-F8E840DA8A81}"/>
-          </ac:picMkLst>
-        </pc:picChg>
-        <pc:picChg chg="add del mod">
-          <ac:chgData name="Yunoh Seo" userId="efae776377444399" providerId="LiveId" clId="{840F65C8-68DF-4AAE-856C-4F1783051E79}" dt="2024-04-17T02:03:38.230" v="216" actId="478"/>
-          <ac:picMkLst>
-            <pc:docMk/>
-            <pc:sldMk cId="3476104518" sldId="263"/>
-            <ac:picMk id="8" creationId="{22147DD0-C1AE-B6B0-708F-6B6798277D8D}"/>
-          </ac:picMkLst>
-        </pc:picChg>
-        <pc:picChg chg="add mod">
-          <ac:chgData name="Yunoh Seo" userId="efae776377444399" providerId="LiveId" clId="{840F65C8-68DF-4AAE-856C-4F1783051E79}" dt="2024-04-17T02:32:07.151" v="318" actId="164"/>
-          <ac:picMkLst>
-            <pc:docMk/>
-            <pc:sldMk cId="3476104518" sldId="263"/>
-            <ac:picMk id="9" creationId="{4B5FDF0A-D3EA-4AAE-F546-4B7C2DC97B0A}"/>
-          </ac:picMkLst>
-        </pc:picChg>
-        <pc:picChg chg="add mod">
-          <ac:chgData name="Yunoh Seo" userId="efae776377444399" providerId="LiveId" clId="{840F65C8-68DF-4AAE-856C-4F1783051E79}" dt="2024-04-17T02:29:26.839" v="298" actId="164"/>
-          <ac:picMkLst>
-            <pc:docMk/>
-            <pc:sldMk cId="3476104518" sldId="263"/>
-            <ac:picMk id="10" creationId="{A3ECEE2E-58FC-55D9-8658-A24BCBC552EA}"/>
-          </ac:picMkLst>
-        </pc:picChg>
-        <pc:picChg chg="add mod">
-          <ac:chgData name="Yunoh Seo" userId="efae776377444399" providerId="LiveId" clId="{840F65C8-68DF-4AAE-856C-4F1783051E79}" dt="2024-04-17T02:04:52.035" v="237" actId="164"/>
-          <ac:picMkLst>
-            <pc:docMk/>
-            <pc:sldMk cId="3476104518" sldId="263"/>
-            <ac:picMk id="16" creationId="{A7249A97-531A-A881-FED0-123F74FDDEB0}"/>
-          </ac:picMkLst>
-        </pc:picChg>
-        <pc:picChg chg="add mod">
-          <ac:chgData name="Yunoh Seo" userId="efae776377444399" providerId="LiveId" clId="{840F65C8-68DF-4AAE-856C-4F1783051E79}" dt="2024-04-17T02:04:52.035" v="237" actId="164"/>
-          <ac:picMkLst>
-            <pc:docMk/>
-            <pc:sldMk cId="3476104518" sldId="263"/>
-            <ac:picMk id="17" creationId="{72C5ACC9-970D-32E2-343E-88209C2CFF13}"/>
-          </ac:picMkLst>
-        </pc:picChg>
-        <pc:picChg chg="add del mod">
-          <ac:chgData name="Yunoh Seo" userId="efae776377444399" providerId="LiveId" clId="{840F65C8-68DF-4AAE-856C-4F1783051E79}" dt="2024-04-17T02:32:47.892" v="371" actId="478"/>
-          <ac:picMkLst>
-            <pc:docMk/>
-            <pc:sldMk cId="3476104518" sldId="263"/>
-            <ac:picMk id="20" creationId="{B7C5C62D-17F8-4C1A-2B07-4D1CB771A6CF}"/>
-          </ac:picMkLst>
-        </pc:picChg>
-      </pc:sldChg>
-      <pc:sldChg chg="addSp delSp modSp add mod modNotesTx">
-        <pc:chgData name="Yunoh Seo" userId="efae776377444399" providerId="LiveId" clId="{840F65C8-68DF-4AAE-856C-4F1783051E79}" dt="2024-04-17T08:34:40.125" v="1400" actId="164"/>
-        <pc:sldMkLst>
-          <pc:docMk/>
-          <pc:sldMk cId="114948632" sldId="264"/>
-        </pc:sldMkLst>
-        <pc:spChg chg="mod">
-          <ac:chgData name="Yunoh Seo" userId="efae776377444399" providerId="LiveId" clId="{840F65C8-68DF-4AAE-856C-4F1783051E79}" dt="2024-04-17T02:32:09.912" v="319"/>
-          <ac:spMkLst>
-            <pc:docMk/>
-            <pc:sldMk cId="114948632" sldId="264"/>
-            <ac:spMk id="3" creationId="{03A57137-5044-358B-02F0-A89EF0A6C19D}"/>
-          </ac:spMkLst>
-        </pc:spChg>
-        <pc:spChg chg="del">
-          <ac:chgData name="Yunoh Seo" userId="efae776377444399" providerId="LiveId" clId="{840F65C8-68DF-4AAE-856C-4F1783051E79}" dt="2024-04-17T01:53:39.559" v="133" actId="478"/>
-          <ac:spMkLst>
-            <pc:docMk/>
-            <pc:sldMk cId="114948632" sldId="264"/>
-            <ac:spMk id="3" creationId="{FE6EAAAF-BC9E-B444-336B-C32591075BD6}"/>
-          </ac:spMkLst>
-        </pc:spChg>
-        <pc:spChg chg="mod">
-          <ac:chgData name="Yunoh Seo" userId="efae776377444399" providerId="LiveId" clId="{840F65C8-68DF-4AAE-856C-4F1783051E79}" dt="2024-04-17T02:32:18.559" v="321" actId="20577"/>
-          <ac:spMkLst>
-            <pc:docMk/>
-            <pc:sldMk cId="114948632" sldId="264"/>
-            <ac:spMk id="6" creationId="{63A3221C-0FE7-9D69-87B5-BB6B3CAC6F7C}"/>
-          </ac:spMkLst>
-        </pc:spChg>
-        <pc:spChg chg="mod">
-          <ac:chgData name="Yunoh Seo" userId="efae776377444399" providerId="LiveId" clId="{840F65C8-68DF-4AAE-856C-4F1783051E79}" dt="2024-04-17T02:32:29.450" v="370"/>
-          <ac:spMkLst>
-            <pc:docMk/>
-            <pc:sldMk cId="114948632" sldId="264"/>
-            <ac:spMk id="7" creationId="{D5AC7425-ACD3-A33C-AF7E-7778BA417A3E}"/>
-          </ac:spMkLst>
-        </pc:spChg>
-        <pc:spChg chg="del">
-          <ac:chgData name="Yunoh Seo" userId="efae776377444399" providerId="LiveId" clId="{840F65C8-68DF-4AAE-856C-4F1783051E79}" dt="2024-04-17T01:53:41.278" v="135" actId="478"/>
-          <ac:spMkLst>
-            <pc:docMk/>
-            <pc:sldMk cId="114948632" sldId="264"/>
-            <ac:spMk id="9" creationId="{0DC929B2-9B4B-593A-B174-0F3DFC89C374}"/>
-          </ac:spMkLst>
-        </pc:spChg>
-        <pc:spChg chg="mod">
-          <ac:chgData name="Yunoh Seo" userId="efae776377444399" providerId="LiveId" clId="{840F65C8-68DF-4AAE-856C-4F1783051E79}" dt="2024-04-17T02:32:09.912" v="319"/>
-          <ac:spMkLst>
-            <pc:docMk/>
-            <pc:sldMk cId="114948632" sldId="264"/>
-            <ac:spMk id="11" creationId="{E6BC2F27-CA2B-74A8-2E66-533D316D33AB}"/>
-          </ac:spMkLst>
-        </pc:spChg>
-        <pc:spChg chg="mod">
-          <ac:chgData name="Yunoh Seo" userId="efae776377444399" providerId="LiveId" clId="{840F65C8-68DF-4AAE-856C-4F1783051E79}" dt="2024-04-17T02:32:09.912" v="319"/>
-          <ac:spMkLst>
-            <pc:docMk/>
-            <pc:sldMk cId="114948632" sldId="264"/>
-            <ac:spMk id="12" creationId="{28B09AD8-BFF7-E074-90B2-255017AD2EC2}"/>
-          </ac:spMkLst>
-        </pc:spChg>
-        <pc:spChg chg="add del mod">
-          <ac:chgData name="Yunoh Seo" userId="efae776377444399" providerId="LiveId" clId="{840F65C8-68DF-4AAE-856C-4F1783051E79}" dt="2024-04-17T08:33:59.319" v="1393" actId="478"/>
-          <ac:spMkLst>
-            <pc:docMk/>
-            <pc:sldMk cId="114948632" sldId="264"/>
-            <ac:spMk id="18" creationId="{C5D3C1C6-A8CA-6905-85A1-CB0AB77F5402}"/>
-          </ac:spMkLst>
-        </pc:spChg>
-        <pc:spChg chg="add del mod">
-          <ac:chgData name="Yunoh Seo" userId="efae776377444399" providerId="LiveId" clId="{840F65C8-68DF-4AAE-856C-4F1783051E79}" dt="2024-04-17T08:34:00.430" v="1394" actId="478"/>
-          <ac:spMkLst>
-            <pc:docMk/>
-            <pc:sldMk cId="114948632" sldId="264"/>
-            <ac:spMk id="19" creationId="{D7593A3E-0C1F-411C-F0FD-119F23AB4928}"/>
-          </ac:spMkLst>
-        </pc:spChg>
-        <pc:grpChg chg="add del mod">
-          <ac:chgData name="Yunoh Seo" userId="efae776377444399" providerId="LiveId" clId="{840F65C8-68DF-4AAE-856C-4F1783051E79}" dt="2024-04-17T08:34:40.125" v="1400" actId="164"/>
-          <ac:grpSpMkLst>
-            <pc:docMk/>
-            <pc:sldMk cId="114948632" sldId="264"/>
-            <ac:grpSpMk id="2" creationId="{12226F0F-CE60-5C77-877B-3A18D0016FE2}"/>
-          </ac:grpSpMkLst>
-        </pc:grpChg>
-        <pc:grpChg chg="mod">
-          <ac:chgData name="Yunoh Seo" userId="efae776377444399" providerId="LiveId" clId="{840F65C8-68DF-4AAE-856C-4F1783051E79}" dt="2024-04-17T02:32:09.912" v="319"/>
-          <ac:grpSpMkLst>
-            <pc:docMk/>
-            <pc:sldMk cId="114948632" sldId="264"/>
-            <ac:grpSpMk id="8" creationId="{C009C09E-3310-86D6-0BEB-2C3D25897ACE}"/>
-          </ac:grpSpMkLst>
-        </pc:grpChg>
-        <pc:grpChg chg="mod">
-          <ac:chgData name="Yunoh Seo" userId="efae776377444399" providerId="LiveId" clId="{840F65C8-68DF-4AAE-856C-4F1783051E79}" dt="2024-04-17T02:32:09.912" v="319"/>
-          <ac:grpSpMkLst>
-            <pc:docMk/>
-            <pc:sldMk cId="114948632" sldId="264"/>
-            <ac:grpSpMk id="9" creationId="{71590526-0DE6-D35A-A568-A3638A4A6C41}"/>
-          </ac:grpSpMkLst>
-        </pc:grpChg>
-        <pc:grpChg chg="add mod">
-          <ac:chgData name="Yunoh Seo" userId="efae776377444399" providerId="LiveId" clId="{840F65C8-68DF-4AAE-856C-4F1783051E79}" dt="2024-04-17T08:34:40.125" v="1400" actId="164"/>
-          <ac:grpSpMkLst>
-            <pc:docMk/>
-            <pc:sldMk cId="114948632" sldId="264"/>
-            <ac:grpSpMk id="22" creationId="{06D6247F-F271-EE4D-90EA-D8B5286E7336}"/>
-          </ac:grpSpMkLst>
-        </pc:grpChg>
-        <pc:grpChg chg="del">
-          <ac:chgData name="Yunoh Seo" userId="efae776377444399" providerId="LiveId" clId="{840F65C8-68DF-4AAE-856C-4F1783051E79}" dt="2024-04-17T01:53:41.977" v="136" actId="478"/>
-          <ac:grpSpMkLst>
-            <pc:docMk/>
-            <pc:sldMk cId="114948632" sldId="264"/>
-            <ac:grpSpMk id="22" creationId="{20661681-3CA5-991C-979C-593B6A6D6880}"/>
-          </ac:grpSpMkLst>
-        </pc:grpChg>
-        <pc:grpChg chg="del">
-          <ac:chgData name="Yunoh Seo" userId="efae776377444399" providerId="LiveId" clId="{840F65C8-68DF-4AAE-856C-4F1783051E79}" dt="2024-04-17T01:53:40.061" v="134" actId="478"/>
-          <ac:grpSpMkLst>
-            <pc:docMk/>
-            <pc:sldMk cId="114948632" sldId="264"/>
-            <ac:grpSpMk id="23" creationId="{BE58D673-AD1A-8B09-9AAB-2A6BD56B6DF7}"/>
-          </ac:grpSpMkLst>
-        </pc:grpChg>
-        <pc:picChg chg="mod">
-          <ac:chgData name="Yunoh Seo" userId="efae776377444399" providerId="LiveId" clId="{840F65C8-68DF-4AAE-856C-4F1783051E79}" dt="2024-04-17T02:32:09.912" v="319"/>
-          <ac:picMkLst>
-            <pc:docMk/>
-            <pc:sldMk cId="114948632" sldId="264"/>
-            <ac:picMk id="10" creationId="{36EE9A77-3983-565B-3397-84F5383B5049}"/>
-          </ac:picMkLst>
-        </pc:picChg>
-        <pc:picChg chg="del mod">
-          <ac:chgData name="Yunoh Seo" userId="efae776377444399" providerId="LiveId" clId="{840F65C8-68DF-4AAE-856C-4F1783051E79}" dt="2024-04-17T08:34:03.996" v="1397" actId="478"/>
-          <ac:picMkLst>
-            <pc:docMk/>
-            <pc:sldMk cId="114948632" sldId="264"/>
-            <ac:picMk id="13" creationId="{10368594-FEEF-D2BE-98F7-BEF1DB17FD63}"/>
-          </ac:picMkLst>
-        </pc:picChg>
-        <pc:picChg chg="mod">
-          <ac:chgData name="Yunoh Seo" userId="efae776377444399" providerId="LiveId" clId="{840F65C8-68DF-4AAE-856C-4F1783051E79}" dt="2024-04-17T02:32:09.912" v="319"/>
-          <ac:picMkLst>
-            <pc:docMk/>
-            <pc:sldMk cId="114948632" sldId="264"/>
-            <ac:picMk id="14" creationId="{15A4D40B-93E9-44D8-9C86-68A03A00AAC1}"/>
-          </ac:picMkLst>
-        </pc:picChg>
-        <pc:picChg chg="mod">
-          <ac:chgData name="Yunoh Seo" userId="efae776377444399" providerId="LiveId" clId="{840F65C8-68DF-4AAE-856C-4F1783051E79}" dt="2024-04-17T02:32:09.912" v="319"/>
-          <ac:picMkLst>
-            <pc:docMk/>
-            <pc:sldMk cId="114948632" sldId="264"/>
-            <ac:picMk id="15" creationId="{A1ED3378-FAB8-0B94-A4CF-72282E12505F}"/>
-          </ac:picMkLst>
-        </pc:picChg>
-        <pc:picChg chg="mod">
-          <ac:chgData name="Yunoh Seo" userId="efae776377444399" providerId="LiveId" clId="{840F65C8-68DF-4AAE-856C-4F1783051E79}" dt="2024-04-17T02:32:09.912" v="319"/>
-          <ac:picMkLst>
-            <pc:docMk/>
-            <pc:sldMk cId="114948632" sldId="264"/>
-            <ac:picMk id="16" creationId="{03FAEFA3-5929-D659-8CD5-37551945F01A}"/>
-          </ac:picMkLst>
-        </pc:picChg>
-        <pc:picChg chg="mod">
-          <ac:chgData name="Yunoh Seo" userId="efae776377444399" providerId="LiveId" clId="{840F65C8-68DF-4AAE-856C-4F1783051E79}" dt="2024-04-17T02:32:09.912" v="319"/>
-          <ac:picMkLst>
-            <pc:docMk/>
-            <pc:sldMk cId="114948632" sldId="264"/>
-            <ac:picMk id="17" creationId="{EBF2D7EA-0B68-A993-3664-8E05E69FA8E4}"/>
-          </ac:picMkLst>
-        </pc:picChg>
-        <pc:picChg chg="add mod">
-          <ac:chgData name="Yunoh Seo" userId="efae776377444399" providerId="LiveId" clId="{840F65C8-68DF-4AAE-856C-4F1783051E79}" dt="2024-04-17T08:34:40.125" v="1400" actId="164"/>
-          <ac:picMkLst>
-            <pc:docMk/>
-            <pc:sldMk cId="114948632" sldId="264"/>
-            <ac:picMk id="21" creationId="{761B4804-5A39-3F57-D783-D86642A25F35}"/>
-          </ac:picMkLst>
-        </pc:picChg>
-      </pc:sldChg>
-      <pc:sldChg chg="addSp delSp modSp add mod">
-        <pc:chgData name="Yunoh Seo" userId="efae776377444399" providerId="LiveId" clId="{840F65C8-68DF-4AAE-856C-4F1783051E79}" dt="2024-04-17T02:36:59.626" v="429" actId="208"/>
-        <pc:sldMkLst>
-          <pc:docMk/>
-          <pc:sldMk cId="3304192779" sldId="265"/>
-        </pc:sldMkLst>
-        <pc:spChg chg="del">
-          <ac:chgData name="Yunoh Seo" userId="efae776377444399" providerId="LiveId" clId="{840F65C8-68DF-4AAE-856C-4F1783051E79}" dt="2024-04-17T02:36:20.699" v="420" actId="478"/>
-          <ac:spMkLst>
-            <pc:docMk/>
-            <pc:sldMk cId="3304192779" sldId="265"/>
-            <ac:spMk id="5" creationId="{42D96261-EFE0-337B-C235-97B5A6E64F75}"/>
-          </ac:spMkLst>
-        </pc:spChg>
-        <pc:spChg chg="del">
-          <ac:chgData name="Yunoh Seo" userId="efae776377444399" providerId="LiveId" clId="{840F65C8-68DF-4AAE-856C-4F1783051E79}" dt="2024-04-17T02:36:14.016" v="416" actId="478"/>
-          <ac:spMkLst>
-            <pc:docMk/>
-            <pc:sldMk cId="3304192779" sldId="265"/>
-            <ac:spMk id="6" creationId="{63A3221C-0FE7-9D69-87B5-BB6B3CAC6F7C}"/>
-          </ac:spMkLst>
-        </pc:spChg>
-        <pc:spChg chg="del">
-          <ac:chgData name="Yunoh Seo" userId="efae776377444399" providerId="LiveId" clId="{840F65C8-68DF-4AAE-856C-4F1783051E79}" dt="2024-04-17T02:36:15.742" v="417" actId="478"/>
-          <ac:spMkLst>
-            <pc:docMk/>
-            <pc:sldMk cId="3304192779" sldId="265"/>
-            <ac:spMk id="7" creationId="{D5AC7425-ACD3-A33C-AF7E-7778BA417A3E}"/>
-          </ac:spMkLst>
-        </pc:spChg>
-        <pc:spChg chg="del mod">
-          <ac:chgData name="Yunoh Seo" userId="efae776377444399" providerId="LiveId" clId="{840F65C8-68DF-4AAE-856C-4F1783051E79}" dt="2024-04-17T02:36:04.501" v="413" actId="478"/>
-          <ac:spMkLst>
-            <pc:docMk/>
-            <pc:sldMk cId="3304192779" sldId="265"/>
-            <ac:spMk id="18" creationId="{C5D3C1C6-A8CA-6905-85A1-CB0AB77F5402}"/>
-          </ac:spMkLst>
-        </pc:spChg>
-        <pc:spChg chg="del">
-          <ac:chgData name="Yunoh Seo" userId="efae776377444399" providerId="LiveId" clId="{840F65C8-68DF-4AAE-856C-4F1783051E79}" dt="2024-04-17T02:36:03.475" v="411" actId="478"/>
-          <ac:spMkLst>
-            <pc:docMk/>
-            <pc:sldMk cId="3304192779" sldId="265"/>
-            <ac:spMk id="19" creationId="{D7593A3E-0C1F-411C-F0FD-119F23AB4928}"/>
-          </ac:spMkLst>
-        </pc:spChg>
-        <pc:spChg chg="add mod">
-          <ac:chgData name="Yunoh Seo" userId="efae776377444399" providerId="LiveId" clId="{840F65C8-68DF-4AAE-856C-4F1783051E79}" dt="2024-04-17T02:36:42.370" v="427" actId="1076"/>
-          <ac:spMkLst>
-            <pc:docMk/>
-            <pc:sldMk cId="3304192779" sldId="265"/>
-            <ac:spMk id="20" creationId="{62251EF3-6473-0F10-15C0-5316088F75FC}"/>
-          </ac:spMkLst>
-        </pc:spChg>
-        <pc:spChg chg="add mod">
-          <ac:chgData name="Yunoh Seo" userId="efae776377444399" providerId="LiveId" clId="{840F65C8-68DF-4AAE-856C-4F1783051E79}" dt="2024-04-17T02:36:33.806" v="424" actId="1037"/>
-          <ac:spMkLst>
-            <pc:docMk/>
-            <pc:sldMk cId="3304192779" sldId="265"/>
-            <ac:spMk id="21" creationId="{0338765F-74F0-78BB-E320-158CB16D8B7B}"/>
-          </ac:spMkLst>
-        </pc:spChg>
-        <pc:grpChg chg="del">
-          <ac:chgData name="Yunoh Seo" userId="efae776377444399" providerId="LiveId" clId="{840F65C8-68DF-4AAE-856C-4F1783051E79}" dt="2024-04-17T02:36:02.050" v="410" actId="478"/>
-          <ac:grpSpMkLst>
-            <pc:docMk/>
-            <pc:sldMk cId="3304192779" sldId="265"/>
-            <ac:grpSpMk id="2" creationId="{12226F0F-CE60-5C77-877B-3A18D0016FE2}"/>
-          </ac:grpSpMkLst>
-        </pc:grpChg>
-        <pc:cxnChg chg="add mod">
-          <ac:chgData name="Yunoh Seo" userId="efae776377444399" providerId="LiveId" clId="{840F65C8-68DF-4AAE-856C-4F1783051E79}" dt="2024-04-17T02:36:59.626" v="429" actId="208"/>
-          <ac:cxnSpMkLst>
-            <pc:docMk/>
-            <pc:sldMk cId="3304192779" sldId="265"/>
-            <ac:cxnSpMk id="22" creationId="{7274448E-7063-CF0C-4524-7126CE8A85AF}"/>
-          </ac:cxnSpMkLst>
-        </pc:cxnChg>
-      </pc:sldChg>
-      <pc:sldChg chg="add del">
-        <pc:chgData name="Yunoh Seo" userId="efae776377444399" providerId="LiveId" clId="{840F65C8-68DF-4AAE-856C-4F1783051E79}" dt="2024-04-17T02:42:08.153" v="455"/>
-        <pc:sldMkLst>
-          <pc:docMk/>
-          <pc:sldMk cId="2410752470" sldId="266"/>
-        </pc:sldMkLst>
-      </pc:sldChg>
-      <pc:sldChg chg="addSp delSp modSp add mod">
-        <pc:chgData name="Yunoh Seo" userId="efae776377444399" providerId="LiveId" clId="{840F65C8-68DF-4AAE-856C-4F1783051E79}" dt="2024-04-17T02:56:57.161" v="872" actId="1076"/>
-        <pc:sldMkLst>
-          <pc:docMk/>
-          <pc:sldMk cId="3643271921" sldId="266"/>
-        </pc:sldMkLst>
-        <pc:spChg chg="del">
-          <ac:chgData name="Yunoh Seo" userId="efae776377444399" providerId="LiveId" clId="{840F65C8-68DF-4AAE-856C-4F1783051E79}" dt="2024-04-17T02:42:23.302" v="486" actId="478"/>
-          <ac:spMkLst>
-            <pc:docMk/>
-            <pc:sldMk cId="3643271921" sldId="266"/>
-            <ac:spMk id="2" creationId="{CDEA0312-C4B8-A905-AB3C-F0ED62119300}"/>
-          </ac:spMkLst>
-        </pc:spChg>
-        <pc:spChg chg="mod">
-          <ac:chgData name="Yunoh Seo" userId="efae776377444399" providerId="LiveId" clId="{840F65C8-68DF-4AAE-856C-4F1783051E79}" dt="2024-04-17T02:42:12.994" v="458" actId="20577"/>
-          <ac:spMkLst>
-            <pc:docMk/>
-            <pc:sldMk cId="3643271921" sldId="266"/>
-            <ac:spMk id="6" creationId="{63A3221C-0FE7-9D69-87B5-BB6B3CAC6F7C}"/>
-          </ac:spMkLst>
-        </pc:spChg>
-        <pc:spChg chg="mod">
-          <ac:chgData name="Yunoh Seo" userId="efae776377444399" providerId="LiveId" clId="{840F65C8-68DF-4AAE-856C-4F1783051E79}" dt="2024-04-17T02:42:18.245" v="483"/>
-          <ac:spMkLst>
-            <pc:docMk/>
-            <pc:sldMk cId="3643271921" sldId="266"/>
-            <ac:spMk id="7" creationId="{D5AC7425-ACD3-A33C-AF7E-7778BA417A3E}"/>
-          </ac:spMkLst>
-        </pc:spChg>
-        <pc:spChg chg="add del mod">
-          <ac:chgData name="Yunoh Seo" userId="efae776377444399" providerId="LiveId" clId="{840F65C8-68DF-4AAE-856C-4F1783051E79}" dt="2024-04-17T02:42:22.441" v="485" actId="478"/>
-          <ac:spMkLst>
-            <pc:docMk/>
-            <pc:sldMk cId="3643271921" sldId="266"/>
-            <ac:spMk id="8" creationId="{24795C8F-B32F-ADF0-BA3C-A77947355FE4}"/>
-          </ac:spMkLst>
-        </pc:spChg>
-        <pc:spChg chg="add">
-          <ac:chgData name="Yunoh Seo" userId="efae776377444399" providerId="LiveId" clId="{840F65C8-68DF-4AAE-856C-4F1783051E79}" dt="2024-04-17T02:45:44.090" v="503"/>
-          <ac:spMkLst>
-            <pc:docMk/>
-            <pc:sldMk cId="3643271921" sldId="266"/>
-            <ac:spMk id="11" creationId="{4EDF4318-E22E-83D9-9F9E-402048DF0284}"/>
-          </ac:spMkLst>
-        </pc:spChg>
-        <pc:spChg chg="del">
-          <ac:chgData name="Yunoh Seo" userId="efae776377444399" providerId="LiveId" clId="{840F65C8-68DF-4AAE-856C-4F1783051E79}" dt="2024-04-17T02:42:24.394" v="487" actId="478"/>
-          <ac:spMkLst>
-            <pc:docMk/>
-            <pc:sldMk cId="3643271921" sldId="266"/>
-            <ac:spMk id="13" creationId="{B8CE6A36-FAFB-D742-AD0F-842BB79BA50B}"/>
-          </ac:spMkLst>
-        </pc:spChg>
-        <pc:spChg chg="add mod">
-          <ac:chgData name="Yunoh Seo" userId="efae776377444399" providerId="LiveId" clId="{840F65C8-68DF-4AAE-856C-4F1783051E79}" dt="2024-04-17T02:53:26.982" v="815" actId="1076"/>
-          <ac:spMkLst>
-            <pc:docMk/>
-            <pc:sldMk cId="3643271921" sldId="266"/>
-            <ac:spMk id="21" creationId="{76A3655C-54E5-E376-FD42-658D8301ECC7}"/>
-          </ac:spMkLst>
-        </pc:spChg>
-        <pc:spChg chg="add mod ord">
-          <ac:chgData name="Yunoh Seo" userId="efae776377444399" providerId="LiveId" clId="{840F65C8-68DF-4AAE-856C-4F1783051E79}" dt="2024-04-17T02:54:18.639" v="827" actId="164"/>
-          <ac:spMkLst>
-            <pc:docMk/>
-            <pc:sldMk cId="3643271921" sldId="266"/>
-            <ac:spMk id="30" creationId="{A02A12A8-E51E-F0E8-5042-26B0D447E5E4}"/>
-          </ac:spMkLst>
-        </pc:spChg>
-        <pc:grpChg chg="add mod">
-          <ac:chgData name="Yunoh Seo" userId="efae776377444399" providerId="LiveId" clId="{840F65C8-68DF-4AAE-856C-4F1783051E79}" dt="2024-04-17T02:54:13.297" v="826" actId="1037"/>
-          <ac:grpSpMkLst>
-            <pc:docMk/>
-            <pc:sldMk cId="3643271921" sldId="266"/>
-            <ac:grpSpMk id="20" creationId="{812D88A0-194B-0A89-4620-43AC91B75C46}"/>
-          </ac:grpSpMkLst>
-        </pc:grpChg>
-        <pc:grpChg chg="add mod">
-          <ac:chgData name="Yunoh Seo" userId="efae776377444399" providerId="LiveId" clId="{840F65C8-68DF-4AAE-856C-4F1783051E79}" dt="2024-04-17T02:54:18.639" v="827" actId="164"/>
-          <ac:grpSpMkLst>
-            <pc:docMk/>
-            <pc:sldMk cId="3643271921" sldId="266"/>
-            <ac:grpSpMk id="29" creationId="{D06B7DBC-3C39-F5C3-5220-AA3D06304CAE}"/>
-          </ac:grpSpMkLst>
-        </pc:grpChg>
-        <pc:grpChg chg="add mod">
-          <ac:chgData name="Yunoh Seo" userId="efae776377444399" providerId="LiveId" clId="{840F65C8-68DF-4AAE-856C-4F1783051E79}" dt="2024-04-17T02:54:18.639" v="827" actId="164"/>
-          <ac:grpSpMkLst>
-            <pc:docMk/>
-            <pc:sldMk cId="3643271921" sldId="266"/>
-            <ac:grpSpMk id="31" creationId="{854DCC7B-4EBE-EC26-BBA0-565A1F80880E}"/>
-          </ac:grpSpMkLst>
-        </pc:grpChg>
-        <pc:picChg chg="add mod">
-          <ac:chgData name="Yunoh Seo" userId="efae776377444399" providerId="LiveId" clId="{840F65C8-68DF-4AAE-856C-4F1783051E79}" dt="2024-04-17T02:54:13.297" v="826" actId="1037"/>
-          <ac:picMkLst>
-            <pc:docMk/>
-            <pc:sldMk cId="3643271921" sldId="266"/>
-            <ac:picMk id="10" creationId="{9D3EC23E-1490-3C66-B6BA-F9FACF10BF85}"/>
-          </ac:picMkLst>
-        </pc:picChg>
-        <pc:picChg chg="del">
-          <ac:chgData name="Yunoh Seo" userId="efae776377444399" providerId="LiveId" clId="{840F65C8-68DF-4AAE-856C-4F1783051E79}" dt="2024-04-17T02:42:19.554" v="484" actId="478"/>
-          <ac:picMkLst>
-            <pc:docMk/>
-            <pc:sldMk cId="3643271921" sldId="266"/>
-            <ac:picMk id="12" creationId="{AB5D21F8-CB30-64CD-8378-A71AF2A9FB8E}"/>
-          </ac:picMkLst>
-        </pc:picChg>
-        <pc:picChg chg="add mod">
-          <ac:chgData name="Yunoh Seo" userId="efae776377444399" providerId="LiveId" clId="{840F65C8-68DF-4AAE-856C-4F1783051E79}" dt="2024-04-17T02:54:13.297" v="826" actId="1037"/>
-          <ac:picMkLst>
-            <pc:docMk/>
-            <pc:sldMk cId="3643271921" sldId="266"/>
-            <ac:picMk id="15" creationId="{2C19F292-F9C6-EA78-BC3A-54C042B67B8D}"/>
-          </ac:picMkLst>
-        </pc:picChg>
-        <pc:picChg chg="add mod">
-          <ac:chgData name="Yunoh Seo" userId="efae776377444399" providerId="LiveId" clId="{840F65C8-68DF-4AAE-856C-4F1783051E79}" dt="2024-04-17T02:56:49.343" v="867" actId="1076"/>
-          <ac:picMkLst>
-            <pc:docMk/>
-            <pc:sldMk cId="3643271921" sldId="266"/>
-            <ac:picMk id="17" creationId="{B1FD8612-F250-A65F-91B1-E4279A834F07}"/>
-          </ac:picMkLst>
-        </pc:picChg>
-        <pc:picChg chg="add mod">
-          <ac:chgData name="Yunoh Seo" userId="efae776377444399" providerId="LiveId" clId="{840F65C8-68DF-4AAE-856C-4F1783051E79}" dt="2024-04-17T02:54:13.297" v="826" actId="1037"/>
-          <ac:picMkLst>
-            <pc:docMk/>
-            <pc:sldMk cId="3643271921" sldId="266"/>
-            <ac:picMk id="19" creationId="{B5B7D7D4-A33F-96CB-B1E5-620255CAD83D}"/>
-          </ac:picMkLst>
-        </pc:picChg>
-        <pc:picChg chg="add del">
-          <ac:chgData name="Yunoh Seo" userId="efae776377444399" providerId="LiveId" clId="{840F65C8-68DF-4AAE-856C-4F1783051E79}" dt="2024-04-17T02:51:05.941" v="775" actId="22"/>
-          <ac:picMkLst>
-            <pc:docMk/>
-            <pc:sldMk cId="3643271921" sldId="266"/>
-            <ac:picMk id="23" creationId="{36022D1A-094B-117D-5F09-845FC3F8C126}"/>
-          </ac:picMkLst>
-        </pc:picChg>
-        <pc:picChg chg="add del">
-          <ac:chgData name="Yunoh Seo" userId="efae776377444399" providerId="LiveId" clId="{840F65C8-68DF-4AAE-856C-4F1783051E79}" dt="2024-04-17T02:51:10.546" v="777" actId="22"/>
-          <ac:picMkLst>
-            <pc:docMk/>
-            <pc:sldMk cId="3643271921" sldId="266"/>
-            <ac:picMk id="25" creationId="{FFC345C6-6F88-3113-C4A7-B3302B3E201B}"/>
-          </ac:picMkLst>
-        </pc:picChg>
-        <pc:picChg chg="add mod">
-          <ac:chgData name="Yunoh Seo" userId="efae776377444399" providerId="LiveId" clId="{840F65C8-68DF-4AAE-856C-4F1783051E79}" dt="2024-04-17T02:54:13.297" v="826" actId="1037"/>
-          <ac:picMkLst>
-            <pc:docMk/>
-            <pc:sldMk cId="3643271921" sldId="266"/>
-            <ac:picMk id="27" creationId="{33539337-EB95-E5C5-9EF8-D4AD5D5A7167}"/>
-          </ac:picMkLst>
-        </pc:picChg>
-        <pc:picChg chg="add mod">
-          <ac:chgData name="Yunoh Seo" userId="efae776377444399" providerId="LiveId" clId="{840F65C8-68DF-4AAE-856C-4F1783051E79}" dt="2024-04-17T02:54:13.297" v="826" actId="1037"/>
-          <ac:picMkLst>
-            <pc:docMk/>
-            <pc:sldMk cId="3643271921" sldId="266"/>
-            <ac:picMk id="28" creationId="{A5218309-8477-4122-0397-952240FCE249}"/>
-          </ac:picMkLst>
-        </pc:picChg>
-        <pc:picChg chg="add mod">
-          <ac:chgData name="Yunoh Seo" userId="efae776377444399" providerId="LiveId" clId="{840F65C8-68DF-4AAE-856C-4F1783051E79}" dt="2024-04-17T02:56:57.161" v="872" actId="1076"/>
-          <ac:picMkLst>
-            <pc:docMk/>
-            <pc:sldMk cId="3643271921" sldId="266"/>
-            <ac:picMk id="33" creationId="{4EAE176A-1E4F-806D-2B58-1A85C27B9F2C}"/>
-          </ac:picMkLst>
-        </pc:picChg>
-        <pc:picChg chg="add mod">
-          <ac:chgData name="Yunoh Seo" userId="efae776377444399" providerId="LiveId" clId="{840F65C8-68DF-4AAE-856C-4F1783051E79}" dt="2024-04-17T02:54:13.297" v="826" actId="1037"/>
-          <ac:picMkLst>
-            <pc:docMk/>
-            <pc:sldMk cId="3643271921" sldId="266"/>
-            <ac:picMk id="1028" creationId="{609BAFB8-4ECB-7011-9DBA-683CDE55685A}"/>
-          </ac:picMkLst>
-        </pc:picChg>
-      </pc:sldChg>
-    </pc:docChg>
-  </pc:docChgLst>
-</pc:chgInfo>
-</file>
-
 <file path=ppt/notesMasters/notesMaster1.xml><?xml version="1.0" encoding="utf-8"?>
-<p:notesMaster xmlns:a="http://schemas.openxmlformats.org/drawingml/2006/main" xmlns:r="http://schemas.openxmlformats.org/officeDocument/2006/relationships" xmlns:p="http://schemas.openxmlformats.org/presentationml/2006/main">
+<p:notesMaster xmlns:r="http://schemas.openxmlformats.org/officeDocument/2006/relationships" xmlns:c="http://schemas.openxmlformats.org/drawingml/2006/chart" xmlns:a="http://schemas.openxmlformats.org/drawingml/2006/main" xmlns:dgm="http://schemas.openxmlformats.org/drawingml/2006/diagram" xmlns:dsp="http://schemas.microsoft.com/office/drawing/2008/diagram" xmlns:p="http://schemas.openxmlformats.org/presentationml/2006/main">
   <p:cSld>
     <p:bg>
       <p:bgRef idx="1001">
@@ -1071,7 +149,7 @@
             <a:spLocks noGrp="1"/>
           </p:cNvSpPr>
           <p:nvPr>
-            <p:ph type="hdr" sz="quarter"/>
+            <p:ph type="hdr" sz="quarter" idx="0"/>
           </p:nvPr>
         </p:nvSpPr>
         <p:spPr>
@@ -1091,6 +169,7 @@
             </a:lvl1pPr>
           </a:lstStyle>
           <a:p>
+            <a:pPr lvl="0"/>
             <a:endParaRPr lang="ko-KR" altLang="en-US" dirty="0"/>
           </a:p>
         </p:txBody>
@@ -1122,7 +201,8 @@
             </a:lvl1pPr>
           </a:lstStyle>
           <a:p>
-            <a:fld id="{9A6325E1-23E7-46BC-9504-1407FE46C3EE}" type="datetimeFigureOut">
+            <a:pPr lvl="0"/>
+            <a:fld id="{9A6325E1-23E7-46BC-9504-1407FE46C3EE}" type="datetime1">
               <a:rPr lang="ko-KR" altLang="en-US" smtClean="0"/>
               <a:t>2024-04-17</a:t>
             </a:fld>
@@ -1134,7 +214,7 @@
         <p:nvSpPr>
           <p:cNvPr id="4" name="슬라이드 이미지 개체 틀 3"/>
           <p:cNvSpPr>
-            <a:spLocks noGrp="1" noRot="1" noChangeAspect="1"/>
+            <a:spLocks noGrp="1" noRot="1" noChangeAspect="1" noTextEdit="1"/>
           </p:cNvSpPr>
           <p:nvPr>
             <p:ph type="sldImg" idx="2"/>
@@ -1159,6 +239,7 @@
           <a:bodyPr vert="horz" lIns="91440" tIns="45720" rIns="91440" bIns="45720" rtlCol="0" anchor="ctr"/>
           <a:lstStyle/>
           <a:p>
+            <a:pPr lvl="0"/>
             <a:endParaRPr lang="ko-KR" altLang="en-US" dirty="0"/>
           </a:p>
         </p:txBody>
@@ -1183,42 +264,57 @@
           </a:prstGeom>
         </p:spPr>
         <p:txBody>
-          <a:bodyPr vert="horz" lIns="91440" tIns="45720" rIns="91440" bIns="45720" rtlCol="0"/>
+          <a:bodyPr vert="horz" lIns="91440" tIns="45720" rIns="91440" bIns="45720"/>
           <a:lstStyle/>
           <a:p>
-            <a:pPr lvl="0"/>
+            <a:pPr lvl="0">
+              <a:defRPr/>
+            </a:pPr>
             <a:r>
               <a:rPr lang="ko-KR" altLang="en-US"/>
               <a:t>마스터 텍스트 스타일을 편집하려면 클릭</a:t>
             </a:r>
-          </a:p>
-          <a:p>
-            <a:pPr lvl="1"/>
+            <a:endParaRPr lang="ko-KR" altLang="en-US"/>
+          </a:p>
+          <a:p>
+            <a:pPr lvl="1">
+              <a:defRPr/>
+            </a:pPr>
             <a:r>
               <a:rPr lang="ko-KR" altLang="en-US"/>
               <a:t>두 번째 수준</a:t>
             </a:r>
-          </a:p>
-          <a:p>
-            <a:pPr lvl="2"/>
+            <a:endParaRPr lang="ko-KR" altLang="en-US"/>
+          </a:p>
+          <a:p>
+            <a:pPr lvl="2">
+              <a:defRPr/>
+            </a:pPr>
             <a:r>
               <a:rPr lang="ko-KR" altLang="en-US"/>
               <a:t>세 번째 수준</a:t>
             </a:r>
-          </a:p>
-          <a:p>
-            <a:pPr lvl="3"/>
+            <a:endParaRPr lang="ko-KR" altLang="en-US"/>
+          </a:p>
+          <a:p>
+            <a:pPr lvl="3">
+              <a:defRPr/>
+            </a:pPr>
             <a:r>
               <a:rPr lang="ko-KR" altLang="en-US"/>
               <a:t>네 번째 수준</a:t>
             </a:r>
-          </a:p>
-          <a:p>
-            <a:pPr lvl="4"/>
+            <a:endParaRPr lang="ko-KR" altLang="en-US"/>
+          </a:p>
+          <a:p>
+            <a:pPr lvl="4">
+              <a:defRPr/>
+            </a:pPr>
             <a:r>
               <a:rPr lang="ko-KR" altLang="en-US"/>
               <a:t>다섯 번째 수준</a:t>
             </a:r>
+            <a:endParaRPr lang="ko-KR" altLang="en-US"/>
           </a:p>
         </p:txBody>
       </p:sp>
@@ -1249,6 +345,7 @@
             </a:lvl1pPr>
           </a:lstStyle>
           <a:p>
+            <a:pPr lvl="0"/>
             <a:endParaRPr lang="ko-KR" altLang="en-US" dirty="0"/>
           </a:p>
         </p:txBody>
@@ -1280,6 +377,7 @@
             </a:lvl1pPr>
           </a:lstStyle>
           <a:p>
+            <a:pPr lvl="0"/>
             <a:fld id="{222DD552-84BF-4A8B-831D-8BB12717D5F3}" type="slidenum">
               <a:rPr lang="ko-KR" altLang="en-US" smtClean="0"/>
               <a:t>‹#›</a:t>
@@ -1296,6 +394,7 @@
     </p:extLst>
   </p:cSld>
   <p:clrMap bg1="lt1" tx1="dk1" bg2="lt2" tx2="dk2" accent1="accent1" accent2="accent2" accent3="accent3" accent4="accent4" accent5="accent5" accent6="accent6" hlink="hlink" folHlink="folHlink"/>
+  <p:hf hdr="0" ftr="0" dt="0"/>
   <p:notesStyle>
     <a:lvl1pPr marL="0" algn="l" defTabSz="914400" rtl="0" eaLnBrk="1" latinLnBrk="1" hangingPunct="1">
       <a:defRPr sz="1200" kern="1200">
@@ -1392,6 +491,134 @@
 </file>
 
 <file path=ppt/notesSlides/notesSlide1.xml><?xml version="1.0" encoding="utf-8"?>
+<p:notes xmlns:r="http://schemas.openxmlformats.org/officeDocument/2006/relationships" xmlns:c="http://schemas.openxmlformats.org/drawingml/2006/chart" xmlns:a="http://schemas.openxmlformats.org/drawingml/2006/main" xmlns:dgm="http://schemas.openxmlformats.org/drawingml/2006/diagram" xmlns:dsp="http://schemas.microsoft.com/office/drawing/2008/diagram" xmlns:p="http://schemas.openxmlformats.org/presentationml/2006/main">
+  <p:cSld>
+    <p:spTree>
+      <p:nvGrpSpPr>
+        <p:cNvPr id="1" name=""/>
+        <p:cNvGrpSpPr/>
+        <p:nvPr/>
+      </p:nvGrpSpPr>
+      <p:grpSpPr>
+        <a:xfrm>
+          <a:off x="0" y="0"/>
+          <a:ext cx="0" cy="0"/>
+          <a:chOff x="0" y="0"/>
+          <a:chExt cx="0" cy="0"/>
+        </a:xfrm>
+      </p:grpSpPr>
+      <p:sp>
+        <p:nvSpPr>
+          <p:cNvPr id="2" name="슬라이드 이미지 개체 틀 3"/>
+          <p:cNvSpPr>
+            <a:spLocks noGrp="1" noRot="1" noChangeAspect="1" noTextEdit="1"/>
+          </p:cNvSpPr>
+          <p:nvPr>
+            <p:ph type="sldImg" idx="2"/>
+          </p:nvPr>
+        </p:nvSpPr>
+        <p:spPr/>
+        <p:txBody>
+          <a:bodyPr/>
+          <a:p>
+            <a:endParaRPr lang="ko-KR" altLang="en-US"/>
+          </a:p>
+        </p:txBody>
+      </p:sp>
+      <p:sp>
+        <p:nvSpPr>
+          <p:cNvPr id="3" name="슬라이드 노트 개체 틀 4"/>
+          <p:cNvSpPr>
+            <a:spLocks noGrp="1"/>
+          </p:cNvSpPr>
+          <p:nvPr>
+            <p:ph type="body" sz="quarter" idx="3"/>
+          </p:nvPr>
+        </p:nvSpPr>
+        <p:spPr/>
+        <p:txBody>
+          <a:bodyPr/>
+          <a:p>
+            <a:pPr>
+              <a:defRPr/>
+            </a:pPr>
+            <a:r>
+              <a:rPr lang="ko-KR" altLang="en-US"/>
+              <a:t>프로젝트 정의</a:t>
+            </a:r>
+            <a:r>
+              <a:rPr lang="en-US" altLang="ko-KR"/>
+              <a:t>:</a:t>
+            </a:r>
+            <a:r>
+              <a:rPr lang="ko-KR" altLang="en-US"/>
+              <a:t> </a:t>
+            </a:r>
+            <a:r>
+              <a:rPr lang="en-US" altLang="ko-KR"/>
+              <a:t>Raspi5 </a:t>
+            </a:r>
+            <a:r>
+              <a:rPr lang="ko-KR" altLang="en-US"/>
+              <a:t>를 활용한 </a:t>
+            </a:r>
+            <a:r>
+              <a:rPr lang="en-US" altLang="ko-KR"/>
+              <a:t>Computer Vision</a:t>
+            </a:r>
+            <a:r>
+              <a:rPr lang="ko-KR" altLang="en-US"/>
+              <a:t>이 필요한 다양한 프로젝트에서 쓸 수 있는 </a:t>
+            </a:r>
+            <a:r>
+              <a:rPr lang="en-US" altLang="ko-KR"/>
+              <a:t>Computer Vision Suite</a:t>
+            </a:r>
+            <a:r>
+              <a:rPr lang="ko-KR" altLang="en-US"/>
+              <a:t>를 개발 하는것이 저희 조의 주제 입니다</a:t>
+            </a:r>
+            <a:endParaRPr lang="ko-KR" altLang="en-US"/>
+          </a:p>
+        </p:txBody>
+      </p:sp>
+      <p:sp>
+        <p:nvSpPr>
+          <p:cNvPr id="4" name="슬라이드 번호 개체 틀 6"/>
+          <p:cNvSpPr>
+            <a:spLocks noGrp="1"/>
+          </p:cNvSpPr>
+          <p:nvPr>
+            <p:ph type="sldNum" sz="quarter" idx="5"/>
+          </p:nvPr>
+        </p:nvSpPr>
+        <p:spPr/>
+        <p:txBody>
+          <a:bodyPr/>
+          <a:p>
+            <a:pPr lvl="0"/>
+            <a:fld id="{222DD552-84BF-4A8B-831D-8BB12717D5F3}" type="slidenum">
+              <a:rPr lang="ko-KR" altLang="en-US" smtClean="0"/>
+              <a:t>2</a:t>
+            </a:fld>
+            <a:endParaRPr lang="ko-KR" altLang="en-US" dirty="0"/>
+          </a:p>
+        </p:txBody>
+      </p:sp>
+    </p:spTree>
+    <p:extLst>
+      <p:ext uri="{BB962C8B-B14F-4D97-AF65-F5344CB8AC3E}">
+        <p14:creationId xmlns:p14="http://schemas.microsoft.com/office/powerpoint/2010/main" val="1219727934"/>
+      </p:ext>
+    </p:extLst>
+  </p:cSld>
+  <p:clrMapOvr>
+    <a:masterClrMapping/>
+  </p:clrMapOvr>
+</p:notes>
+</file>
+
+<file path=ppt/notesSlides/notesSlide10.xml><?xml version="1.0" encoding="utf-8"?>
 <p:notes xmlns:a="http://schemas.openxmlformats.org/drawingml/2006/main" xmlns:r="http://schemas.openxmlformats.org/officeDocument/2006/relationships" xmlns:p="http://schemas.openxmlformats.org/presentationml/2006/main">
   <p:cSld>
     <p:spTree>
@@ -1435,99 +662,6 @@
           <a:bodyPr/>
           <a:lstStyle/>
           <a:p>
-            <a:r>
-              <a:rPr lang="en-US" altLang="ko-KR" dirty="0"/>
-              <a:t>-</a:t>
-            </a:r>
-            <a:r>
-              <a:rPr lang="ko-KR" altLang="en-US" dirty="0"/>
-              <a:t>임베디드 시스템의 시장은 </a:t>
-            </a:r>
-            <a:r>
-              <a:rPr lang="en-US" altLang="ko-KR" dirty="0"/>
-              <a:t>2021</a:t>
-            </a:r>
-            <a:r>
-              <a:rPr lang="ko-KR" altLang="en-US" dirty="0"/>
-              <a:t>년에 </a:t>
-            </a:r>
-            <a:r>
-              <a:rPr lang="en-US" altLang="ko-KR" dirty="0"/>
-              <a:t>89.1</a:t>
-            </a:r>
-            <a:r>
-              <a:rPr lang="ko-KR" altLang="en-US" dirty="0"/>
-              <a:t>억 달러에서 </a:t>
-            </a:r>
-            <a:r>
-              <a:rPr lang="en-US" altLang="ko-KR" dirty="0"/>
-              <a:t>2031</a:t>
-            </a:r>
-            <a:r>
-              <a:rPr lang="ko-KR" altLang="en-US" dirty="0"/>
-              <a:t>년 </a:t>
-            </a:r>
-            <a:r>
-              <a:rPr lang="en-US" altLang="ko-KR" dirty="0"/>
-              <a:t>163.2</a:t>
-            </a:r>
-            <a:r>
-              <a:rPr lang="ko-KR" altLang="en-US" dirty="0"/>
-              <a:t>억 달러에 이를 것으로 예상되며</a:t>
-            </a:r>
-            <a:r>
-              <a:rPr lang="en-US" altLang="ko-KR" dirty="0"/>
-              <a:t>, 2022</a:t>
-            </a:r>
-            <a:r>
-              <a:rPr lang="ko-KR" altLang="en-US" dirty="0"/>
-              <a:t>년부터 </a:t>
-            </a:r>
-            <a:r>
-              <a:rPr lang="en-US" altLang="ko-KR" dirty="0"/>
-              <a:t>2031</a:t>
-            </a:r>
-            <a:r>
-              <a:rPr lang="ko-KR" altLang="en-US" dirty="0"/>
-              <a:t>년까지 연평균 </a:t>
-            </a:r>
-            <a:r>
-              <a:rPr lang="en-US" altLang="ko-KR" dirty="0"/>
-              <a:t>6.5%</a:t>
-            </a:r>
-            <a:r>
-              <a:rPr lang="ko-KR" altLang="en-US" dirty="0"/>
-              <a:t>의 성장률을 보일 것으로 예상됩니다</a:t>
-            </a:r>
-            <a:r>
-              <a:rPr lang="en-US" altLang="ko-KR" dirty="0"/>
-              <a:t>.</a:t>
-            </a:r>
-          </a:p>
-          <a:p>
-            <a:endParaRPr lang="en-US" altLang="ko-KR" dirty="0"/>
-          </a:p>
-          <a:p>
-            <a:r>
-              <a:rPr lang="en-US" altLang="ko-KR" dirty="0"/>
-              <a:t>-</a:t>
-            </a:r>
-            <a:r>
-              <a:rPr lang="ko-KR" altLang="en-US" dirty="0"/>
-              <a:t>임베디드 시스템의 성장은 스마트 웨어러블 장치의 판매 증가</a:t>
-            </a:r>
-            <a:r>
-              <a:rPr lang="en-US" altLang="ko-KR" dirty="0"/>
-              <a:t>, </a:t>
-            </a:r>
-            <a:r>
-              <a:rPr lang="ko-KR" altLang="en-US" dirty="0"/>
-              <a:t>산업에서의 자동화 솔루션 사용 증가에 따른 것입니다</a:t>
-            </a:r>
-            <a:r>
-              <a:rPr lang="en-US" altLang="ko-KR" dirty="0"/>
-              <a:t>.</a:t>
-            </a:r>
             <a:endParaRPr lang="ko-KR" altLang="en-US" dirty="0"/>
           </a:p>
         </p:txBody>
@@ -1549,7 +683,7 @@
           <a:p>
             <a:fld id="{222DD552-84BF-4A8B-831D-8BB12717D5F3}" type="slidenum">
               <a:rPr lang="ko-KR" altLang="en-US" smtClean="0"/>
-              <a:t>3</a:t>
+              <a:t>11</a:t>
             </a:fld>
             <a:endParaRPr lang="ko-KR" altLang="en-US" dirty="0"/>
           </a:p>
@@ -1558,7 +692,7 @@
     </p:spTree>
     <p:extLst>
       <p:ext uri="{BB962C8B-B14F-4D97-AF65-F5344CB8AC3E}">
-        <p14:creationId xmlns:p14="http://schemas.microsoft.com/office/powerpoint/2010/main" val="3757198358"/>
+        <p14:creationId xmlns:p14="http://schemas.microsoft.com/office/powerpoint/2010/main" val="1386389023"/>
       </p:ext>
     </p:extLst>
   </p:cSld>
@@ -1614,25 +748,84 @@
           <a:p>
             <a:r>
               <a:rPr lang="en-US" altLang="ko-KR" dirty="0"/>
-              <a:t>-  ADAS(Advanced Driver Assistance Systems)</a:t>
-            </a:r>
-          </a:p>
-          <a:p>
+              <a:t>-</a:t>
+            </a:r>
+            <a:r>
+              <a:rPr lang="ko-KR" altLang="en-US" dirty="0"/>
+              <a:t>임베디드 시스템의 시장은 </a:t>
+            </a:r>
             <a:r>
               <a:rPr lang="en-US" altLang="ko-KR" dirty="0"/>
-              <a:t>-  </a:t>
+              <a:t>2021</a:t>
             </a:r>
             <a:r>
               <a:rPr lang="ko-KR" altLang="en-US" dirty="0"/>
-              <a:t>스마트 시티 및 교통 시스템 </a:t>
+              <a:t>년에 </a:t>
             </a:r>
             <a:r>
               <a:rPr lang="en-US" altLang="ko-KR" dirty="0"/>
-              <a:t>: </a:t>
+              <a:t>89.1</a:t>
             </a:r>
             <a:r>
               <a:rPr lang="ko-KR" altLang="en-US" dirty="0"/>
-              <a:t>신호등 감지</a:t>
+              <a:t>억 달러에서 </a:t>
+            </a:r>
+            <a:r>
+              <a:rPr lang="en-US" altLang="ko-KR" dirty="0"/>
+              <a:t>2031</a:t>
+            </a:r>
+            <a:r>
+              <a:rPr lang="ko-KR" altLang="en-US" dirty="0"/>
+              <a:t>년 </a:t>
+            </a:r>
+            <a:r>
+              <a:rPr lang="en-US" altLang="ko-KR" dirty="0"/>
+              <a:t>163.2</a:t>
+            </a:r>
+            <a:r>
+              <a:rPr lang="ko-KR" altLang="en-US" dirty="0"/>
+              <a:t>억 달러에 이를 것으로 예상되며</a:t>
+            </a:r>
+            <a:r>
+              <a:rPr lang="en-US" altLang="ko-KR" dirty="0"/>
+              <a:t>, 2022</a:t>
+            </a:r>
+            <a:r>
+              <a:rPr lang="ko-KR" altLang="en-US" dirty="0"/>
+              <a:t>년부터 </a:t>
+            </a:r>
+            <a:r>
+              <a:rPr lang="en-US" altLang="ko-KR" dirty="0"/>
+              <a:t>2031</a:t>
+            </a:r>
+            <a:r>
+              <a:rPr lang="ko-KR" altLang="en-US" dirty="0"/>
+              <a:t>년까지 연평균 </a:t>
+            </a:r>
+            <a:r>
+              <a:rPr lang="en-US" altLang="ko-KR" dirty="0"/>
+              <a:t>6.5%</a:t>
+            </a:r>
+            <a:r>
+              <a:rPr lang="ko-KR" altLang="en-US" dirty="0"/>
+              <a:t>의 성장률을 보일 것으로 예상됩니다</a:t>
+            </a:r>
+            <a:r>
+              <a:rPr lang="en-US" altLang="ko-KR" dirty="0"/>
+              <a:t>.</a:t>
+            </a:r>
+          </a:p>
+          <a:p>
+            <a:endParaRPr lang="en-US" altLang="ko-KR" dirty="0"/>
+          </a:p>
+          <a:p>
+            <a:r>
+              <a:rPr lang="en-US" altLang="ko-KR" dirty="0"/>
+              <a:t>-</a:t>
+            </a:r>
+            <a:r>
+              <a:rPr lang="ko-KR" altLang="en-US" dirty="0"/>
+              <a:t>임베디드 시스템의 성장은 스마트 웨어러블 장치의 판매 증가</a:t>
             </a:r>
             <a:r>
               <a:rPr lang="en-US" altLang="ko-KR" dirty="0"/>
@@ -1640,34 +833,13 @@
             </a:r>
             <a:r>
               <a:rPr lang="ko-KR" altLang="en-US" dirty="0"/>
-              <a:t>교차로 효율화</a:t>
+              <a:t>산업에서의 자동화 솔루션 사용 증가에 따른 것입니다</a:t>
             </a:r>
             <a:r>
               <a:rPr lang="en-US" altLang="ko-KR" dirty="0"/>
-              <a:t>, </a:t>
-            </a:r>
-            <a:r>
-              <a:rPr lang="ko-KR" altLang="en-US" dirty="0"/>
-              <a:t>주차 공간 모니터링</a:t>
-            </a:r>
-          </a:p>
-          <a:p>
-            <a:r>
-              <a:rPr lang="en-US" altLang="ko-KR" dirty="0"/>
-              <a:t>-  </a:t>
-            </a:r>
-            <a:r>
-              <a:rPr lang="ko-KR" altLang="en-US" dirty="0"/>
-              <a:t>스마트 홈 및 </a:t>
-            </a:r>
-            <a:r>
-              <a:rPr lang="en-US" altLang="ko-KR" dirty="0"/>
-              <a:t>IoT : </a:t>
-            </a:r>
-            <a:r>
-              <a:rPr lang="ko-KR" altLang="en-US" dirty="0"/>
-              <a:t>보안 및 에너지 관리 시스템</a:t>
-            </a:r>
+              <a:t>.</a:t>
+            </a:r>
+            <a:endParaRPr lang="ko-KR" altLang="en-US" dirty="0"/>
           </a:p>
         </p:txBody>
       </p:sp>
@@ -1688,7 +860,7 @@
           <a:p>
             <a:fld id="{222DD552-84BF-4A8B-831D-8BB12717D5F3}" type="slidenum">
               <a:rPr lang="ko-KR" altLang="en-US" smtClean="0"/>
-              <a:t>4</a:t>
+              <a:t>3</a:t>
             </a:fld>
             <a:endParaRPr lang="ko-KR" altLang="en-US" dirty="0"/>
           </a:p>
@@ -1697,7 +869,7 @@
     </p:spTree>
     <p:extLst>
       <p:ext uri="{BB962C8B-B14F-4D97-AF65-F5344CB8AC3E}">
-        <p14:creationId xmlns:p14="http://schemas.microsoft.com/office/powerpoint/2010/main" val="1217960790"/>
+        <p14:creationId xmlns:p14="http://schemas.microsoft.com/office/powerpoint/2010/main" val="3757198358"/>
       </p:ext>
     </p:extLst>
   </p:cSld>
@@ -1708,7 +880,7 @@
 </file>
 
 <file path=ppt/notesSlides/notesSlide3.xml><?xml version="1.0" encoding="utf-8"?>
-<p:notes xmlns:a="http://schemas.openxmlformats.org/drawingml/2006/main" xmlns:r="http://schemas.openxmlformats.org/officeDocument/2006/relationships" xmlns:p="http://schemas.openxmlformats.org/presentationml/2006/main">
+<p:notes xmlns:r="http://schemas.openxmlformats.org/officeDocument/2006/relationships" xmlns:c="http://schemas.openxmlformats.org/drawingml/2006/chart" xmlns:a="http://schemas.openxmlformats.org/drawingml/2006/main" xmlns:dgm="http://schemas.openxmlformats.org/drawingml/2006/diagram" xmlns:dsp="http://schemas.microsoft.com/office/drawing/2008/diagram" xmlns:p="http://schemas.openxmlformats.org/presentationml/2006/main">
   <p:cSld>
     <p:spTree>
       <p:nvGrpSpPr>
@@ -1751,7 +923,156 @@
           <a:bodyPr/>
           <a:lstStyle/>
           <a:p>
-            <a:endParaRPr lang="ko-KR" altLang="en-US" dirty="0"/>
+            <a:pPr lvl="0">
+              <a:defRPr/>
+            </a:pPr>
+            <a:r>
+              <a:rPr lang="en-US" altLang="ko-KR"/>
+              <a:t>Computer vision</a:t>
+            </a:r>
+            <a:r>
+              <a:rPr lang="ko-KR" altLang="en-US"/>
+              <a:t> 이 사용되는 다양한 기술과 산업에대해서 설명해 드리겠습니다</a:t>
+            </a:r>
+            <a:endParaRPr lang="ko-KR" altLang="en-US"/>
+          </a:p>
+          <a:p>
+            <a:pPr lvl="0">
+              <a:defRPr/>
+            </a:pPr>
+            <a:r>
+              <a:rPr lang="en-US" altLang="ko-KR"/>
+              <a:t>ADAS(Advanced Driver Assistance Systems)</a:t>
+            </a:r>
+            <a:r>
+              <a:rPr lang="ko-KR" altLang="en-US"/>
+              <a:t> 첨단 운전자 보조 시스템</a:t>
+            </a:r>
+            <a:endParaRPr lang="ko-KR" altLang="en-US"/>
+          </a:p>
+          <a:p>
+            <a:pPr lvl="0">
+              <a:defRPr/>
+            </a:pPr>
+            <a:r>
+              <a:rPr lang="en-US" altLang="ko-KR"/>
+              <a:t>-  </a:t>
+            </a:r>
+            <a:r>
+              <a:rPr lang="ko-KR" altLang="en-US"/>
+              <a:t>스마트 시티 및 교통 시스템 </a:t>
+            </a:r>
+            <a:r>
+              <a:rPr lang="en-US" altLang="ko-KR"/>
+              <a:t>: </a:t>
+            </a:r>
+            <a:r>
+              <a:rPr lang="ko-KR" altLang="en-US"/>
+              <a:t>신호등 감지</a:t>
+            </a:r>
+            <a:r>
+              <a:rPr lang="en-US" altLang="ko-KR"/>
+              <a:t>, </a:t>
+            </a:r>
+            <a:r>
+              <a:rPr lang="ko-KR" altLang="en-US"/>
+              <a:t>교차로 효율화</a:t>
+            </a:r>
+            <a:r>
+              <a:rPr lang="en-US" altLang="ko-KR"/>
+              <a:t>, </a:t>
+            </a:r>
+            <a:r>
+              <a:rPr lang="ko-KR" altLang="en-US"/>
+              <a:t>주차 공간 모니터링</a:t>
+            </a:r>
+            <a:endParaRPr lang="ko-KR" altLang="en-US"/>
+          </a:p>
+          <a:p>
+            <a:pPr>
+              <a:buClr>
+                <a:schemeClr val="tx2">
+                  <a:lumMod val="50000"/>
+                  <a:lumOff val="50000"/>
+                </a:schemeClr>
+              </a:buClr>
+              <a:defRPr/>
+            </a:pPr>
+            <a:r>
+              <a:rPr lang="en-US" altLang="ko-KR"/>
+              <a:t>-  </a:t>
+            </a:r>
+            <a:r>
+              <a:rPr lang="ko-KR" altLang="en-US">
+                <a:solidFill>
+                  <a:schemeClr val="tx1">
+                    <a:lumMod val="65000"/>
+                    <a:lumOff val="35000"/>
+                  </a:schemeClr>
+                </a:solidFill>
+              </a:rPr>
+              <a:t>스마트 홈 시스템</a:t>
+            </a:r>
+            <a:r>
+              <a:rPr lang="en-US" altLang="ko-KR">
+                <a:solidFill>
+                  <a:schemeClr val="tx1">
+                    <a:lumMod val="65000"/>
+                    <a:lumOff val="35000"/>
+                  </a:schemeClr>
+                </a:solidFill>
+              </a:rPr>
+              <a:t>:</a:t>
+            </a:r>
+            <a:r>
+              <a:rPr lang="ko-KR" altLang="en-US">
+                <a:solidFill>
+                  <a:schemeClr val="tx1">
+                    <a:lumMod val="65000"/>
+                    <a:lumOff val="35000"/>
+                  </a:schemeClr>
+                </a:solidFill>
+              </a:rPr>
+              <a:t> 홈 모니터링 및 자동 제어</a:t>
+            </a:r>
+            <a:endParaRPr lang="ko-KR" altLang="en-US">
+              <a:solidFill>
+                <a:schemeClr val="tx1">
+                  <a:lumMod val="65000"/>
+                  <a:lumOff val="35000"/>
+                </a:schemeClr>
+              </a:solidFill>
+            </a:endParaRPr>
+          </a:p>
+          <a:p>
+            <a:pPr>
+              <a:buClr>
+                <a:schemeClr val="tx2">
+                  <a:lumMod val="50000"/>
+                  <a:lumOff val="50000"/>
+                </a:schemeClr>
+              </a:buClr>
+              <a:defRPr/>
+            </a:pPr>
+            <a:r>
+              <a:rPr lang="ko-KR" altLang="en-US">
+                <a:solidFill>
+                  <a:schemeClr val="tx1">
+                    <a:lumMod val="65000"/>
+                    <a:lumOff val="35000"/>
+                  </a:schemeClr>
+                </a:solidFill>
+              </a:rPr>
+              <a:t>이 외에도 제조 물류 산업등 다양하게  컴퓨터 비전을 사용할 수 있습니다</a:t>
+            </a:r>
+            <a:endParaRPr lang="ko-KR" altLang="en-US">
+              <a:solidFill>
+                <a:schemeClr val="tx1">
+                  <a:lumMod val="65000"/>
+                  <a:lumOff val="35000"/>
+                </a:schemeClr>
+              </a:solidFill>
+            </a:endParaRPr>
           </a:p>
         </p:txBody>
       </p:sp>
@@ -1772,7 +1093,7 @@
           <a:p>
             <a:fld id="{222DD552-84BF-4A8B-831D-8BB12717D5F3}" type="slidenum">
               <a:rPr lang="ko-KR" altLang="en-US" smtClean="0"/>
-              <a:t>5</a:t>
+              <a:t>4</a:t>
             </a:fld>
             <a:endParaRPr lang="ko-KR" altLang="en-US" dirty="0"/>
           </a:p>
@@ -1781,7 +1102,7 @@
     </p:spTree>
     <p:extLst>
       <p:ext uri="{BB962C8B-B14F-4D97-AF65-F5344CB8AC3E}">
-        <p14:creationId xmlns:p14="http://schemas.microsoft.com/office/powerpoint/2010/main" val="1531248244"/>
+        <p14:creationId xmlns:p14="http://schemas.microsoft.com/office/powerpoint/2010/main" val="1217960790"/>
       </p:ext>
     </p:extLst>
   </p:cSld>
@@ -1792,7 +1113,7 @@
 </file>
 
 <file path=ppt/notesSlides/notesSlide4.xml><?xml version="1.0" encoding="utf-8"?>
-<p:notes xmlns:a="http://schemas.openxmlformats.org/drawingml/2006/main" xmlns:r="http://schemas.openxmlformats.org/officeDocument/2006/relationships" xmlns:p="http://schemas.openxmlformats.org/presentationml/2006/main">
+<p:notes xmlns:r="http://schemas.openxmlformats.org/officeDocument/2006/relationships" xmlns:c="http://schemas.openxmlformats.org/drawingml/2006/chart" xmlns:a="http://schemas.openxmlformats.org/drawingml/2006/main" xmlns:dgm="http://schemas.openxmlformats.org/drawingml/2006/diagram" xmlns:dsp="http://schemas.microsoft.com/office/drawing/2008/diagram" xmlns:p="http://schemas.openxmlformats.org/presentationml/2006/main">
   <p:cSld>
     <p:spTree>
       <p:nvGrpSpPr>
@@ -1835,218 +1156,38 @@
           <a:bodyPr/>
           <a:lstStyle/>
           <a:p>
-            <a:r>
-              <a:rPr lang="en-US" altLang="ko-KR" dirty="0"/>
-              <a:t>1. </a:t>
-            </a:r>
-            <a:r>
-              <a:rPr lang="ko-KR" altLang="en-US" dirty="0"/>
-              <a:t>재난 현장이나 원격 지역에서 응급 구조를 위해 사용되는 의료 장비에 </a:t>
-            </a:r>
-            <a:r>
-              <a:rPr lang="en-US" altLang="ko-KR" dirty="0"/>
-              <a:t>CV </a:t>
-            </a:r>
-            <a:r>
-              <a:rPr lang="ko-KR" altLang="en-US" dirty="0"/>
-              <a:t>기술을 적용</a:t>
-            </a:r>
-          </a:p>
-          <a:p>
-            <a:r>
-              <a:rPr lang="en-US" altLang="ko-KR" dirty="0"/>
-              <a:t>2. </a:t>
-            </a:r>
-            <a:r>
-              <a:rPr lang="ko-KR" altLang="en-US" dirty="0"/>
-              <a:t>인터넷이 연결되지 않은 고립된 장소나 보안이 중요한 환경에서 </a:t>
-            </a:r>
-            <a:r>
-              <a:rPr lang="en-US" altLang="ko-KR" dirty="0"/>
+            <a:pPr lvl="0">
+              <a:defRPr/>
+            </a:pPr>
+            <a:r>
+              <a:rPr lang="ko-KR" altLang="en-US"/>
+              <a:t>왜 라즈베리 파이를 이용해 </a:t>
+            </a:r>
+            <a:r>
+              <a:rPr lang="en-US" altLang="ko-KR"/>
               <a:t>CV</a:t>
             </a:r>
             <a:r>
-              <a:rPr lang="ko-KR" altLang="en-US" dirty="0"/>
-              <a:t>를 사용한 보안 시스템을 구축</a:t>
-            </a:r>
-            <a:endParaRPr lang="en-US" altLang="ko-KR" dirty="0"/>
-          </a:p>
-          <a:p>
-            <a:endParaRPr lang="en-US" altLang="ko-KR" dirty="0"/>
-          </a:p>
-          <a:p>
-            <a:r>
-              <a:rPr lang="ko-KR" altLang="en-US" dirty="0"/>
-              <a:t> 엣지 컴퓨팅 임베디드 시스템을 활용하여 </a:t>
-            </a:r>
-            <a:r>
-              <a:rPr lang="en-US" altLang="ko-KR" dirty="0"/>
-              <a:t>CV </a:t>
-            </a:r>
-            <a:r>
-              <a:rPr lang="ko-KR" altLang="en-US" dirty="0"/>
-              <a:t>데이터를 전처리하고</a:t>
-            </a:r>
-            <a:r>
-              <a:rPr lang="en-US" altLang="ko-KR" dirty="0"/>
-              <a:t>, </a:t>
-            </a:r>
-            <a:r>
-              <a:rPr lang="ko-KR" altLang="en-US" dirty="0"/>
-              <a:t>필요한 정보만을 서버로 안전하게 전송</a:t>
-            </a:r>
-            <a:r>
-              <a:rPr lang="en-US" altLang="ko-KR" dirty="0"/>
-              <a:t>. </a:t>
-            </a:r>
-            <a:r>
-              <a:rPr lang="ko-KR" altLang="en-US" dirty="0"/>
-              <a:t>이를 통해 서버의 데이터 전처리 부담을 줄이고 실시간 응답성과 데이터 보안을 향상</a:t>
-            </a:r>
-          </a:p>
-          <a:p>
-            <a:endParaRPr lang="ko-KR" altLang="en-US" dirty="0"/>
-          </a:p>
-          <a:p>
-            <a:r>
-              <a:rPr lang="ko-KR" altLang="en-US" dirty="0"/>
-              <a:t>  </a:t>
-            </a:r>
-            <a:r>
-              <a:rPr lang="en-US" altLang="ko-KR" dirty="0"/>
-              <a:t>1. </a:t>
-            </a:r>
-            <a:r>
-              <a:rPr lang="ko-KR" altLang="en-US" dirty="0"/>
-              <a:t>데이터 전송 부담 완화</a:t>
-            </a:r>
-            <a:r>
-              <a:rPr lang="en-US" altLang="ko-KR" dirty="0"/>
-              <a:t>: </a:t>
-            </a:r>
-            <a:r>
-              <a:rPr lang="ko-KR" altLang="en-US" dirty="0"/>
-              <a:t>대규모의 </a:t>
-            </a:r>
-            <a:r>
-              <a:rPr lang="en-US" altLang="ko-KR" dirty="0"/>
-              <a:t>CV </a:t>
-            </a:r>
-            <a:r>
-              <a:rPr lang="ko-KR" altLang="en-US" dirty="0"/>
-              <a:t>데이터를 서버로 전송하는 것은 대역폭과 데이터 처리량에 부담을 줄 수 있다</a:t>
-            </a:r>
-            <a:r>
-              <a:rPr lang="en-US" altLang="ko-KR" dirty="0"/>
-              <a:t>. </a:t>
-            </a:r>
-            <a:r>
-              <a:rPr lang="ko-KR" altLang="en-US" dirty="0"/>
-              <a:t>엣지 컴퓨팅 임베디드 시스템에서 전처리를 수행하고 필요한 정보만을 서버로 전송하면 네트워크 부하를 줄일 수 있습니다</a:t>
-            </a:r>
-            <a:r>
-              <a:rPr lang="en-US" altLang="ko-KR" dirty="0"/>
-              <a:t>. (</a:t>
-            </a:r>
-            <a:r>
-              <a:rPr lang="ko-KR" altLang="en-US" dirty="0"/>
-              <a:t>예시 </a:t>
-            </a:r>
-            <a:r>
-              <a:rPr lang="en-US" altLang="ko-KR" dirty="0"/>
-              <a:t>: </a:t>
-            </a:r>
-            <a:r>
-              <a:rPr lang="ko-KR" altLang="en-US" dirty="0"/>
-              <a:t>스마트 시티 교통 모니터링 시스템</a:t>
-            </a:r>
-            <a:r>
-              <a:rPr lang="en-US" altLang="ko-KR" dirty="0"/>
-              <a:t>)</a:t>
-            </a:r>
-          </a:p>
-          <a:p>
-            <a:endParaRPr lang="en-US" altLang="ko-KR" dirty="0"/>
-          </a:p>
-          <a:p>
-            <a:r>
-              <a:rPr lang="en-US" altLang="ko-KR" dirty="0"/>
-              <a:t>  2. </a:t>
-            </a:r>
-            <a:r>
-              <a:rPr lang="ko-KR" altLang="en-US" dirty="0"/>
-              <a:t>실시간 응답</a:t>
-            </a:r>
-            <a:r>
-              <a:rPr lang="en-US" altLang="ko-KR" dirty="0"/>
-              <a:t>: </a:t>
-            </a:r>
-            <a:r>
-              <a:rPr lang="ko-KR" altLang="en-US" dirty="0"/>
-              <a:t>일부 애플리케이션은 실시간 응답이 필요합니다</a:t>
-            </a:r>
-            <a:r>
-              <a:rPr lang="en-US" altLang="ko-KR" dirty="0"/>
-              <a:t>. </a:t>
-            </a:r>
-            <a:r>
-              <a:rPr lang="ko-KR" altLang="en-US" dirty="0"/>
-              <a:t>엣지 임베디드 시스템에서 데이터를 전처리하고 전송하면 서버까지의 지연 시간을 줄일 수 있어 실시간 응답성을 향상시킬 수 있습니다</a:t>
-            </a:r>
-            <a:r>
-              <a:rPr lang="en-US" altLang="ko-KR" dirty="0"/>
+              <a:rPr lang="ko-KR" altLang="en-US"/>
+              <a:t> </a:t>
+            </a:r>
+            <a:r>
+              <a:rPr lang="en-US" altLang="ko-KR"/>
+              <a:t>Suite</a:t>
+            </a:r>
+            <a:r>
+              <a:rPr lang="ko-KR" altLang="en-US"/>
+              <a:t>를 개발하는지 말씀드리겠습니다</a:t>
+            </a:r>
+            <a:r>
+              <a:rPr lang="en-US" altLang="ko-KR"/>
               <a:t>.</a:t>
             </a:r>
-          </a:p>
-          <a:p>
-            <a:endParaRPr lang="en-US" altLang="ko-KR" dirty="0"/>
-          </a:p>
-          <a:p>
-            <a:r>
-              <a:rPr lang="en-US" altLang="ko-KR" dirty="0"/>
-              <a:t>  3. </a:t>
-            </a:r>
-            <a:r>
-              <a:rPr lang="ko-KR" altLang="en-US" dirty="0"/>
-              <a:t>보안 및 개인 정보 보호</a:t>
-            </a:r>
-            <a:r>
-              <a:rPr lang="en-US" altLang="ko-KR" dirty="0"/>
-              <a:t>: </a:t>
-            </a:r>
-            <a:r>
-              <a:rPr lang="ko-KR" altLang="en-US" dirty="0"/>
-              <a:t>민감한 데이터를 전송할 때 엣지 컴퓨팅을 사용하면 데이터의 보안과 개인 정보 보호를 강화할 수 있습니다</a:t>
-            </a:r>
-            <a:r>
-              <a:rPr lang="en-US" altLang="ko-KR" dirty="0"/>
-              <a:t>. </a:t>
-            </a:r>
-            <a:r>
-              <a:rPr lang="ko-KR" altLang="en-US" dirty="0"/>
-              <a:t>먼저 데이터를 로컬에서 처리하고 필요한 정보만을 안전한 방식으로 서버에 전송할 수 있습니다</a:t>
-            </a:r>
-            <a:r>
-              <a:rPr lang="en-US" altLang="ko-KR" dirty="0"/>
-              <a:t>. (</a:t>
-            </a:r>
-            <a:r>
-              <a:rPr lang="ko-KR" altLang="en-US" dirty="0"/>
-              <a:t>예시 </a:t>
-            </a:r>
-            <a:r>
-              <a:rPr lang="en-US" altLang="ko-KR" dirty="0"/>
-              <a:t>: </a:t>
-            </a:r>
-            <a:r>
-              <a:rPr lang="ko-KR" altLang="en-US" dirty="0"/>
-              <a:t>의료 분야에서는 엣지 컴퓨팅을 사용하여 환자의 의료 정보를 로컬에서 처리</a:t>
-            </a:r>
-            <a:r>
-              <a:rPr lang="en-US" altLang="ko-KR" dirty="0"/>
-              <a:t>)</a:t>
-            </a:r>
-            <a:endParaRPr lang="ko-KR" altLang="en-US" dirty="0"/>
+            <a:r>
+              <a:rPr lang="ko-KR" altLang="en-US"/>
+              <a:t> </a:t>
+            </a:r>
+            <a:endParaRPr lang="ko-KR" altLang="en-US"/>
           </a:p>
         </p:txBody>
       </p:sp>
@@ -2067,7 +1208,7 @@
           <a:p>
             <a:fld id="{222DD552-84BF-4A8B-831D-8BB12717D5F3}" type="slidenum">
               <a:rPr lang="ko-KR" altLang="en-US" smtClean="0"/>
-              <a:t>6</a:t>
+              <a:t>5</a:t>
             </a:fld>
             <a:endParaRPr lang="ko-KR" altLang="en-US" dirty="0"/>
           </a:p>
@@ -2076,7 +1217,7 @@
     </p:spTree>
     <p:extLst>
       <p:ext uri="{BB962C8B-B14F-4D97-AF65-F5344CB8AC3E}">
-        <p14:creationId xmlns:p14="http://schemas.microsoft.com/office/powerpoint/2010/main" val="3740760455"/>
+        <p14:creationId xmlns:p14="http://schemas.microsoft.com/office/powerpoint/2010/main" val="1531248244"/>
       </p:ext>
     </p:extLst>
   </p:cSld>
@@ -2087,7 +1228,7 @@
 </file>
 
 <file path=ppt/notesSlides/notesSlide5.xml><?xml version="1.0" encoding="utf-8"?>
-<p:notes xmlns:a="http://schemas.openxmlformats.org/drawingml/2006/main" xmlns:r="http://schemas.openxmlformats.org/officeDocument/2006/relationships" xmlns:p="http://schemas.openxmlformats.org/presentationml/2006/main">
+<p:notes xmlns:r="http://schemas.openxmlformats.org/officeDocument/2006/relationships" xmlns:c="http://schemas.openxmlformats.org/drawingml/2006/chart" xmlns:a="http://schemas.openxmlformats.org/drawingml/2006/main" xmlns:dgm="http://schemas.openxmlformats.org/drawingml/2006/diagram" xmlns:dsp="http://schemas.microsoft.com/office/drawing/2008/diagram" xmlns:p="http://schemas.openxmlformats.org/presentationml/2006/main">
   <p:cSld>
     <p:spTree>
       <p:nvGrpSpPr>
@@ -2130,420 +1271,232 @@
           <a:bodyPr/>
           <a:lstStyle/>
           <a:p>
-            <a:r>
-              <a:rPr lang="en-US" altLang="ko-KR" dirty="0"/>
-              <a:t>- </a:t>
-            </a:r>
-            <a:r>
-              <a:rPr lang="ko-KR" altLang="en-US" dirty="0"/>
-              <a:t>대중적으로 많이 보급되어있으며</a:t>
-            </a:r>
-            <a:r>
-              <a:rPr lang="en-US" altLang="ko-KR" dirty="0"/>
+            <a:pPr lvl="0">
+              <a:defRPr/>
+            </a:pPr>
+            <a:r>
+              <a:rPr lang="en-US" altLang="ko-KR"/>
+              <a:t>1. </a:t>
+            </a:r>
+            <a:r>
+              <a:rPr lang="ko-KR" altLang="en-US"/>
+              <a:t>재난 현장이나 응급 구조를 위해 사용되는 의료 장비에 </a:t>
+            </a:r>
+            <a:r>
+              <a:rPr lang="en-US" altLang="ko-KR"/>
+              <a:t>CV </a:t>
+            </a:r>
+            <a:r>
+              <a:rPr lang="ko-KR" altLang="en-US"/>
+              <a:t>기술을 적용하거나</a:t>
+            </a:r>
+            <a:endParaRPr lang="ko-KR" altLang="en-US"/>
+          </a:p>
+          <a:p>
+            <a:pPr lvl="0">
+              <a:defRPr/>
+            </a:pPr>
+            <a:r>
+              <a:rPr lang="en-US" altLang="ko-KR"/>
+              <a:t>2. </a:t>
+            </a:r>
+            <a:r>
+              <a:rPr lang="ko-KR" altLang="en-US"/>
+              <a:t>인터넷이 연결되지 않은 고립된 장소나 보안이 중요한 환경에서 </a:t>
+            </a:r>
+            <a:r>
+              <a:rPr lang="en-US" altLang="ko-KR"/>
+              <a:t>CV</a:t>
+            </a:r>
+            <a:r>
+              <a:rPr lang="ko-KR" altLang="en-US"/>
+              <a:t>를 사용한 보안 시스템을 구축 하는데에 수요가 있겠습니다</a:t>
+            </a:r>
+            <a:r>
+              <a:rPr lang="en-US" altLang="ko-KR"/>
+              <a:t>.</a:t>
+            </a:r>
+            <a:endParaRPr lang="en-US" altLang="ko-KR"/>
+          </a:p>
+          <a:p>
+            <a:pPr lvl="0">
+              <a:defRPr/>
+            </a:pPr>
+            <a:endParaRPr lang="en-US" altLang="ko-KR"/>
+          </a:p>
+          <a:p>
+            <a:pPr lvl="0">
+              <a:defRPr/>
+            </a:pPr>
+            <a:r>
+              <a:rPr lang="ko-KR" altLang="en-US"/>
+              <a:t> 엣지 컴퓨팅 임베디드 시스템을 활용하여 </a:t>
+            </a:r>
+            <a:r>
+              <a:rPr lang="en-US" altLang="ko-KR"/>
+              <a:t>CV </a:t>
+            </a:r>
+            <a:r>
+              <a:rPr lang="ko-KR" altLang="en-US"/>
+              <a:t>데이터를 전처리하고</a:t>
+            </a:r>
+            <a:r>
+              <a:rPr lang="en-US" altLang="ko-KR"/>
               <a:t>, </a:t>
             </a:r>
             <a:r>
-              <a:rPr lang="ko-KR" altLang="en-US" dirty="0"/>
-              <a:t>최근 출시된 </a:t>
-            </a:r>
-            <a:r>
-              <a:rPr lang="en-US" altLang="ko-KR" dirty="0"/>
-              <a:t>RPi 5 </a:t>
-            </a:r>
-            <a:r>
-              <a:rPr lang="ko-KR" altLang="en-US" dirty="0"/>
-              <a:t>모델은 이전 모델에 비해 </a:t>
-            </a:r>
-            <a:r>
-              <a:rPr lang="en-US" altLang="ko-KR" dirty="0"/>
-              <a:t>GPU</a:t>
-            </a:r>
-            <a:r>
-              <a:rPr lang="ko-KR" altLang="en-US" dirty="0"/>
-              <a:t>가 향상되어 딥러닝 모델을 구동하기에 적합하다</a:t>
-            </a:r>
-            <a:r>
-              <a:rPr lang="en-US" altLang="ko-KR" dirty="0"/>
+              <a:rPr lang="ko-KR" altLang="en-US"/>
+              <a:t>필요한 정보만을 서버로 안전하게 전송</a:t>
+            </a:r>
+            <a:r>
+              <a:rPr lang="en-US" altLang="ko-KR"/>
+              <a:t>. </a:t>
+            </a:r>
+            <a:r>
+              <a:rPr lang="ko-KR" altLang="en-US"/>
+              <a:t>이를 통해 서버의 데이터 전처리 부담을 줄이고 실시간 응답성과 데이터 보안을 향상</a:t>
+            </a:r>
+            <a:endParaRPr lang="ko-KR" altLang="en-US"/>
+          </a:p>
+          <a:p>
+            <a:pPr lvl="0">
+              <a:defRPr/>
+            </a:pPr>
+            <a:endParaRPr lang="ko-KR" altLang="en-US"/>
+          </a:p>
+          <a:p>
+            <a:pPr lvl="0">
+              <a:defRPr/>
+            </a:pPr>
+            <a:r>
+              <a:rPr lang="ko-KR" altLang="en-US"/>
+              <a:t>  </a:t>
+            </a:r>
+            <a:r>
+              <a:rPr lang="en-US" altLang="ko-KR"/>
+              <a:t>1.  </a:t>
+            </a:r>
+            <a:r>
+              <a:rPr lang="ko-KR" altLang="en-US"/>
+              <a:t>엣지 컴퓨팅 임베디드 시스템에서 전처리를 수행하고 필요한 정보만을 서버로 전송하면 네트워크 부하를 줄일 수 있습니다</a:t>
+            </a:r>
+            <a:r>
+              <a:rPr lang="en-US" altLang="ko-KR"/>
+              <a:t>. (</a:t>
+            </a:r>
+            <a:r>
+              <a:rPr lang="ko-KR" altLang="en-US"/>
+              <a:t>예시 </a:t>
+            </a:r>
+            <a:r>
+              <a:rPr lang="en-US" altLang="ko-KR"/>
+              <a:t>: </a:t>
+            </a:r>
+            <a:r>
+              <a:rPr lang="ko-KR" altLang="en-US"/>
+              <a:t>스마트 시티 교통 모니터링 시스템</a:t>
+            </a:r>
+            <a:r>
+              <a:rPr lang="en-US" altLang="ko-KR"/>
+              <a:t>)</a:t>
+            </a:r>
+            <a:endParaRPr lang="en-US" altLang="ko-KR"/>
+          </a:p>
+          <a:p>
+            <a:pPr lvl="0">
+              <a:defRPr/>
+            </a:pPr>
+            <a:endParaRPr lang="en-US" altLang="ko-KR"/>
+          </a:p>
+          <a:p>
+            <a:pPr lvl="0">
+              <a:defRPr/>
+            </a:pPr>
+            <a:r>
+              <a:rPr lang="en-US" altLang="ko-KR"/>
+              <a:t>  2. </a:t>
+            </a:r>
+            <a:r>
+              <a:rPr lang="ko-KR" altLang="en-US"/>
+              <a:t>실시간 응답</a:t>
+            </a:r>
+            <a:r>
+              <a:rPr lang="en-US" altLang="ko-KR"/>
+              <a:t>: </a:t>
+            </a:r>
+            <a:r>
+              <a:rPr lang="ko-KR" altLang="en-US"/>
+              <a:t>일부 애플리케이션은 실시간 응답이 필요합니다</a:t>
+            </a:r>
+            <a:r>
+              <a:rPr lang="en-US" altLang="ko-KR"/>
+              <a:t>. </a:t>
+            </a:r>
+            <a:r>
+              <a:rPr lang="ko-KR" altLang="en-US"/>
+              <a:t>엣지 임베디드 시스템에서 데이터를 전처리하고 전송하면 서버까지의 지연 시간을 줄일 수 있어 실시간 응답성을 향상시킬 수 있습니다</a:t>
+            </a:r>
+            <a:r>
+              <a:rPr lang="en-US" altLang="ko-KR"/>
               <a:t>.</a:t>
             </a:r>
-          </a:p>
-          <a:p>
-            <a:r>
-              <a:rPr lang="en-US" altLang="ko-KR" dirty="0"/>
-              <a:t>- </a:t>
-            </a:r>
-            <a:r>
-              <a:rPr lang="ko-KR" altLang="en-US" dirty="0"/>
-              <a:t>다른 모델</a:t>
-            </a:r>
-            <a:r>
-              <a:rPr lang="en-US" altLang="ko-KR" dirty="0"/>
-              <a:t>(Ndivia Jetson)</a:t>
-            </a:r>
-            <a:r>
-              <a:rPr lang="ko-KR" altLang="en-US" dirty="0"/>
-              <a:t>과 비교했을때 비슷한 성능이지만 저렴하다</a:t>
-            </a:r>
-            <a:r>
-              <a:rPr lang="en-US" altLang="ko-KR" dirty="0"/>
-              <a:t>.</a:t>
-            </a:r>
-          </a:p>
-          <a:p>
-            <a:pPr marL="171450" indent="-171450">
-              <a:buFontTx/>
-              <a:buChar char="-"/>
+            <a:endParaRPr lang="en-US" altLang="ko-KR"/>
+          </a:p>
+          <a:p>
+            <a:pPr lvl="0">
+              <a:defRPr/>
             </a:pPr>
-            <a:r>
-              <a:rPr lang="ko-KR" altLang="en-US" dirty="0"/>
-              <a:t>향상된 </a:t>
-            </a:r>
-            <a:r>
-              <a:rPr lang="en-US" altLang="ko-KR" dirty="0"/>
-              <a:t>cpu</a:t>
-            </a:r>
-            <a:r>
-              <a:rPr lang="ko-KR" altLang="en-US" dirty="0"/>
-              <a:t>와 </a:t>
-            </a:r>
-            <a:r>
-              <a:rPr lang="en-US" altLang="ko-KR" dirty="0"/>
-              <a:t>PCIe</a:t>
-            </a:r>
-            <a:r>
-              <a:rPr lang="ko-KR" altLang="en-US" dirty="0"/>
-              <a:t>의 탑재 </a:t>
-            </a:r>
-            <a:r>
-              <a:rPr lang="en-US" altLang="ko-KR" dirty="0"/>
-              <a:t>(cpu</a:t>
-            </a:r>
-            <a:r>
-              <a:rPr lang="ko-KR" altLang="en-US" dirty="0"/>
-              <a:t>성능은 </a:t>
-            </a:r>
-            <a:r>
-              <a:rPr lang="en-US" altLang="ko-KR" dirty="0"/>
-              <a:t>1.5</a:t>
-            </a:r>
-            <a:r>
-              <a:rPr lang="ko-KR" altLang="en-US" dirty="0"/>
-              <a:t>배</a:t>
-            </a:r>
-            <a:r>
-              <a:rPr lang="en-US" altLang="ko-KR" dirty="0"/>
-              <a:t>, gpu</a:t>
-            </a:r>
-            <a:r>
-              <a:rPr lang="ko-KR" altLang="en-US" dirty="0"/>
-              <a:t>성능은 </a:t>
-            </a:r>
-            <a:r>
-              <a:rPr lang="en-US" altLang="ko-KR" dirty="0"/>
-              <a:t>2.5</a:t>
-            </a:r>
-            <a:r>
-              <a:rPr lang="ko-KR" altLang="en-US" dirty="0"/>
-              <a:t>배</a:t>
-            </a:r>
-            <a:r>
-              <a:rPr lang="en-US" altLang="ko-KR" dirty="0"/>
+            <a:endParaRPr lang="en-US" altLang="ko-KR"/>
+          </a:p>
+          <a:p>
+            <a:pPr lvl="0">
+              <a:defRPr/>
+            </a:pPr>
+            <a:r>
+              <a:rPr lang="en-US" altLang="ko-KR"/>
+              <a:t>  3. </a:t>
+            </a:r>
+            <a:r>
+              <a:rPr lang="ko-KR" altLang="en-US"/>
+              <a:t>보안 및 개인 정보 보호</a:t>
+            </a:r>
+            <a:r>
+              <a:rPr lang="en-US" altLang="ko-KR"/>
+              <a:t>: </a:t>
+            </a:r>
+            <a:r>
+              <a:rPr lang="ko-KR" altLang="en-US"/>
+              <a:t>민감한 데이터를 전송할 때 엣지 컴퓨팅을 사용하면 데이터의 보안과 개인 정보 보호를 강화할 수 있습니다</a:t>
+            </a:r>
+            <a:r>
+              <a:rPr lang="en-US" altLang="ko-KR"/>
+              <a:t>. </a:t>
+            </a:r>
+            <a:r>
+              <a:rPr lang="ko-KR" altLang="en-US"/>
+              <a:t>먼저 데이터를 로컬에서 처리하고 필요한 정보만을 안전한 방식으로 서버에 전송할 수 있습니다</a:t>
+            </a:r>
+            <a:r>
+              <a:rPr lang="en-US" altLang="ko-KR"/>
+              <a:t>. (</a:t>
+            </a:r>
+            <a:r>
+              <a:rPr lang="ko-KR" altLang="en-US"/>
+              <a:t>예시 </a:t>
+            </a:r>
+            <a:r>
+              <a:rPr lang="en-US" altLang="ko-KR"/>
+              <a:t>: </a:t>
+            </a:r>
+            <a:r>
+              <a:rPr lang="ko-KR" altLang="en-US"/>
+              <a:t>의료 분야에서는 엣지 컴퓨팅을 사용하여 환자의 의료 정보를 로컬에서 처리</a:t>
+            </a:r>
+            <a:r>
+              <a:rPr lang="en-US" altLang="ko-KR"/>
               <a:t>)</a:t>
             </a:r>
-          </a:p>
-          <a:p>
-            <a:pPr marL="171450" indent="-171450">
-              <a:buFontTx/>
-              <a:buChar char="-"/>
-            </a:pPr>
-            <a:endParaRPr lang="en-US" altLang="ko-KR" dirty="0"/>
-          </a:p>
-          <a:p>
-            <a:pPr marL="171450" indent="-171450">
-              <a:buFontTx/>
-              <a:buChar char="-"/>
-            </a:pPr>
-            <a:endParaRPr lang="en-US" altLang="ko-KR" dirty="0"/>
-          </a:p>
-          <a:p>
-            <a:pPr marL="171450" indent="-171450">
-              <a:buFontTx/>
-              <a:buChar char="-"/>
-            </a:pPr>
-            <a:r>
-              <a:rPr lang="en-US" altLang="ko-KR" b="0" i="0" dirty="0" err="1">
-                <a:solidFill>
-                  <a:srgbClr val="1F2328"/>
-                </a:solidFill>
-                <a:effectLst/>
-                <a:highlight>
-                  <a:srgbClr val="FFFFFF"/>
-                </a:highlight>
-                <a:latin typeface="-apple-system"/>
-              </a:rPr>
-              <a:t>SeeedStudio</a:t>
-            </a:r>
-            <a:r>
-              <a:rPr lang="ko-KR" altLang="en-US" b="0" i="0" dirty="0">
-                <a:solidFill>
-                  <a:srgbClr val="1F2328"/>
-                </a:solidFill>
-                <a:effectLst/>
-                <a:highlight>
-                  <a:srgbClr val="FFFFFF"/>
-                </a:highlight>
-                <a:latin typeface="-apple-system"/>
-              </a:rPr>
-              <a:t>는 모바일용 딥 러닝 추론 프레임워크인 </a:t>
-            </a:r>
-            <a:r>
-              <a:rPr lang="en-US" altLang="ko-KR" b="0" i="0" dirty="0" err="1">
-                <a:solidFill>
-                  <a:srgbClr val="1F2328"/>
-                </a:solidFill>
-                <a:effectLst/>
-                <a:highlight>
-                  <a:srgbClr val="FFFFFF"/>
-                </a:highlight>
-                <a:latin typeface="-apple-system"/>
-              </a:rPr>
-              <a:t>ncnn</a:t>
-            </a:r>
-            <a:r>
-              <a:rPr lang="ko-KR" altLang="en-US" b="0" i="0" dirty="0">
-                <a:solidFill>
-                  <a:srgbClr val="1F2328"/>
-                </a:solidFill>
-                <a:effectLst/>
-                <a:highlight>
-                  <a:srgbClr val="FFFFFF"/>
-                </a:highlight>
-                <a:latin typeface="-apple-system"/>
-              </a:rPr>
-              <a:t>을 사용하고 있는 것이 특징으로</a:t>
-            </a:r>
-            <a:r>
-              <a:rPr lang="en-US" altLang="ko-KR" b="0" i="0" dirty="0">
-                <a:solidFill>
-                  <a:srgbClr val="1F2328"/>
-                </a:solidFill>
-                <a:effectLst/>
-                <a:highlight>
-                  <a:srgbClr val="FFFFFF"/>
-                </a:highlight>
-                <a:latin typeface="-apple-system"/>
-              </a:rPr>
-              <a:t>, Vulkan API</a:t>
-            </a:r>
-            <a:r>
-              <a:rPr lang="ko-KR" altLang="en-US" b="0" i="0" dirty="0">
-                <a:solidFill>
-                  <a:srgbClr val="1F2328"/>
-                </a:solidFill>
-                <a:effectLst/>
-                <a:highlight>
-                  <a:srgbClr val="FFFFFF"/>
-                </a:highlight>
-                <a:latin typeface="-apple-system"/>
-              </a:rPr>
-              <a:t>를 통해 </a:t>
-            </a:r>
-            <a:r>
-              <a:rPr lang="en-US" altLang="ko-KR" b="0" i="0" dirty="0">
-                <a:solidFill>
-                  <a:srgbClr val="1F2328"/>
-                </a:solidFill>
-                <a:effectLst/>
-                <a:highlight>
-                  <a:srgbClr val="FFFFFF"/>
-                </a:highlight>
-                <a:latin typeface="-apple-system"/>
-              </a:rPr>
-              <a:t>GPU </a:t>
-            </a:r>
-            <a:r>
-              <a:rPr lang="ko-KR" altLang="en-US" b="0" i="0" dirty="0">
-                <a:solidFill>
-                  <a:srgbClr val="1F2328"/>
-                </a:solidFill>
-                <a:effectLst/>
-                <a:highlight>
-                  <a:srgbClr val="FFFFFF"/>
-                </a:highlight>
-                <a:latin typeface="-apple-system"/>
-              </a:rPr>
-              <a:t>가속을 제공하고 있다는 것으로</a:t>
-            </a:r>
-            <a:r>
-              <a:rPr lang="en-US" altLang="ko-KR" b="0" i="0" dirty="0">
-                <a:solidFill>
-                  <a:srgbClr val="1F2328"/>
-                </a:solidFill>
-                <a:effectLst/>
-                <a:highlight>
-                  <a:srgbClr val="FFFFFF"/>
-                </a:highlight>
-                <a:latin typeface="-apple-system"/>
-              </a:rPr>
-              <a:t>, Raspberry Pi 5</a:t>
-            </a:r>
-            <a:r>
-              <a:rPr lang="ko-KR" altLang="en-US" b="0" i="0" dirty="0">
-                <a:solidFill>
-                  <a:srgbClr val="1F2328"/>
-                </a:solidFill>
-                <a:effectLst/>
-                <a:highlight>
-                  <a:srgbClr val="FFFFFF"/>
-                </a:highlight>
-                <a:latin typeface="-apple-system"/>
-              </a:rPr>
-              <a:t>와 </a:t>
-            </a:r>
-            <a:r>
-              <a:rPr lang="en-US" altLang="ko-KR" b="0" i="0" dirty="0">
-                <a:solidFill>
-                  <a:srgbClr val="1F2328"/>
-                </a:solidFill>
-                <a:effectLst/>
-                <a:highlight>
-                  <a:srgbClr val="FFFFFF"/>
-                </a:highlight>
-                <a:latin typeface="-apple-system"/>
-              </a:rPr>
-              <a:t>Raspberry Pi 4</a:t>
-            </a:r>
-            <a:r>
-              <a:rPr lang="ko-KR" altLang="en-US" b="0" i="0" dirty="0">
-                <a:solidFill>
-                  <a:srgbClr val="1F2328"/>
-                </a:solidFill>
-                <a:effectLst/>
-                <a:highlight>
-                  <a:srgbClr val="FFFFFF"/>
-                </a:highlight>
-                <a:latin typeface="-apple-system"/>
-              </a:rPr>
-              <a:t>에서 검증한 결과를 그래프로 정리한 것이 이하입니다</a:t>
-            </a:r>
-            <a:r>
-              <a:rPr lang="en-US" altLang="ko-KR" b="0" i="0" dirty="0">
-                <a:solidFill>
-                  <a:srgbClr val="1F2328"/>
-                </a:solidFill>
-                <a:effectLst/>
-                <a:highlight>
-                  <a:srgbClr val="FFFFFF"/>
-                </a:highlight>
-                <a:latin typeface="-apple-system"/>
-              </a:rPr>
-              <a:t>. </a:t>
-            </a:r>
-            <a:r>
-              <a:rPr lang="ko-KR" altLang="en-US" b="0" i="0" dirty="0">
-                <a:solidFill>
-                  <a:srgbClr val="1F2328"/>
-                </a:solidFill>
-                <a:effectLst/>
-                <a:highlight>
-                  <a:srgbClr val="FFFFFF"/>
-                </a:highlight>
-                <a:latin typeface="-apple-system"/>
-              </a:rPr>
-              <a:t>막대그래프가 짧을수록 성능이 뛰어나다는 것을 보여 주며</a:t>
-            </a:r>
-            <a:r>
-              <a:rPr lang="en-US" altLang="ko-KR" b="0" i="0" dirty="0">
-                <a:solidFill>
-                  <a:srgbClr val="1F2328"/>
-                </a:solidFill>
-                <a:effectLst/>
-                <a:highlight>
-                  <a:srgbClr val="FFFFFF"/>
-                </a:highlight>
-                <a:latin typeface="-apple-system"/>
-              </a:rPr>
-              <a:t>, </a:t>
-            </a:r>
-            <a:r>
-              <a:rPr lang="ko-KR" altLang="en-US" b="0" i="0" dirty="0">
-                <a:solidFill>
-                  <a:srgbClr val="1F2328"/>
-                </a:solidFill>
-                <a:effectLst/>
-                <a:highlight>
-                  <a:srgbClr val="FFFFFF"/>
-                </a:highlight>
-                <a:latin typeface="-apple-system"/>
-              </a:rPr>
-              <a:t>어느 쪽이든 </a:t>
-            </a:r>
-            <a:r>
-              <a:rPr lang="en-US" altLang="ko-KR" b="0" i="0" dirty="0">
-                <a:solidFill>
-                  <a:srgbClr val="1F2328"/>
-                </a:solidFill>
-                <a:effectLst/>
-                <a:highlight>
-                  <a:srgbClr val="FFFFFF"/>
-                </a:highlight>
-                <a:latin typeface="-apple-system"/>
-              </a:rPr>
-              <a:t>Raspberry Pi 5 </a:t>
-            </a:r>
-            <a:r>
-              <a:rPr lang="ko-KR" altLang="en-US" b="0" i="0" dirty="0">
-                <a:solidFill>
-                  <a:srgbClr val="1F2328"/>
-                </a:solidFill>
-                <a:effectLst/>
-                <a:highlight>
-                  <a:srgbClr val="FFFFFF"/>
-                </a:highlight>
-                <a:latin typeface="-apple-system"/>
-              </a:rPr>
-              <a:t>점수가 </a:t>
-            </a:r>
-            <a:r>
-              <a:rPr lang="en-US" altLang="ko-KR" b="0" i="0" dirty="0">
-                <a:solidFill>
-                  <a:srgbClr val="1F2328"/>
-                </a:solidFill>
-                <a:effectLst/>
-                <a:highlight>
-                  <a:srgbClr val="FFFFFF"/>
-                </a:highlight>
-                <a:latin typeface="-apple-system"/>
-              </a:rPr>
-              <a:t>Raspberry Pi 4 </a:t>
-            </a:r>
-            <a:r>
-              <a:rPr lang="ko-KR" altLang="en-US" b="0" i="0" dirty="0">
-                <a:solidFill>
-                  <a:srgbClr val="1F2328"/>
-                </a:solidFill>
-                <a:effectLst/>
-                <a:highlight>
-                  <a:srgbClr val="FFFFFF"/>
-                </a:highlight>
-                <a:latin typeface="-apple-system"/>
-              </a:rPr>
-              <a:t>점수를 초과한다는 것을 알 수 있습니다</a:t>
-            </a:r>
-            <a:r>
-              <a:rPr lang="en-US" altLang="ko-KR" b="0" i="0" dirty="0">
-                <a:solidFill>
-                  <a:srgbClr val="1F2328"/>
-                </a:solidFill>
-                <a:effectLst/>
-                <a:highlight>
-                  <a:srgbClr val="FFFFFF"/>
-                </a:highlight>
-                <a:latin typeface="-apple-system"/>
-              </a:rPr>
-              <a:t>.</a:t>
-            </a:r>
-            <a:endParaRPr lang="ko-KR" altLang="en-US" dirty="0"/>
+            <a:endParaRPr lang="ko-KR" altLang="en-US"/>
           </a:p>
         </p:txBody>
       </p:sp>
@@ -2564,7 +1517,7 @@
           <a:p>
             <a:fld id="{222DD552-84BF-4A8B-831D-8BB12717D5F3}" type="slidenum">
               <a:rPr lang="ko-KR" altLang="en-US" smtClean="0"/>
-              <a:t>7</a:t>
+              <a:t>6</a:t>
             </a:fld>
             <a:endParaRPr lang="ko-KR" altLang="en-US" dirty="0"/>
           </a:p>
@@ -2573,7 +1526,7 @@
     </p:spTree>
     <p:extLst>
       <p:ext uri="{BB962C8B-B14F-4D97-AF65-F5344CB8AC3E}">
-        <p14:creationId xmlns:p14="http://schemas.microsoft.com/office/powerpoint/2010/main" val="2476000935"/>
+        <p14:creationId xmlns:p14="http://schemas.microsoft.com/office/powerpoint/2010/main" val="3740760455"/>
       </p:ext>
     </p:extLst>
   </p:cSld>
@@ -2584,7 +1537,7 @@
 </file>
 
 <file path=ppt/notesSlides/notesSlide6.xml><?xml version="1.0" encoding="utf-8"?>
-<p:notes xmlns:a="http://schemas.openxmlformats.org/drawingml/2006/main" xmlns:r="http://schemas.openxmlformats.org/officeDocument/2006/relationships" xmlns:p="http://schemas.openxmlformats.org/presentationml/2006/main">
+<p:notes xmlns:r="http://schemas.openxmlformats.org/officeDocument/2006/relationships" xmlns:c="http://schemas.openxmlformats.org/drawingml/2006/chart" xmlns:a="http://schemas.openxmlformats.org/drawingml/2006/main" xmlns:dgm="http://schemas.openxmlformats.org/drawingml/2006/diagram" xmlns:dsp="http://schemas.microsoft.com/office/drawing/2008/diagram" xmlns:p="http://schemas.openxmlformats.org/presentationml/2006/main">
   <p:cSld>
     <p:spTree>
       <p:nvGrpSpPr>
@@ -2627,7 +1580,545 @@
           <a:bodyPr/>
           <a:lstStyle/>
           <a:p>
-            <a:endParaRPr lang="ko-KR" altLang="en-US" dirty="0"/>
+            <a:pPr lvl="0">
+              <a:defRPr/>
+            </a:pPr>
+            <a:r>
+              <a:rPr lang="en-US" altLang="ko-KR"/>
+              <a:t>- </a:t>
+            </a:r>
+            <a:r>
+              <a:rPr lang="ko-KR" altLang="en-US"/>
+              <a:t>대중적으로 많이 보급되어있으며</a:t>
+            </a:r>
+            <a:r>
+              <a:rPr lang="en-US" altLang="ko-KR"/>
+              <a:t>, </a:t>
+            </a:r>
+            <a:r>
+              <a:rPr lang="ko-KR" altLang="en-US"/>
+              <a:t>최근 출시된 </a:t>
+            </a:r>
+            <a:r>
+              <a:rPr lang="en-US" altLang="ko-KR"/>
+              <a:t>RPi 5 </a:t>
+            </a:r>
+            <a:r>
+              <a:rPr lang="ko-KR" altLang="en-US"/>
+              <a:t>모델은 이전 모델에 비해 </a:t>
+            </a:r>
+            <a:r>
+              <a:rPr lang="en-US" altLang="ko-KR"/>
+              <a:t>GPU</a:t>
+            </a:r>
+            <a:r>
+              <a:rPr lang="ko-KR" altLang="en-US"/>
+              <a:t>가 향상되어 딥러닝 모델을 구동하기에 적합하다</a:t>
+            </a:r>
+            <a:r>
+              <a:rPr lang="en-US" altLang="ko-KR"/>
+              <a:t>.</a:t>
+            </a:r>
+            <a:endParaRPr lang="en-US" altLang="ko-KR"/>
+          </a:p>
+          <a:p>
+            <a:pPr lvl="0">
+              <a:defRPr/>
+            </a:pPr>
+            <a:r>
+              <a:rPr lang="en-US" altLang="ko-KR"/>
+              <a:t>- </a:t>
+            </a:r>
+            <a:r>
+              <a:rPr lang="ko-KR" altLang="en-US"/>
+              <a:t>다른 모델</a:t>
+            </a:r>
+            <a:r>
+              <a:rPr lang="en-US" altLang="ko-KR"/>
+              <a:t>(Ndivia Jetson)</a:t>
+            </a:r>
+            <a:r>
+              <a:rPr lang="ko-KR" altLang="en-US"/>
+              <a:t>과 비교했을때 비슷한 성능이지만 저렴하다</a:t>
+            </a:r>
+            <a:r>
+              <a:rPr lang="en-US" altLang="ko-KR"/>
+              <a:t>.</a:t>
+            </a:r>
+            <a:r>
+              <a:rPr lang="ko-KR" altLang="en-US"/>
+              <a:t> </a:t>
+            </a:r>
+            <a:endParaRPr lang="en-US" altLang="ko-KR"/>
+          </a:p>
+          <a:p>
+            <a:pPr marL="171450" indent="-171450">
+              <a:buFontTx/>
+              <a:buChar char="-"/>
+              <a:defRPr/>
+            </a:pPr>
+            <a:r>
+              <a:rPr lang="ko-KR" altLang="en-US"/>
+              <a:t>향상된 </a:t>
+            </a:r>
+            <a:r>
+              <a:rPr lang="en-US" altLang="ko-KR"/>
+              <a:t>cpu</a:t>
+            </a:r>
+            <a:r>
+              <a:rPr lang="ko-KR" altLang="en-US"/>
+              <a:t>와 </a:t>
+            </a:r>
+            <a:r>
+              <a:rPr lang="en-US" altLang="ko-KR"/>
+              <a:t>PCIe</a:t>
+            </a:r>
+            <a:r>
+              <a:rPr lang="ko-KR" altLang="en-US"/>
+              <a:t>의 탑재 </a:t>
+            </a:r>
+            <a:r>
+              <a:rPr lang="en-US" altLang="ko-KR"/>
+              <a:t>(cpu</a:t>
+            </a:r>
+            <a:r>
+              <a:rPr lang="ko-KR" altLang="en-US"/>
+              <a:t>성능은 </a:t>
+            </a:r>
+            <a:r>
+              <a:rPr lang="en-US" altLang="ko-KR"/>
+              <a:t>1.5</a:t>
+            </a:r>
+            <a:r>
+              <a:rPr lang="ko-KR" altLang="en-US"/>
+              <a:t>배</a:t>
+            </a:r>
+            <a:r>
+              <a:rPr lang="en-US" altLang="ko-KR"/>
+              <a:t>, gpu</a:t>
+            </a:r>
+            <a:r>
+              <a:rPr lang="ko-KR" altLang="en-US"/>
+              <a:t>성능은 </a:t>
+            </a:r>
+            <a:r>
+              <a:rPr lang="en-US" altLang="ko-KR"/>
+              <a:t>2.5</a:t>
+            </a:r>
+            <a:r>
+              <a:rPr lang="ko-KR" altLang="en-US"/>
+              <a:t>배</a:t>
+            </a:r>
+            <a:r>
+              <a:rPr lang="en-US" altLang="ko-KR"/>
+              <a:t>)</a:t>
+            </a:r>
+            <a:endParaRPr lang="en-US" altLang="ko-KR"/>
+          </a:p>
+          <a:p>
+            <a:pPr marL="171450" indent="-171450">
+              <a:buFontTx/>
+              <a:buChar char="-"/>
+              <a:defRPr/>
+            </a:pPr>
+            <a:endParaRPr lang="en-US" altLang="ko-KR"/>
+          </a:p>
+          <a:p>
+            <a:pPr marL="171450" indent="-171450">
+              <a:buFontTx/>
+              <a:buChar char="-"/>
+              <a:defRPr/>
+            </a:pPr>
+            <a:endParaRPr lang="en-US" altLang="ko-KR"/>
+          </a:p>
+          <a:p>
+            <a:pPr marL="171450" indent="-171450">
+              <a:buFontTx/>
+              <a:buChar char="-"/>
+              <a:defRPr/>
+            </a:pPr>
+            <a:r>
+              <a:rPr lang="en-US" altLang="ko-KR" b="0" i="0">
+                <a:solidFill>
+                  <a:srgbClr val="1f2328"/>
+                </a:solidFill>
+                <a:effectLst/>
+                <a:highlight>
+                  <a:srgbClr val="ffffff"/>
+                </a:highlight>
+                <a:latin typeface="-apple-system"/>
+              </a:rPr>
+              <a:t>SeeedStudio</a:t>
+            </a:r>
+            <a:r>
+              <a:rPr lang="ko-KR" altLang="en-US" b="0" i="0">
+                <a:solidFill>
+                  <a:srgbClr val="1f2328"/>
+                </a:solidFill>
+                <a:effectLst/>
+                <a:highlight>
+                  <a:srgbClr val="ffffff"/>
+                </a:highlight>
+                <a:latin typeface="-apple-system"/>
+              </a:rPr>
+              <a:t>는 모바일용 딥 러닝 추론 프레임워크인 </a:t>
+            </a:r>
+            <a:r>
+              <a:rPr lang="en-US" altLang="ko-KR" b="0" i="0">
+                <a:solidFill>
+                  <a:srgbClr val="1f2328"/>
+                </a:solidFill>
+                <a:effectLst/>
+                <a:highlight>
+                  <a:srgbClr val="ffffff"/>
+                </a:highlight>
+                <a:latin typeface="-apple-system"/>
+              </a:rPr>
+              <a:t>ncnn</a:t>
+            </a:r>
+            <a:r>
+              <a:rPr lang="ko-KR" altLang="en-US" b="0" i="0">
+                <a:solidFill>
+                  <a:srgbClr val="1f2328"/>
+                </a:solidFill>
+                <a:effectLst/>
+                <a:highlight>
+                  <a:srgbClr val="ffffff"/>
+                </a:highlight>
+                <a:latin typeface="-apple-system"/>
+              </a:rPr>
+              <a:t>을 사용하고 있는 것이 특징으로</a:t>
+            </a:r>
+            <a:r>
+              <a:rPr lang="en-US" altLang="ko-KR" b="0" i="0">
+                <a:solidFill>
+                  <a:srgbClr val="1f2328"/>
+                </a:solidFill>
+                <a:effectLst/>
+                <a:highlight>
+                  <a:srgbClr val="ffffff"/>
+                </a:highlight>
+                <a:latin typeface="-apple-system"/>
+              </a:rPr>
+              <a:t>, Vulkan API</a:t>
+            </a:r>
+            <a:r>
+              <a:rPr lang="ko-KR" altLang="en-US" b="0" i="0">
+                <a:solidFill>
+                  <a:srgbClr val="1f2328"/>
+                </a:solidFill>
+                <a:effectLst/>
+                <a:highlight>
+                  <a:srgbClr val="ffffff"/>
+                </a:highlight>
+                <a:latin typeface="-apple-system"/>
+              </a:rPr>
+              <a:t>를 통해 </a:t>
+            </a:r>
+            <a:r>
+              <a:rPr lang="en-US" altLang="ko-KR" b="0" i="0">
+                <a:solidFill>
+                  <a:srgbClr val="1f2328"/>
+                </a:solidFill>
+                <a:effectLst/>
+                <a:highlight>
+                  <a:srgbClr val="ffffff"/>
+                </a:highlight>
+                <a:latin typeface="-apple-system"/>
+              </a:rPr>
+              <a:t>GPU </a:t>
+            </a:r>
+            <a:r>
+              <a:rPr lang="ko-KR" altLang="en-US" b="0" i="0">
+                <a:solidFill>
+                  <a:srgbClr val="1f2328"/>
+                </a:solidFill>
+                <a:effectLst/>
+                <a:highlight>
+                  <a:srgbClr val="ffffff"/>
+                </a:highlight>
+                <a:latin typeface="-apple-system"/>
+              </a:rPr>
+              <a:t>가속을 제공하고 있다는 것으로</a:t>
+            </a:r>
+            <a:r>
+              <a:rPr lang="en-US" altLang="ko-KR" b="0" i="0">
+                <a:solidFill>
+                  <a:srgbClr val="1f2328"/>
+                </a:solidFill>
+                <a:effectLst/>
+                <a:highlight>
+                  <a:srgbClr val="ffffff"/>
+                </a:highlight>
+                <a:latin typeface="-apple-system"/>
+              </a:rPr>
+              <a:t>, Raspberry Pi 5</a:t>
+            </a:r>
+            <a:r>
+              <a:rPr lang="ko-KR" altLang="en-US" b="0" i="0">
+                <a:solidFill>
+                  <a:srgbClr val="1f2328"/>
+                </a:solidFill>
+                <a:effectLst/>
+                <a:highlight>
+                  <a:srgbClr val="ffffff"/>
+                </a:highlight>
+                <a:latin typeface="-apple-system"/>
+              </a:rPr>
+              <a:t>와 </a:t>
+            </a:r>
+            <a:r>
+              <a:rPr lang="en-US" altLang="ko-KR" b="0" i="0">
+                <a:solidFill>
+                  <a:srgbClr val="1f2328"/>
+                </a:solidFill>
+                <a:effectLst/>
+                <a:highlight>
+                  <a:srgbClr val="ffffff"/>
+                </a:highlight>
+                <a:latin typeface="-apple-system"/>
+              </a:rPr>
+              <a:t>Raspberry Pi 4</a:t>
+            </a:r>
+            <a:r>
+              <a:rPr lang="ko-KR" altLang="en-US" b="0" i="0">
+                <a:solidFill>
+                  <a:srgbClr val="1f2328"/>
+                </a:solidFill>
+                <a:effectLst/>
+                <a:highlight>
+                  <a:srgbClr val="ffffff"/>
+                </a:highlight>
+                <a:latin typeface="-apple-system"/>
+              </a:rPr>
+              <a:t>에서 검증한 결과를 그래프로 정리한 것이 이하입니다</a:t>
+            </a:r>
+            <a:r>
+              <a:rPr lang="en-US" altLang="ko-KR" b="0" i="0">
+                <a:solidFill>
+                  <a:srgbClr val="1f2328"/>
+                </a:solidFill>
+                <a:effectLst/>
+                <a:highlight>
+                  <a:srgbClr val="ffffff"/>
+                </a:highlight>
+                <a:latin typeface="-apple-system"/>
+              </a:rPr>
+              <a:t>. </a:t>
+            </a:r>
+            <a:r>
+              <a:rPr lang="ko-KR" altLang="en-US" b="0" i="0">
+                <a:solidFill>
+                  <a:srgbClr val="1f2328"/>
+                </a:solidFill>
+                <a:effectLst/>
+                <a:highlight>
+                  <a:srgbClr val="ffffff"/>
+                </a:highlight>
+                <a:latin typeface="-apple-system"/>
+              </a:rPr>
+              <a:t>막대그래프가 짧을수록 성능이 뛰어나다는 것을 보여 주며</a:t>
+            </a:r>
+            <a:r>
+              <a:rPr lang="en-US" altLang="ko-KR" b="0" i="0">
+                <a:solidFill>
+                  <a:srgbClr val="1f2328"/>
+                </a:solidFill>
+                <a:effectLst/>
+                <a:highlight>
+                  <a:srgbClr val="ffffff"/>
+                </a:highlight>
+                <a:latin typeface="-apple-system"/>
+              </a:rPr>
+              <a:t>, </a:t>
+            </a:r>
+            <a:r>
+              <a:rPr lang="ko-KR" altLang="en-US" b="0" i="0">
+                <a:solidFill>
+                  <a:srgbClr val="1f2328"/>
+                </a:solidFill>
+                <a:effectLst/>
+                <a:highlight>
+                  <a:srgbClr val="ffffff"/>
+                </a:highlight>
+                <a:latin typeface="-apple-system"/>
+              </a:rPr>
+              <a:t>어느 쪽이든 </a:t>
+            </a:r>
+            <a:r>
+              <a:rPr lang="en-US" altLang="ko-KR" b="0" i="0">
+                <a:solidFill>
+                  <a:srgbClr val="1f2328"/>
+                </a:solidFill>
+                <a:effectLst/>
+                <a:highlight>
+                  <a:srgbClr val="ffffff"/>
+                </a:highlight>
+                <a:latin typeface="-apple-system"/>
+              </a:rPr>
+              <a:t>Raspberry Pi 5 </a:t>
+            </a:r>
+            <a:r>
+              <a:rPr lang="ko-KR" altLang="en-US" b="0" i="0">
+                <a:solidFill>
+                  <a:srgbClr val="1f2328"/>
+                </a:solidFill>
+                <a:effectLst/>
+                <a:highlight>
+                  <a:srgbClr val="ffffff"/>
+                </a:highlight>
+                <a:latin typeface="-apple-system"/>
+              </a:rPr>
+              <a:t>점수가 </a:t>
+            </a:r>
+            <a:r>
+              <a:rPr lang="en-US" altLang="ko-KR" b="0" i="0">
+                <a:solidFill>
+                  <a:srgbClr val="1f2328"/>
+                </a:solidFill>
+                <a:effectLst/>
+                <a:highlight>
+                  <a:srgbClr val="ffffff"/>
+                </a:highlight>
+                <a:latin typeface="-apple-system"/>
+              </a:rPr>
+              <a:t>Raspberry Pi 4 </a:t>
+            </a:r>
+            <a:r>
+              <a:rPr lang="ko-KR" altLang="en-US" b="0" i="0">
+                <a:solidFill>
+                  <a:srgbClr val="1f2328"/>
+                </a:solidFill>
+                <a:effectLst/>
+                <a:highlight>
+                  <a:srgbClr val="ffffff"/>
+                </a:highlight>
+                <a:latin typeface="-apple-system"/>
+              </a:rPr>
+              <a:t>점수를 초과한다는 것을 알 수 있습니다</a:t>
+            </a:r>
+            <a:r>
+              <a:rPr lang="en-US" altLang="ko-KR" b="0" i="0">
+                <a:solidFill>
+                  <a:srgbClr val="1f2328"/>
+                </a:solidFill>
+                <a:effectLst/>
+                <a:highlight>
+                  <a:srgbClr val="ffffff"/>
+                </a:highlight>
+                <a:latin typeface="-apple-system"/>
+              </a:rPr>
+              <a:t>.</a:t>
+            </a:r>
+            <a:endParaRPr lang="en-US" altLang="ko-KR" b="0" i="0">
+              <a:solidFill>
+                <a:srgbClr val="1f2328"/>
+              </a:solidFill>
+              <a:effectLst/>
+              <a:highlight>
+                <a:srgbClr val="ffffff"/>
+              </a:highlight>
+              <a:latin typeface="-apple-system"/>
+            </a:endParaRPr>
+          </a:p>
+          <a:p>
+            <a:pPr marL="171450" indent="-171450">
+              <a:buFontTx/>
+              <a:buChar char="-"/>
+              <a:defRPr/>
+            </a:pPr>
+            <a:endParaRPr lang="en-US" altLang="ko-KR" b="0" i="0">
+              <a:solidFill>
+                <a:srgbClr val="1f2328"/>
+              </a:solidFill>
+              <a:effectLst/>
+              <a:highlight>
+                <a:srgbClr val="ffffff"/>
+              </a:highlight>
+              <a:latin typeface="-apple-system"/>
+            </a:endParaRPr>
+          </a:p>
+          <a:p>
+            <a:pPr marL="171450" indent="-171450">
+              <a:buFontTx/>
+              <a:buChar char="-"/>
+              <a:defRPr/>
+            </a:pPr>
+            <a:r>
+              <a:rPr lang="ko-KR" altLang="en-US" b="0" i="0">
+                <a:solidFill>
+                  <a:srgbClr val="1f2328"/>
+                </a:solidFill>
+                <a:effectLst/>
+                <a:highlight>
+                  <a:srgbClr val="ffffff"/>
+                </a:highlight>
+                <a:latin typeface="-apple-system"/>
+              </a:rPr>
+              <a:t>위의 그래프는 </a:t>
+            </a:r>
+            <a:r>
+              <a:rPr lang="en-US" altLang="ko-KR" b="0" i="0">
+                <a:solidFill>
+                  <a:srgbClr val="1f2328"/>
+                </a:solidFill>
+                <a:effectLst/>
+                <a:highlight>
+                  <a:srgbClr val="ffffff"/>
+                </a:highlight>
+                <a:latin typeface="-apple-system"/>
+              </a:rPr>
+              <a:t>pi 4 </a:t>
+            </a:r>
+            <a:r>
+              <a:rPr lang="ko-KR" altLang="en-US" b="0" i="0">
+                <a:solidFill>
+                  <a:srgbClr val="1f2328"/>
+                </a:solidFill>
+                <a:effectLst/>
+                <a:highlight>
+                  <a:srgbClr val="ffffff"/>
+                </a:highlight>
+                <a:latin typeface="-apple-system"/>
+              </a:rPr>
+              <a:t>와 </a:t>
+            </a:r>
+            <a:r>
+              <a:rPr lang="en-US" altLang="ko-KR" b="0" i="0">
+                <a:solidFill>
+                  <a:srgbClr val="1f2328"/>
+                </a:solidFill>
+                <a:effectLst/>
+                <a:highlight>
+                  <a:srgbClr val="ffffff"/>
+                </a:highlight>
+                <a:latin typeface="-apple-system"/>
+              </a:rPr>
+              <a:t>pi 5</a:t>
+            </a:r>
+            <a:r>
+              <a:rPr lang="ko-KR" altLang="en-US" b="0" i="0">
+                <a:solidFill>
+                  <a:srgbClr val="1f2328"/>
+                </a:solidFill>
+                <a:effectLst/>
+                <a:highlight>
+                  <a:srgbClr val="ffffff"/>
+                </a:highlight>
+                <a:latin typeface="-apple-system"/>
+              </a:rPr>
+              <a:t>의 추론 속도 비교 그래프입니다</a:t>
+            </a:r>
+            <a:endParaRPr lang="ko-KR" altLang="en-US" b="0" i="0">
+              <a:solidFill>
+                <a:srgbClr val="1f2328"/>
+              </a:solidFill>
+              <a:effectLst/>
+              <a:highlight>
+                <a:srgbClr val="ffffff"/>
+              </a:highlight>
+              <a:latin typeface="-apple-system"/>
+            </a:endParaRPr>
           </a:p>
         </p:txBody>
       </p:sp>
@@ -2648,7 +2139,7 @@
           <a:p>
             <a:fld id="{222DD552-84BF-4A8B-831D-8BB12717D5F3}" type="slidenum">
               <a:rPr lang="ko-KR" altLang="en-US" smtClean="0"/>
-              <a:t>8</a:t>
+              <a:t>7</a:t>
             </a:fld>
             <a:endParaRPr lang="ko-KR" altLang="en-US" dirty="0"/>
           </a:p>
@@ -2657,7 +2148,7 @@
     </p:spTree>
     <p:extLst>
       <p:ext uri="{BB962C8B-B14F-4D97-AF65-F5344CB8AC3E}">
-        <p14:creationId xmlns:p14="http://schemas.microsoft.com/office/powerpoint/2010/main" val="200070284"/>
+        <p14:creationId xmlns:p14="http://schemas.microsoft.com/office/powerpoint/2010/main" val="2476000935"/>
       </p:ext>
     </p:extLst>
   </p:cSld>
@@ -2732,7 +2223,7 @@
           <a:p>
             <a:fld id="{222DD552-84BF-4A8B-831D-8BB12717D5F3}" type="slidenum">
               <a:rPr lang="ko-KR" altLang="en-US" smtClean="0"/>
-              <a:t>9</a:t>
+              <a:t>8</a:t>
             </a:fld>
             <a:endParaRPr lang="ko-KR" altLang="en-US" dirty="0"/>
           </a:p>
@@ -2741,7 +2232,7 @@
     </p:spTree>
     <p:extLst>
       <p:ext uri="{BB962C8B-B14F-4D97-AF65-F5344CB8AC3E}">
-        <p14:creationId xmlns:p14="http://schemas.microsoft.com/office/powerpoint/2010/main" val="747583553"/>
+        <p14:creationId xmlns:p14="http://schemas.microsoft.com/office/powerpoint/2010/main" val="200070284"/>
       </p:ext>
     </p:extLst>
   </p:cSld>
@@ -2752,7 +2243,7 @@
 </file>
 
 <file path=ppt/notesSlides/notesSlide8.xml><?xml version="1.0" encoding="utf-8"?>
-<p:notes xmlns:a="http://schemas.openxmlformats.org/drawingml/2006/main" xmlns:r="http://schemas.openxmlformats.org/officeDocument/2006/relationships" xmlns:p="http://schemas.openxmlformats.org/presentationml/2006/main">
+<p:notes xmlns:r="http://schemas.openxmlformats.org/officeDocument/2006/relationships" xmlns:c="http://schemas.openxmlformats.org/drawingml/2006/chart" xmlns:a="http://schemas.openxmlformats.org/drawingml/2006/main" xmlns:dgm="http://schemas.openxmlformats.org/drawingml/2006/diagram" xmlns:dsp="http://schemas.microsoft.com/office/drawing/2008/diagram" xmlns:p="http://schemas.openxmlformats.org/presentationml/2006/main">
   <p:cSld>
     <p:spTree>
       <p:nvGrpSpPr>
@@ -2795,7 +2286,42 @@
           <a:bodyPr/>
           <a:lstStyle/>
           <a:p>
-            <a:endParaRPr lang="ko-KR" altLang="en-US" dirty="0"/>
+            <a:pPr lvl="0">
+              <a:defRPr/>
+            </a:pPr>
+            <a:r>
+              <a:rPr lang="ko-KR" altLang="en-US"/>
+              <a:t>현재 진행 상황은 라즈베리 파이</a:t>
+            </a:r>
+            <a:r>
+              <a:rPr lang="en-US" altLang="ko-KR"/>
+              <a:t>4</a:t>
+            </a:r>
+            <a:r>
+              <a:rPr lang="ko-KR" altLang="en-US"/>
+              <a:t>에 </a:t>
+            </a:r>
+            <a:r>
+              <a:rPr lang="en-US" altLang="ko-KR"/>
+              <a:t>dockerfile</a:t>
+            </a:r>
+            <a:r>
+              <a:rPr lang="ko-KR" altLang="en-US"/>
+              <a:t>을 이용해 이미지를 빌드 하여 </a:t>
+            </a:r>
+            <a:r>
+              <a:rPr lang="en-US" altLang="ko-KR"/>
+              <a:t>Run</a:t>
+            </a:r>
+            <a:r>
+              <a:rPr lang="ko-KR" altLang="en-US"/>
+              <a:t> 하는 프로토타입 제작에 힘을 쏟고 있습니다</a:t>
+            </a:r>
+            <a:r>
+              <a:rPr lang="en-US" altLang="ko-KR"/>
+              <a:t>.</a:t>
+            </a:r>
+            <a:endParaRPr lang="en-US" altLang="ko-KR"/>
           </a:p>
         </p:txBody>
       </p:sp>
@@ -2816,7 +2342,7 @@
           <a:p>
             <a:fld id="{222DD552-84BF-4A8B-831D-8BB12717D5F3}" type="slidenum">
               <a:rPr lang="ko-KR" altLang="en-US" smtClean="0"/>
-              <a:t>10</a:t>
+              <a:t>9</a:t>
             </a:fld>
             <a:endParaRPr lang="ko-KR" altLang="en-US" dirty="0"/>
           </a:p>
@@ -2825,7 +2351,7 @@
     </p:spTree>
     <p:extLst>
       <p:ext uri="{BB962C8B-B14F-4D97-AF65-F5344CB8AC3E}">
-        <p14:creationId xmlns:p14="http://schemas.microsoft.com/office/powerpoint/2010/main" val="964174448"/>
+        <p14:creationId xmlns:p14="http://schemas.microsoft.com/office/powerpoint/2010/main" val="747583553"/>
       </p:ext>
     </p:extLst>
   </p:cSld>
@@ -2836,7 +2362,7 @@
 </file>
 
 <file path=ppt/notesSlides/notesSlide9.xml><?xml version="1.0" encoding="utf-8"?>
-<p:notes xmlns:a="http://schemas.openxmlformats.org/drawingml/2006/main" xmlns:r="http://schemas.openxmlformats.org/officeDocument/2006/relationships" xmlns:p="http://schemas.openxmlformats.org/presentationml/2006/main">
+<p:notes xmlns:r="http://schemas.openxmlformats.org/officeDocument/2006/relationships" xmlns:c="http://schemas.openxmlformats.org/drawingml/2006/chart" xmlns:a="http://schemas.openxmlformats.org/drawingml/2006/main" xmlns:dgm="http://schemas.openxmlformats.org/drawingml/2006/diagram" xmlns:dsp="http://schemas.microsoft.com/office/drawing/2008/diagram" xmlns:p="http://schemas.openxmlformats.org/presentationml/2006/main">
   <p:cSld>
     <p:spTree>
       <p:nvGrpSpPr>
@@ -2879,7 +2405,70 @@
           <a:bodyPr/>
           <a:lstStyle/>
           <a:p>
-            <a:endParaRPr lang="ko-KR" altLang="en-US" dirty="0"/>
+            <a:pPr lvl="0">
+              <a:defRPr/>
+            </a:pPr>
+            <a:r>
+              <a:rPr lang="ko-KR" altLang="en-US"/>
+              <a:t>다음 단계로는 기존의 </a:t>
+            </a:r>
+            <a:r>
+              <a:rPr lang="en-US" altLang="ko-KR"/>
+              <a:t>tflite</a:t>
+            </a:r>
+            <a:r>
+              <a:rPr lang="ko-KR" altLang="en-US"/>
+              <a:t>로 된 모델에 </a:t>
+            </a:r>
+            <a:r>
+              <a:rPr lang="en-US" altLang="ko-KR"/>
+              <a:t>onnx </a:t>
+            </a:r>
+            <a:r>
+              <a:rPr lang="ko-KR" altLang="en-US"/>
+              <a:t>를 이용해 </a:t>
+            </a:r>
+            <a:r>
+              <a:rPr lang="en-US" altLang="ko-KR"/>
+              <a:t>onnx runtime</a:t>
+            </a:r>
+            <a:r>
+              <a:rPr lang="ko-KR" altLang="en-US"/>
+              <a:t>으로 변환해 도커 이미지화 시키는 작업을 할 예정입니다</a:t>
+            </a:r>
+            <a:endParaRPr lang="ko-KR" altLang="en-US"/>
+          </a:p>
+          <a:p>
+            <a:pPr lvl="0">
+              <a:defRPr/>
+            </a:pPr>
+            <a:endParaRPr lang="ko-KR" altLang="en-US"/>
+          </a:p>
+          <a:p>
+            <a:pPr lvl="0">
+              <a:defRPr/>
+            </a:pPr>
+            <a:r>
+              <a:rPr lang="ko-KR" altLang="en-US"/>
+              <a:t>왜 </a:t>
+            </a:r>
+            <a:r>
+              <a:rPr lang="en-US" altLang="ko-KR"/>
+              <a:t>onnx runtime</a:t>
+            </a:r>
+            <a:r>
+              <a:rPr lang="ko-KR" altLang="en-US"/>
+              <a:t>을 쓰냐 한다면 작업 호환성과 프로토타입을 제작하기에 </a:t>
+            </a:r>
+            <a:r>
+              <a:rPr lang="en-US" altLang="ko-KR"/>
+              <a:t>onnx runtime</a:t>
+            </a:r>
+            <a:r>
+              <a:rPr lang="ko-KR" altLang="en-US"/>
+              <a:t>이 첫 단계로 적합 하다고 멘토님께서 추천 해주셨습니다</a:t>
+            </a:r>
+            <a:endParaRPr lang="ko-KR" altLang="en-US"/>
           </a:p>
         </p:txBody>
       </p:sp>
@@ -2900,7 +2489,7 @@
           <a:p>
             <a:fld id="{222DD552-84BF-4A8B-831D-8BB12717D5F3}" type="slidenum">
               <a:rPr lang="ko-KR" altLang="en-US" smtClean="0"/>
-              <a:t>11</a:t>
+              <a:t>10</a:t>
             </a:fld>
             <a:endParaRPr lang="ko-KR" altLang="en-US" dirty="0"/>
           </a:p>
@@ -2909,7 +2498,7 @@
     </p:spTree>
     <p:extLst>
       <p:ext uri="{BB962C8B-B14F-4D97-AF65-F5344CB8AC3E}">
-        <p14:creationId xmlns:p14="http://schemas.microsoft.com/office/powerpoint/2010/main" val="1386389023"/>
+        <p14:creationId xmlns:p14="http://schemas.microsoft.com/office/powerpoint/2010/main" val="964174448"/>
       </p:ext>
     </p:extLst>
   </p:cSld>
@@ -7523,7 +7112,7 @@
 </file>
 
 <file path=ppt/slides/slide2.xml><?xml version="1.0" encoding="utf-8"?>
-<p:sld xmlns:a="http://schemas.openxmlformats.org/drawingml/2006/main" xmlns:r="http://schemas.openxmlformats.org/officeDocument/2006/relationships" xmlns:p="http://schemas.openxmlformats.org/presentationml/2006/main">
+<p:sld xmlns:r="http://schemas.openxmlformats.org/officeDocument/2006/relationships" xmlns:c="http://schemas.openxmlformats.org/drawingml/2006/chart" xmlns:a="http://schemas.openxmlformats.org/drawingml/2006/main" xmlns:dgm="http://schemas.openxmlformats.org/drawingml/2006/diagram" xmlns:dsp="http://schemas.microsoft.com/office/drawing/2008/diagram" xmlns:p="http://schemas.openxmlformats.org/presentationml/2006/main">
   <p:cSld>
     <p:spTree>
       <p:nvGrpSpPr>
@@ -7750,13 +7339,13 @@
           <p:nvPr/>
         </p:nvPicPr>
         <p:blipFill>
-          <a:blip r:embed="rId2">
+          <a:blip r:embed="rId3">
             <a:extLst>
               <a:ext uri="{28A0092B-C50C-407E-A947-70E740481C1C}">
                 <a14:useLocalDpi xmlns:a14="http://schemas.microsoft.com/office/drawing/2010/main" val="0"/>
               </a:ext>
               <a:ext uri="{96DAC541-7B7A-43D3-8B79-37D633B846F1}">
-                <asvg:svgBlip xmlns:asvg="http://schemas.microsoft.com/office/drawing/2016/SVG/main" r:embed="rId3"/>
+                <asvg:svgBlip xmlns:asvg="http://schemas.microsoft.com/office/drawing/2016/SVG/main" r:embed="rId4"/>
               </a:ext>
             </a:extLst>
           </a:blip>
@@ -7776,20 +7365,14 @@
       </p:pic>
       <p:sp>
         <p:nvSpPr>
-          <p:cNvPr id="21" name="TextBox 20">
-            <a:extLst>
-              <a:ext uri="{FF2B5EF4-FFF2-40B4-BE49-F238E27FC236}">
-                <a16:creationId xmlns:a16="http://schemas.microsoft.com/office/drawing/2014/main" id="{76A3655C-54E5-E376-FD42-658D8301ECC7}"/>
-              </a:ext>
-            </a:extLst>
-          </p:cNvPr>
+          <p:cNvPr id="21" name="TextBox 20"/>
           <p:cNvSpPr txBox="1"/>
           <p:nvPr/>
         </p:nvSpPr>
         <p:spPr>
           <a:xfrm>
             <a:off x="611065" y="1289809"/>
-            <a:ext cx="6535682" cy="1015663"/>
+            <a:ext cx="6535682" cy="699011"/>
           </a:xfrm>
           <a:prstGeom prst="rect">
             <a:avLst/>
@@ -7805,13 +7388,16 @@
           </a:ln>
         </p:spPr>
         <p:txBody>
-          <a:bodyPr wrap="square" rtlCol="0">
+          <a:bodyPr wrap="square">
             <a:spAutoFit/>
           </a:bodyPr>
           <a:lstStyle/>
           <a:p>
-            <a:r>
-              <a:rPr lang="ko-KR" altLang="en-US" sz="2000" b="1" dirty="0">
+            <a:pPr lvl="0">
+              <a:defRPr/>
+            </a:pPr>
+            <a:r>
+              <a:rPr lang="en-US" altLang="ko-KR" sz="2000" b="1">
                 <a:solidFill>
                   <a:schemeClr val="tx2">
                     <a:lumMod val="75000"/>
@@ -7819,8 +7405,49 @@
                   </a:schemeClr>
                 </a:solidFill>
               </a:rPr>
-              <a:t>라즈베리 파이에서 다양한 컴퓨터 비전 모델을 테스트하려는 사용자들에게 환경을 손쉽게 구축할 수 있도록 도와주는 저장소</a:t>
-            </a:r>
+              <a:t>Raspi5</a:t>
+            </a:r>
+            <a:r>
+              <a:rPr lang="ko-KR" altLang="en-US" sz="2000" b="1">
+                <a:solidFill>
+                  <a:schemeClr val="tx2">
+                    <a:lumMod val="75000"/>
+                    <a:lumOff val="25000"/>
+                  </a:schemeClr>
+                </a:solidFill>
+              </a:rPr>
+              <a:t>를 활용해 컴퓨터 비전이 필요한 다양한 프로젝트에서 쓸 수 있는 </a:t>
+            </a:r>
+            <a:r>
+              <a:rPr lang="en-US" altLang="ko-KR" sz="2000" b="1">
+                <a:solidFill>
+                  <a:schemeClr val="tx2">
+                    <a:lumMod val="75000"/>
+                    <a:lumOff val="25000"/>
+                  </a:schemeClr>
+                </a:solidFill>
+              </a:rPr>
+              <a:t>Computer Vision Suite</a:t>
+            </a:r>
+            <a:r>
+              <a:rPr lang="ko-KR" altLang="en-US" sz="2000" b="1">
+                <a:solidFill>
+                  <a:schemeClr val="tx2">
+                    <a:lumMod val="75000"/>
+                    <a:lumOff val="25000"/>
+                  </a:schemeClr>
+                </a:solidFill>
+              </a:rPr>
+              <a:t> 개발</a:t>
+            </a:r>
+            <a:endParaRPr lang="ko-KR" altLang="en-US" sz="2000" b="1">
+              <a:solidFill>
+                <a:schemeClr val="tx2">
+                  <a:lumMod val="75000"/>
+                  <a:lumOff val="25000"/>
+                </a:schemeClr>
+              </a:solidFill>
+            </a:endParaRPr>
           </a:p>
         </p:txBody>
       </p:sp>
@@ -7936,7 +7563,7 @@
               <p:nvPr/>
             </p:nvPicPr>
             <p:blipFill>
-              <a:blip r:embed="rId4"/>
+              <a:blip r:embed="rId5"/>
               <a:stretch>
                 <a:fillRect/>
               </a:stretch>
@@ -7986,13 +7613,13 @@
                 <p:nvPr/>
               </p:nvPicPr>
               <p:blipFill>
-                <a:blip r:embed="rId5">
+                <a:blip r:embed="rId6">
                   <a:extLst>
                     <a:ext uri="{28A0092B-C50C-407E-A947-70E740481C1C}">
                       <a14:useLocalDpi xmlns:a14="http://schemas.microsoft.com/office/drawing/2010/main" val="0"/>
                     </a:ext>
                     <a:ext uri="{96DAC541-7B7A-43D3-8B79-37D633B846F1}">
-                      <asvg:svgBlip xmlns:asvg="http://schemas.microsoft.com/office/drawing/2016/SVG/main" r:embed="rId6"/>
+                      <asvg:svgBlip xmlns:asvg="http://schemas.microsoft.com/office/drawing/2016/SVG/main" r:embed="rId7"/>
                     </a:ext>
                   </a:extLst>
                 </a:blip>
@@ -8025,13 +7652,13 @@
                 <p:nvPr/>
               </p:nvPicPr>
               <p:blipFill>
-                <a:blip r:embed="rId7">
+                <a:blip r:embed="rId8">
                   <a:extLst>
                     <a:ext uri="{28A0092B-C50C-407E-A947-70E740481C1C}">
                       <a14:useLocalDpi xmlns:a14="http://schemas.microsoft.com/office/drawing/2010/main" val="0"/>
                     </a:ext>
                     <a:ext uri="{96DAC541-7B7A-43D3-8B79-37D633B846F1}">
-                      <asvg:svgBlip xmlns:asvg="http://schemas.microsoft.com/office/drawing/2016/SVG/main" r:embed="rId8"/>
+                      <asvg:svgBlip xmlns:asvg="http://schemas.microsoft.com/office/drawing/2016/SVG/main" r:embed="rId9"/>
                     </a:ext>
                   </a:extLst>
                 </a:blip>
@@ -8065,7 +7692,7 @@
               <p:nvPr/>
             </p:nvPicPr>
             <p:blipFill>
-              <a:blip r:embed="rId9">
+              <a:blip r:embed="rId10">
                 <a:extLst>
                   <a:ext uri="{28A0092B-C50C-407E-A947-70E740481C1C}">
                     <a14:useLocalDpi xmlns:a14="http://schemas.microsoft.com/office/drawing/2010/main" val="0"/>
@@ -8112,13 +7739,13 @@
               <p:nvPr/>
             </p:nvPicPr>
             <p:blipFill>
-              <a:blip r:embed="rId10">
+              <a:blip r:embed="rId11">
                 <a:extLst>
                   <a:ext uri="{28A0092B-C50C-407E-A947-70E740481C1C}">
                     <a14:useLocalDpi xmlns:a14="http://schemas.microsoft.com/office/drawing/2010/main" val="0"/>
                   </a:ext>
                   <a:ext uri="{96DAC541-7B7A-43D3-8B79-37D633B846F1}">
-                    <asvg:svgBlip xmlns:asvg="http://schemas.microsoft.com/office/drawing/2016/SVG/main" r:embed="rId11"/>
+                    <asvg:svgBlip xmlns:asvg="http://schemas.microsoft.com/office/drawing/2016/SVG/main" r:embed="rId12"/>
                   </a:ext>
                 </a:extLst>
               </a:blip>
@@ -8151,13 +7778,13 @@
               <p:nvPr/>
             </p:nvPicPr>
             <p:blipFill>
-              <a:blip r:embed="rId10">
+              <a:blip r:embed="rId11">
                 <a:extLst>
                   <a:ext uri="{28A0092B-C50C-407E-A947-70E740481C1C}">
                     <a14:useLocalDpi xmlns:a14="http://schemas.microsoft.com/office/drawing/2010/main" val="0"/>
                   </a:ext>
                   <a:ext uri="{96DAC541-7B7A-43D3-8B79-37D633B846F1}">
-                    <asvg:svgBlip xmlns:asvg="http://schemas.microsoft.com/office/drawing/2016/SVG/main" r:embed="rId11"/>
+                    <asvg:svgBlip xmlns:asvg="http://schemas.microsoft.com/office/drawing/2016/SVG/main" r:embed="rId12"/>
                   </a:ext>
                 </a:extLst>
               </a:blip>
@@ -8192,13 +7819,13 @@
           <p:nvPr/>
         </p:nvPicPr>
         <p:blipFill>
-          <a:blip r:embed="rId12">
+          <a:blip r:embed="rId13">
             <a:extLst>
               <a:ext uri="{28A0092B-C50C-407E-A947-70E740481C1C}">
                 <a14:useLocalDpi xmlns:a14="http://schemas.microsoft.com/office/drawing/2010/main" val="0"/>
               </a:ext>
               <a:ext uri="{96DAC541-7B7A-43D3-8B79-37D633B846F1}">
-                <asvg:svgBlip xmlns:asvg="http://schemas.microsoft.com/office/drawing/2016/SVG/main" r:embed="rId13"/>
+                <asvg:svgBlip xmlns:asvg="http://schemas.microsoft.com/office/drawing/2016/SVG/main" r:embed="rId14"/>
               </a:ext>
             </a:extLst>
           </a:blip>
@@ -8226,6 +7853,14 @@
   <p:clrMapOvr>
     <a:masterClrMapping/>
   </p:clrMapOvr>
+  <mc:AlternateContent xmlns:mc="http://schemas.openxmlformats.org/markup-compatibility/2006">
+    <mc:Choice xmlns:p14="http://schemas.microsoft.com/office/powerpoint/2010/main" Requires="p14">
+      <p:transition xmlns:mc="http://schemas.openxmlformats.org/markup-compatibility/2006" xmlns:p14="http://schemas.microsoft.com/office/powerpoint/2010/main" mc:Ignorable="p14" p14:dur="500"/>
+    </mc:Choice>
+    <mc:Fallback>
+      <p:transition/>
+    </mc:Fallback>
+  </mc:AlternateContent>
 </p:sld>
 </file>
 
@@ -8948,7 +8583,7 @@
 </file>
 
 <file path=ppt/slides/slide4.xml><?xml version="1.0" encoding="utf-8"?>
-<p:sld xmlns:a="http://schemas.openxmlformats.org/drawingml/2006/main" xmlns:r="http://schemas.openxmlformats.org/officeDocument/2006/relationships" xmlns:p="http://schemas.openxmlformats.org/presentationml/2006/main">
+<p:sld xmlns:r="http://schemas.openxmlformats.org/officeDocument/2006/relationships" xmlns:c="http://schemas.openxmlformats.org/drawingml/2006/chart" xmlns:a="http://schemas.openxmlformats.org/drawingml/2006/main" xmlns:dgm="http://schemas.openxmlformats.org/drawingml/2006/diagram" xmlns:dsp="http://schemas.microsoft.com/office/drawing/2008/diagram" xmlns:p="http://schemas.openxmlformats.org/presentationml/2006/main">
   <p:cSld>
     <p:spTree>
       <p:nvGrpSpPr>
@@ -9728,60 +9363,42 @@
       </p:grpSp>
       <p:grpSp>
         <p:nvGrpSpPr>
-          <p:cNvPr id="40" name="그룹 39">
-            <a:extLst>
-              <a:ext uri="{FF2B5EF4-FFF2-40B4-BE49-F238E27FC236}">
-                <a16:creationId xmlns:a16="http://schemas.microsoft.com/office/drawing/2014/main" id="{30FF5BE5-2260-E4D8-3620-CB51494C3EE4}"/>
-              </a:ext>
-            </a:extLst>
-          </p:cNvPr>
+          <p:cNvPr id="40" name="그룹 39"/>
           <p:cNvGrpSpPr/>
           <p:nvPr/>
         </p:nvGrpSpPr>
         <p:grpSpPr>
-          <a:xfrm>
-            <a:off x="3205580" y="4108400"/>
-            <a:ext cx="9022034" cy="2124881"/>
-            <a:chOff x="3984978" y="4015264"/>
-            <a:chExt cx="9022034" cy="2124881"/>
+          <a:xfrm rot="0">
+            <a:off x="3098039" y="4108400"/>
+            <a:ext cx="9093962" cy="2124881"/>
+            <a:chOff x="3877437" y="4015264"/>
+            <a:chExt cx="9093962" cy="2124881"/>
           </a:xfrm>
         </p:grpSpPr>
         <p:grpSp>
           <p:nvGrpSpPr>
-            <p:cNvPr id="16" name="그룹 15">
-              <a:extLst>
-                <a:ext uri="{FF2B5EF4-FFF2-40B4-BE49-F238E27FC236}">
-                  <a16:creationId xmlns:a16="http://schemas.microsoft.com/office/drawing/2014/main" id="{9A42E4A3-BA0C-0994-03CC-24E6A480EE4D}"/>
-                </a:ext>
-              </a:extLst>
-            </p:cNvPr>
+            <p:cNvPr id="16" name="그룹 15"/>
             <p:cNvGrpSpPr/>
             <p:nvPr/>
           </p:nvGrpSpPr>
           <p:grpSpPr>
-            <a:xfrm>
-              <a:off x="3984978" y="4015264"/>
-              <a:ext cx="9022034" cy="2124881"/>
-              <a:chOff x="3957349" y="4071510"/>
-              <a:chExt cx="9095745" cy="2124881"/>
+            <a:xfrm rot="0">
+              <a:off x="3877437" y="4015264"/>
+              <a:ext cx="9093962" cy="2124881"/>
+              <a:chOff x="3848930" y="4071510"/>
+              <a:chExt cx="9168260" cy="2124881"/>
             </a:xfrm>
           </p:grpSpPr>
           <p:sp>
             <p:nvSpPr>
-              <p:cNvPr id="11" name="TextBox 10">
-                <a:extLst>
-                  <a:ext uri="{FF2B5EF4-FFF2-40B4-BE49-F238E27FC236}">
-                    <a16:creationId xmlns:a16="http://schemas.microsoft.com/office/drawing/2014/main" id="{26A57846-C1C8-06A9-D28D-FDB98E1027CC}"/>
-                  </a:ext>
-                </a:extLst>
-              </p:cNvPr>
+              <p:cNvPr id="11" name="TextBox 10"/>
               <p:cNvSpPr txBox="1"/>
               <p:nvPr/>
             </p:nvSpPr>
             <p:spPr>
               <a:xfrm>
-                <a:off x="8043519" y="4688419"/>
-                <a:ext cx="5009575" cy="400110"/>
+                <a:off x="7733750" y="4335070"/>
+                <a:ext cx="5283439" cy="388634"/>
               </a:xfrm>
               <a:prstGeom prst="rect">
                 <a:avLst/>
@@ -9789,7 +9406,7 @@
               <a:noFill/>
             </p:spPr>
             <p:txBody>
-              <a:bodyPr wrap="square" rtlCol="0">
+              <a:bodyPr wrap="square">
                 <a:spAutoFit/>
               </a:bodyPr>
               <a:lstStyle/>
@@ -9801,9 +9418,10 @@
                       <a:lumOff val="50000"/>
                     </a:schemeClr>
                   </a:buClr>
+                  <a:defRPr/>
                 </a:pPr>
                 <a:r>
-                  <a:rPr lang="ko-KR" altLang="en-US" sz="2000" dirty="0">
+                  <a:rPr lang="ko-KR" altLang="en-US" sz="2000">
                     <a:solidFill>
                       <a:schemeClr val="tx1">
                         <a:lumMod val="65000"/>
@@ -9811,10 +9429,10 @@
                       </a:schemeClr>
                     </a:solidFill>
                   </a:rPr>
-                  <a:t>스마트 홈 및 </a:t>
+                  <a:t>스마트 홈 시스템</a:t>
                 </a:r>
                 <a:r>
-                  <a:rPr lang="en-US" altLang="ko-KR" sz="2000" dirty="0">
+                  <a:rPr lang="en-US" altLang="ko-KR" sz="2000">
                     <a:solidFill>
                       <a:schemeClr val="tx1">
                         <a:lumMod val="65000"/>
@@ -9822,9 +9440,20 @@
                       </a:schemeClr>
                     </a:solidFill>
                   </a:rPr>
-                  <a:t>IOT</a:t>
+                  <a:t>:</a:t>
                 </a:r>
-                <a:endParaRPr lang="ko-KR" altLang="en-US" sz="2000" dirty="0">
+                <a:r>
+                  <a:rPr lang="ko-KR" altLang="en-US" sz="2000">
+                    <a:solidFill>
+                      <a:schemeClr val="tx1">
+                        <a:lumMod val="65000"/>
+                        <a:lumOff val="35000"/>
+                      </a:schemeClr>
+                    </a:solidFill>
+                  </a:rPr>
+                  <a:t> 홈 모니터링 및 자동 제어</a:t>
+                </a:r>
+                <a:endParaRPr lang="ko-KR" altLang="en-US" sz="2000">
                   <a:solidFill>
                     <a:schemeClr val="tx1">
                       <a:lumMod val="65000"/>
@@ -9837,87 +9466,54 @@
           </p:sp>
           <p:pic>
             <p:nvPicPr>
-              <p:cNvPr id="2055" name="Picture 7" descr="홈IoT 정의와 전망 上] 왜 홈 IoT 인가? - 녹색경제신문">
-                <a:extLst>
-                  <a:ext uri="{FF2B5EF4-FFF2-40B4-BE49-F238E27FC236}">
-                    <a16:creationId xmlns:a16="http://schemas.microsoft.com/office/drawing/2014/main" id="{30667F40-4B63-D1F6-2AD3-8BAEBEEBAAFB}"/>
-                  </a:ext>
-                </a:extLst>
-              </p:cNvPr>
+              <p:cNvPr id="2055" name="Picture 7" descr="홈IoT 정의와 전망 上] 왜 홈 IoT 인가? - 녹색경제신문"/>
               <p:cNvPicPr>
                 <a:picLocks noChangeAspect="1" noChangeArrowheads="1"/>
               </p:cNvPicPr>
               <p:nvPr/>
             </p:nvPicPr>
-            <p:blipFill>
-              <a:blip r:embed="rId5">
-                <a:extLst>
-                  <a:ext uri="{28A0092B-C50C-407E-A947-70E740481C1C}">
-                    <a14:useLocalDpi xmlns:a14="http://schemas.microsoft.com/office/drawing/2010/main" val="0"/>
-                  </a:ext>
-                </a:extLst>
-              </a:blip>
+            <p:blipFill rotWithShape="1">
+              <a:blip r:embed="rId5"/>
               <a:srcRect/>
               <a:stretch>
                 <a:fillRect/>
               </a:stretch>
             </p:blipFill>
-            <p:spPr bwMode="auto">
+            <p:spPr>
               <a:xfrm>
-                <a:off x="3957349" y="4071510"/>
+                <a:off x="3848930" y="4071510"/>
                 <a:ext cx="3445986" cy="2124881"/>
               </a:xfrm>
               <a:prstGeom prst="rect">
                 <a:avLst/>
               </a:prstGeom>
               <a:noFill/>
-              <a:extLst>
-                <a:ext uri="{909E8E84-426E-40DD-AFC4-6F175D3DCCD1}">
-                  <a14:hiddenFill xmlns:a14="http://schemas.microsoft.com/office/drawing/2010/main">
-                    <a:solidFill>
-                      <a:srgbClr val="FFFFFF"/>
-                    </a:solidFill>
-                  </a14:hiddenFill>
-                </a:ext>
-              </a:extLst>
             </p:spPr>
           </p:pic>
         </p:grpSp>
         <p:grpSp>
           <p:nvGrpSpPr>
-            <p:cNvPr id="35" name="그룹 34">
-              <a:extLst>
-                <a:ext uri="{FF2B5EF4-FFF2-40B4-BE49-F238E27FC236}">
-                  <a16:creationId xmlns:a16="http://schemas.microsoft.com/office/drawing/2014/main" id="{99FAD00B-B4DB-4B25-8CA8-66497ED49471}"/>
-                </a:ext>
-              </a:extLst>
-            </p:cNvPr>
+            <p:cNvPr id="35" name="그룹 34"/>
             <p:cNvGrpSpPr/>
             <p:nvPr/>
           </p:nvGrpSpPr>
           <p:grpSpPr>
-            <a:xfrm>
-              <a:off x="7519250" y="4557286"/>
+            <a:xfrm rot="0">
+              <a:off x="7119815" y="4127124"/>
               <a:ext cx="518784" cy="549884"/>
-              <a:chOff x="7506300" y="4557844"/>
+              <a:chOff x="7106865" y="4127682"/>
               <a:chExt cx="518784" cy="549884"/>
             </a:xfrm>
           </p:grpSpPr>
           <p:sp>
             <p:nvSpPr>
-              <p:cNvPr id="33" name="타원 32">
-                <a:extLst>
-                  <a:ext uri="{FF2B5EF4-FFF2-40B4-BE49-F238E27FC236}">
-                    <a16:creationId xmlns:a16="http://schemas.microsoft.com/office/drawing/2014/main" id="{DEEB508C-5B18-868B-0C06-751F97B182C0}"/>
-                  </a:ext>
-                </a:extLst>
-              </p:cNvPr>
+              <p:cNvPr id="33" name="타원 32"/>
               <p:cNvSpPr/>
               <p:nvPr/>
             </p:nvSpPr>
             <p:spPr>
               <a:xfrm>
-                <a:off x="7506300" y="4557844"/>
+                <a:off x="7106865" y="4127682"/>
                 <a:ext cx="518784" cy="549884"/>
               </a:xfrm>
               <a:prstGeom prst="ellipse">
@@ -9950,11 +9546,13 @@
               </a:fontRef>
             </p:style>
             <p:txBody>
-              <a:bodyPr rtlCol="0" anchor="ctr"/>
+              <a:bodyPr anchor="ctr"/>
               <a:lstStyle/>
               <a:p>
-                <a:pPr algn="ctr"/>
-                <a:endParaRPr lang="ko-KR" altLang="en-US" dirty="0">
+                <a:pPr algn="ctr">
+                  <a:defRPr/>
+                </a:pPr>
+                <a:endParaRPr lang="ko-KR" altLang="en-US">
                   <a:solidFill>
                     <a:schemeClr val="bg1"/>
                   </a:solidFill>
@@ -9964,19 +9562,13 @@
           </p:sp>
           <p:sp>
             <p:nvSpPr>
-              <p:cNvPr id="34" name="TextBox 33">
-                <a:extLst>
-                  <a:ext uri="{FF2B5EF4-FFF2-40B4-BE49-F238E27FC236}">
-                    <a16:creationId xmlns:a16="http://schemas.microsoft.com/office/drawing/2014/main" id="{C9B28EE3-9674-9484-8546-518B9AE5E09E}"/>
-                  </a:ext>
-                </a:extLst>
-              </p:cNvPr>
+              <p:cNvPr id="34" name="TextBox 33"/>
               <p:cNvSpPr txBox="1"/>
               <p:nvPr/>
             </p:nvSpPr>
             <p:spPr>
               <a:xfrm>
-                <a:off x="7602783" y="4642617"/>
+                <a:off x="7234072" y="4227818"/>
                 <a:ext cx="333746" cy="400110"/>
               </a:xfrm>
               <a:prstGeom prst="rect">
@@ -9990,21 +9582,23 @@
               </a:solidFill>
             </p:spPr>
             <p:txBody>
-              <a:bodyPr wrap="square" rtlCol="0">
+              <a:bodyPr wrap="square">
                 <a:spAutoFit/>
               </a:bodyPr>
               <a:lstStyle/>
               <a:p>
-                <a:pPr algn="ctr"/>
+                <a:pPr algn="ctr">
+                  <a:defRPr/>
+                </a:pPr>
                 <a:r>
-                  <a:rPr lang="en-US" altLang="ko-KR" sz="2000" b="1" dirty="0">
+                  <a:rPr lang="en-US" altLang="ko-KR" sz="2000" b="1">
                     <a:solidFill>
                       <a:schemeClr val="bg1"/>
                     </a:solidFill>
                   </a:rPr>
                   <a:t>3</a:t>
                 </a:r>
-                <a:endParaRPr lang="ko-KR" altLang="en-US" sz="2000" b="1" dirty="0">
+                <a:endParaRPr lang="ko-KR" altLang="en-US" sz="2000" b="1">
                   <a:solidFill>
                     <a:schemeClr val="bg1"/>
                   </a:solidFill>
@@ -10024,6 +9618,14 @@
   <p:clrMapOvr>
     <a:masterClrMapping/>
   </p:clrMapOvr>
+  <mc:AlternateContent xmlns:mc="http://schemas.openxmlformats.org/markup-compatibility/2006">
+    <mc:Choice xmlns:p14="http://schemas.microsoft.com/office/powerpoint/2010/main" Requires="p14">
+      <p:transition xmlns:mc="http://schemas.openxmlformats.org/markup-compatibility/2006" xmlns:p14="http://schemas.microsoft.com/office/powerpoint/2010/main" mc:Ignorable="p14" p14:dur="500"/>
+    </mc:Choice>
+    <mc:Fallback>
+      <p:transition/>
+    </mc:Fallback>
+  </mc:AlternateContent>
   <p:timing>
     <p:tnLst>
       <p:par>
@@ -10148,7 +9750,7 @@
 </file>
 
 <file path=ppt/slides/slide5.xml><?xml version="1.0" encoding="utf-8"?>
-<p:sld xmlns:a="http://schemas.openxmlformats.org/drawingml/2006/main" xmlns:r="http://schemas.openxmlformats.org/officeDocument/2006/relationships" xmlns:p="http://schemas.openxmlformats.org/presentationml/2006/main">
+<p:sld xmlns:r="http://schemas.openxmlformats.org/officeDocument/2006/relationships" xmlns:c="http://schemas.openxmlformats.org/drawingml/2006/chart" xmlns:a="http://schemas.openxmlformats.org/drawingml/2006/main" xmlns:dgm="http://schemas.openxmlformats.org/drawingml/2006/diagram" xmlns:dsp="http://schemas.microsoft.com/office/drawing/2008/diagram" xmlns:p="http://schemas.openxmlformats.org/presentationml/2006/main">
   <p:cSld>
     <p:spTree>
       <p:nvGrpSpPr>
@@ -10273,20 +9875,14 @@
       </p:sp>
       <p:sp>
         <p:nvSpPr>
-          <p:cNvPr id="8" name="TextBox 7">
-            <a:extLst>
-              <a:ext uri="{FF2B5EF4-FFF2-40B4-BE49-F238E27FC236}">
-                <a16:creationId xmlns:a16="http://schemas.microsoft.com/office/drawing/2014/main" id="{02D9BEDD-5856-9F19-6B35-3238B7BA1AB2}"/>
-              </a:ext>
-            </a:extLst>
-          </p:cNvPr>
+          <p:cNvPr id="8" name="TextBox 7"/>
           <p:cNvSpPr txBox="1"/>
           <p:nvPr/>
         </p:nvSpPr>
         <p:spPr>
           <a:xfrm>
             <a:off x="724829" y="181541"/>
-            <a:ext cx="3852337" cy="400110"/>
+            <a:ext cx="1366861" cy="388054"/>
           </a:xfrm>
           <a:prstGeom prst="rect">
             <a:avLst/>
@@ -10294,38 +9890,42 @@
           <a:noFill/>
         </p:spPr>
         <p:txBody>
-          <a:bodyPr wrap="none" rtlCol="0">
+          <a:bodyPr wrap="none">
             <a:spAutoFit/>
           </a:bodyPr>
           <a:lstStyle/>
           <a:p>
-            <a:r>
-              <a:rPr lang="ko-KR" altLang="en-US" sz="2000" spc="600" dirty="0">
+            <a:pPr lvl="0">
+              <a:defRPr/>
+            </a:pPr>
+            <a:r>
+              <a:rPr lang="en-US" altLang="ko-KR" sz="2000" spc="600">
                 <a:solidFill>
                   <a:schemeClr val="bg2">
                     <a:lumMod val="25000"/>
                   </a:schemeClr>
                 </a:solidFill>
               </a:rPr>
-              <a:t>추가할지 고려중인 부분</a:t>
-            </a:r>
+              <a:t>part 1</a:t>
+            </a:r>
+            <a:endParaRPr lang="en-US" altLang="ko-KR" sz="2000" spc="600">
+              <a:solidFill>
+                <a:schemeClr val="bg2">
+                  <a:lumMod val="25000"/>
+                </a:schemeClr>
+              </a:solidFill>
+            </a:endParaRPr>
           </a:p>
         </p:txBody>
       </p:sp>
       <p:grpSp>
         <p:nvGrpSpPr>
-          <p:cNvPr id="2" name="그룹 1">
-            <a:extLst>
-              <a:ext uri="{FF2B5EF4-FFF2-40B4-BE49-F238E27FC236}">
-                <a16:creationId xmlns:a16="http://schemas.microsoft.com/office/drawing/2014/main" id="{E6792C6B-5CD3-422D-950A-AB1D5379C3C5}"/>
-              </a:ext>
-            </a:extLst>
-          </p:cNvPr>
+          <p:cNvPr id="2" name="그룹 1"/>
           <p:cNvGrpSpPr/>
           <p:nvPr/>
         </p:nvGrpSpPr>
         <p:grpSpPr>
-          <a:xfrm>
+          <a:xfrm rot="0">
             <a:off x="384511" y="2105174"/>
             <a:ext cx="11422978" cy="2355978"/>
             <a:chOff x="384511" y="2005159"/>
@@ -10334,13 +9934,7 @@
         </p:grpSpPr>
         <p:sp>
           <p:nvSpPr>
-            <p:cNvPr id="9" name="갈매기형 수장 5">
-              <a:extLst>
-                <a:ext uri="{FF2B5EF4-FFF2-40B4-BE49-F238E27FC236}">
-                  <a16:creationId xmlns:a16="http://schemas.microsoft.com/office/drawing/2014/main" id="{302A7955-CF9F-1D9D-22B8-FB1CF5721D88}"/>
-                </a:ext>
-              </a:extLst>
-            </p:cNvPr>
+            <p:cNvPr id="9" name="갈매기형 수장 5"/>
             <p:cNvSpPr/>
             <p:nvPr/>
           </p:nvSpPr>
@@ -10350,7 +9944,9 @@
               <a:ext cx="7054898" cy="2355977"/>
             </a:xfrm>
             <a:prstGeom prst="chevron">
-              <a:avLst/>
+              <a:avLst>
+                <a:gd name="adj" fmla="val 50000"/>
+              </a:avLst>
             </a:prstGeom>
             <a:solidFill>
               <a:schemeClr val="tx2">
@@ -10379,7 +9975,7 @@
             </a:fontRef>
           </p:style>
           <p:txBody>
-            <a:bodyPr rot="0" spcFirstLastPara="0" vertOverflow="overflow" horzOverflow="overflow" vert="horz" wrap="square" lIns="91440" tIns="45720" rIns="91440" bIns="45720" numCol="1" spcCol="0" rtlCol="0" fromWordArt="0" anchor="ctr" anchorCtr="0" forceAA="0" compatLnSpc="1">
+            <a:bodyPr rot="0" vert="horz" wrap="square" lIns="91440" tIns="45720" rIns="91440" bIns="45720" anchor="ctr" anchorCtr="0">
               <a:prstTxWarp prst="textNoShape">
                 <a:avLst/>
               </a:prstTxWarp>
@@ -10387,36 +9983,44 @@
             </a:bodyPr>
             <a:lstStyle/>
             <a:p>
-              <a:pPr algn="ctr"/>
+              <a:pPr algn="ctr">
+                <a:defRPr/>
+              </a:pPr>
               <a:r>
-                <a:rPr lang="ko-KR" altLang="en-US" sz="2400" b="1" dirty="0"/>
+                <a:rPr lang="ko-KR" altLang="en-US" sz="2400" b="1"/>
                 <a:t>라즈베리파이를 대상으로 하는 테스트 환경을 제공하는 것이 </a:t>
               </a:r>
-              <a:endParaRPr lang="en-US" altLang="ko-KR" sz="2400" b="1" dirty="0"/>
+              <a:endParaRPr lang="ko-KR" altLang="en-US" sz="2400" b="1"/>
             </a:p>
             <a:p>
-              <a:pPr algn="ctr"/>
+              <a:pPr algn="ctr">
+                <a:defRPr/>
+              </a:pPr>
               <a:r>
-                <a:rPr lang="ko-KR" altLang="en-US" sz="2400" b="1" dirty="0"/>
+                <a:rPr lang="ko-KR" altLang="en-US" sz="2400" b="1"/>
                 <a:t>필요한가</a:t>
               </a:r>
               <a:r>
-                <a:rPr lang="en-US" altLang="ko-KR" sz="2400" b="1" dirty="0"/>
+                <a:rPr lang="en-US" altLang="ko-KR" sz="2400" b="1"/>
                 <a:t>?</a:t>
               </a:r>
-              <a:endParaRPr lang="ko-KR" altLang="en-US" sz="2400" b="1" dirty="0"/>
+              <a:endParaRPr lang="en-US" altLang="ko-KR" sz="2400" b="1"/>
+            </a:p>
+            <a:p>
+              <a:pPr algn="ctr">
+                <a:defRPr/>
+              </a:pPr>
+              <a:r>
+                <a:rPr lang="en-US" altLang="ko-KR" sz="2400" b="1"/>
+                <a:t>why?</a:t>
+              </a:r>
+              <a:endParaRPr lang="en-US" altLang="ko-KR" sz="2400" b="1"/>
             </a:p>
           </p:txBody>
         </p:sp>
         <p:sp>
           <p:nvSpPr>
-            <p:cNvPr id="12" name="갈매기형 수장 5">
-              <a:extLst>
-                <a:ext uri="{FF2B5EF4-FFF2-40B4-BE49-F238E27FC236}">
-                  <a16:creationId xmlns:a16="http://schemas.microsoft.com/office/drawing/2014/main" id="{2DBEEEEC-D102-A4DC-9196-E5047AC08077}"/>
-                </a:ext>
-              </a:extLst>
-            </p:cNvPr>
+            <p:cNvPr id="12" name="갈매기형 수장 5"/>
             <p:cNvSpPr/>
             <p:nvPr/>
           </p:nvSpPr>
@@ -10426,7 +10030,9 @@
               <a:ext cx="5292791" cy="2355976"/>
             </a:xfrm>
             <a:prstGeom prst="chevron">
-              <a:avLst/>
+              <a:avLst>
+                <a:gd name="adj" fmla="val 50000"/>
+              </a:avLst>
             </a:prstGeom>
             <a:solidFill>
               <a:schemeClr val="accent1">
@@ -10455,7 +10061,7 @@
             </a:fontRef>
           </p:style>
           <p:txBody>
-            <a:bodyPr rot="0" spcFirstLastPara="0" vertOverflow="overflow" horzOverflow="overflow" vert="horz" wrap="square" lIns="91440" tIns="45720" rIns="91440" bIns="45720" numCol="1" spcCol="0" rtlCol="0" fromWordArt="0" anchor="ctr" anchorCtr="0" forceAA="0" compatLnSpc="1">
+            <a:bodyPr rot="0" vert="horz" wrap="square" lIns="91440" tIns="45720" rIns="91440" bIns="45720" anchor="ctr" anchorCtr="0">
               <a:prstTxWarp prst="textNoShape">
                 <a:avLst/>
               </a:prstTxWarp>
@@ -10463,32 +10069,58 @@
             </a:bodyPr>
             <a:lstStyle/>
             <a:p>
-              <a:pPr algn="ctr"/>
-              <a:endParaRPr lang="en-US" altLang="ko-KR" sz="2400" b="1" dirty="0"/>
+              <a:pPr algn="ctr">
+                <a:defRPr/>
+              </a:pPr>
+              <a:endParaRPr lang="en-US" altLang="ko-KR" sz="2400" b="1"/>
             </a:p>
             <a:p>
-              <a:pPr algn="ctr"/>
+              <a:pPr algn="ctr">
+                <a:defRPr/>
+              </a:pPr>
               <a:r>
-                <a:rPr lang="en-US" altLang="ko-KR" sz="2400" b="1" dirty="0"/>
+                <a:rPr lang="en-US" altLang="ko-KR" sz="2400" b="1"/>
                 <a:t>CV</a:t>
               </a:r>
               <a:r>
-                <a:rPr lang="ko-KR" altLang="en-US" sz="2400" b="1" dirty="0"/>
+                <a:rPr lang="ko-KR" altLang="en-US" sz="2400" b="1"/>
                 <a:t> 모델 </a:t>
               </a:r>
-              <a:endParaRPr lang="en-US" altLang="ko-KR" sz="2400" b="1" dirty="0"/>
+              <a:endParaRPr lang="ko-KR" altLang="en-US" sz="2400" b="1"/>
             </a:p>
             <a:p>
-              <a:pPr algn="ctr"/>
+              <a:pPr algn="ctr">
+                <a:defRPr/>
+              </a:pPr>
               <a:r>
-                <a:rPr lang="ko-KR" altLang="en-US" sz="2400" b="1" dirty="0"/>
+                <a:rPr lang="ko-KR" altLang="en-US" sz="2400" b="1"/>
                 <a:t>테스트하는 환경이 이미 구축되어 있음</a:t>
               </a:r>
-              <a:endParaRPr lang="en-US" altLang="ko-KR" sz="2400" b="1" dirty="0"/>
+              <a:endParaRPr lang="ko-KR" altLang="en-US" sz="2400" b="1"/>
             </a:p>
             <a:p>
-              <a:pPr algn="ctr"/>
-              <a:endParaRPr lang="en-US" altLang="ko-KR" sz="2400" dirty="0"/>
+              <a:pPr algn="ctr">
+                <a:defRPr/>
+              </a:pPr>
+              <a:r>
+                <a:rPr lang="en-US" altLang="ko-KR" sz="2400" b="1"/>
+                <a:t>ex)</a:t>
+              </a:r>
+              <a:r>
+                <a:rPr lang="ko-KR" altLang="en-US" sz="2400" b="1"/>
+                <a:t> </a:t>
+              </a:r>
+              <a:r>
+                <a:rPr lang="en-US" altLang="ko-KR" sz="2400" b="1"/>
+                <a:t>desktop,github</a:t>
+              </a:r>
+              <a:endParaRPr lang="en-US" altLang="ko-KR" sz="2400" b="1"/>
+            </a:p>
+            <a:p>
+              <a:pPr algn="ctr">
+                <a:defRPr/>
+              </a:pPr>
+              <a:endParaRPr lang="en-US" altLang="ko-KR" sz="2400"/>
             </a:p>
           </p:txBody>
         </p:sp>
@@ -10503,11 +10135,19 @@
   <p:clrMapOvr>
     <a:masterClrMapping/>
   </p:clrMapOvr>
+  <mc:AlternateContent xmlns:mc="http://schemas.openxmlformats.org/markup-compatibility/2006">
+    <mc:Choice xmlns:p14="http://schemas.microsoft.com/office/powerpoint/2010/main" Requires="p14">
+      <p:transition xmlns:mc="http://schemas.openxmlformats.org/markup-compatibility/2006" xmlns:p14="http://schemas.microsoft.com/office/powerpoint/2010/main" mc:Ignorable="p14" p14:dur="500"/>
+    </mc:Choice>
+    <mc:Fallback>
+      <p:transition/>
+    </mc:Fallback>
+  </mc:AlternateContent>
 </p:sld>
 </file>
 
 <file path=ppt/slides/slide6.xml><?xml version="1.0" encoding="utf-8"?>
-<p:sld xmlns:a="http://schemas.openxmlformats.org/drawingml/2006/main" xmlns:r="http://schemas.openxmlformats.org/officeDocument/2006/relationships" xmlns:p="http://schemas.openxmlformats.org/presentationml/2006/main">
+<p:sld xmlns:r="http://schemas.openxmlformats.org/officeDocument/2006/relationships" xmlns:c="http://schemas.openxmlformats.org/drawingml/2006/chart" xmlns:a="http://schemas.openxmlformats.org/drawingml/2006/main" xmlns:dgm="http://schemas.openxmlformats.org/drawingml/2006/diagram" xmlns:dsp="http://schemas.microsoft.com/office/drawing/2008/diagram" xmlns:p="http://schemas.openxmlformats.org/presentationml/2006/main">
   <p:cSld>
     <p:spTree>
       <p:nvGrpSpPr>
@@ -10680,20 +10320,14 @@
       </p:sp>
       <p:sp>
         <p:nvSpPr>
-          <p:cNvPr id="7" name="TextBox 6">
-            <a:extLst>
-              <a:ext uri="{FF2B5EF4-FFF2-40B4-BE49-F238E27FC236}">
-                <a16:creationId xmlns:a16="http://schemas.microsoft.com/office/drawing/2014/main" id="{D5AC7425-ACD3-A33C-AF7E-7778BA417A3E}"/>
-              </a:ext>
-            </a:extLst>
-          </p:cNvPr>
+          <p:cNvPr id="7" name="TextBox 6"/>
           <p:cNvSpPr txBox="1"/>
           <p:nvPr/>
         </p:nvSpPr>
         <p:spPr>
           <a:xfrm>
             <a:off x="802888" y="363082"/>
-            <a:ext cx="3526741" cy="400110"/>
+            <a:ext cx="3526741" cy="692288"/>
           </a:xfrm>
           <a:prstGeom prst="rect">
             <a:avLst/>
@@ -10701,31 +10335,61 @@
           <a:noFill/>
         </p:spPr>
         <p:txBody>
-          <a:bodyPr wrap="square" rtlCol="0">
+          <a:bodyPr wrap="square">
             <a:spAutoFit/>
           </a:bodyPr>
           <a:lstStyle/>
           <a:p>
-            <a:r>
-              <a:rPr lang="en-US" altLang="ko-KR" sz="2000" spc="600" dirty="0">
+            <a:pPr lvl="0">
+              <a:defRPr/>
+            </a:pPr>
+            <a:r>
+              <a:rPr lang="en-US" altLang="ko-KR" sz="2000" spc="600">
                 <a:solidFill>
                   <a:schemeClr val="bg2">
                     <a:lumMod val="25000"/>
                   </a:schemeClr>
                 </a:solidFill>
               </a:rPr>
-              <a:t>CV</a:t>
-            </a:r>
-            <a:r>
-              <a:rPr lang="ko-KR" altLang="en-US" sz="2000" spc="600" dirty="0">
+              <a:t>Raspi5</a:t>
+            </a:r>
+            <a:r>
+              <a:rPr lang="ko-KR" altLang="en-US" sz="2000" spc="600">
                 <a:solidFill>
                   <a:schemeClr val="bg2">
                     <a:lumMod val="25000"/>
                   </a:schemeClr>
                 </a:solidFill>
               </a:rPr>
-              <a:t>기술의 장점</a:t>
-            </a:r>
+              <a:t>를 이용한 </a:t>
+            </a:r>
+            <a:r>
+              <a:rPr lang="en-US" altLang="ko-KR" sz="2000" spc="600">
+                <a:solidFill>
+                  <a:schemeClr val="bg2">
+                    <a:lumMod val="25000"/>
+                  </a:schemeClr>
+                </a:solidFill>
+              </a:rPr>
+              <a:t>CV Suite</a:t>
+            </a:r>
+            <a:r>
+              <a:rPr lang="ko-KR" altLang="en-US" sz="2000" spc="600">
+                <a:solidFill>
+                  <a:schemeClr val="bg2">
+                    <a:lumMod val="25000"/>
+                  </a:schemeClr>
+                </a:solidFill>
+              </a:rPr>
+              <a:t>의 수요와 장점</a:t>
+            </a:r>
+            <a:endParaRPr lang="ko-KR" altLang="en-US" sz="2000" spc="600">
+              <a:solidFill>
+                <a:schemeClr val="bg2">
+                  <a:lumMod val="25000"/>
+                </a:schemeClr>
+              </a:solidFill>
+            </a:endParaRPr>
           </a:p>
         </p:txBody>
       </p:sp>
@@ -11088,18 +10752,12 @@
       </p:grpSp>
       <p:grpSp>
         <p:nvGrpSpPr>
-          <p:cNvPr id="23" name="그룹 22">
-            <a:extLst>
-              <a:ext uri="{FF2B5EF4-FFF2-40B4-BE49-F238E27FC236}">
-                <a16:creationId xmlns:a16="http://schemas.microsoft.com/office/drawing/2014/main" id="{BE58D673-AD1A-8B09-9AAB-2A6BD56B6DF7}"/>
-              </a:ext>
-            </a:extLst>
-          </p:cNvPr>
+          <p:cNvPr id="23" name="그룹 22"/>
           <p:cNvGrpSpPr/>
           <p:nvPr/>
         </p:nvGrpSpPr>
         <p:grpSpPr>
-          <a:xfrm>
+          <a:xfrm rot="0">
             <a:off x="6374473" y="1944477"/>
             <a:ext cx="5092700" cy="2748708"/>
             <a:chOff x="724829" y="1371600"/>
@@ -11108,18 +10766,12 @@
         </p:grpSpPr>
         <p:grpSp>
           <p:nvGrpSpPr>
-            <p:cNvPr id="24" name="그룹 23">
-              <a:extLst>
-                <a:ext uri="{FF2B5EF4-FFF2-40B4-BE49-F238E27FC236}">
-                  <a16:creationId xmlns:a16="http://schemas.microsoft.com/office/drawing/2014/main" id="{A1926EC9-EF36-F7E9-6F95-97EE872B20A9}"/>
-                </a:ext>
-              </a:extLst>
-            </p:cNvPr>
+            <p:cNvPr id="24" name="그룹 23"/>
             <p:cNvGrpSpPr/>
             <p:nvPr/>
           </p:nvGrpSpPr>
           <p:grpSpPr>
-            <a:xfrm>
+            <a:xfrm rot="0">
               <a:off x="724829" y="1371600"/>
               <a:ext cx="5092700" cy="2748708"/>
               <a:chOff x="724829" y="1371600"/>
@@ -11128,13 +10780,7 @@
           </p:grpSpPr>
           <p:sp>
             <p:nvSpPr>
-              <p:cNvPr id="26" name="직사각형 25">
-                <a:extLst>
-                  <a:ext uri="{FF2B5EF4-FFF2-40B4-BE49-F238E27FC236}">
-                    <a16:creationId xmlns:a16="http://schemas.microsoft.com/office/drawing/2014/main" id="{58224843-A283-D843-43F4-887AF7CC6C1B}"/>
-                  </a:ext>
-                </a:extLst>
-              </p:cNvPr>
+              <p:cNvPr id="26" name="직사각형 25"/>
               <p:cNvSpPr/>
               <p:nvPr/>
             </p:nvSpPr>
@@ -11173,23 +10819,19 @@
               </a:fontRef>
             </p:style>
             <p:txBody>
-              <a:bodyPr rtlCol="0" anchor="ctr"/>
+              <a:bodyPr anchor="ctr"/>
               <a:lstStyle/>
               <a:p>
-                <a:pPr algn="ctr"/>
-                <a:endParaRPr lang="ko-KR" altLang="en-US" dirty="0"/>
+                <a:pPr algn="ctr">
+                  <a:defRPr/>
+                </a:pPr>
+                <a:endParaRPr lang="ko-KR" altLang="en-US"/>
               </a:p>
             </p:txBody>
           </p:sp>
           <p:sp>
             <p:nvSpPr>
-              <p:cNvPr id="27" name="직사각형 26">
-                <a:extLst>
-                  <a:ext uri="{FF2B5EF4-FFF2-40B4-BE49-F238E27FC236}">
-                    <a16:creationId xmlns:a16="http://schemas.microsoft.com/office/drawing/2014/main" id="{6719627A-409F-F5D8-20EE-2A8554DC1698}"/>
-                  </a:ext>
-                </a:extLst>
-              </p:cNvPr>
+              <p:cNvPr id="27" name="직사각형 26"/>
               <p:cNvSpPr/>
               <p:nvPr/>
             </p:nvSpPr>
@@ -11228,33 +10870,30 @@
               </a:fontRef>
             </p:style>
             <p:txBody>
-              <a:bodyPr rtlCol="0" anchor="ctr"/>
+              <a:bodyPr anchor="ctr"/>
               <a:lstStyle/>
               <a:p>
-                <a:pPr algn="ctr"/>
+                <a:pPr algn="ctr">
+                  <a:defRPr/>
+                </a:pPr>
                 <a:r>
-                  <a:rPr lang="ko-KR" altLang="en-US" dirty="0"/>
+                  <a:rPr lang="ko-KR" altLang="en-US"/>
                   <a:t>엣지 컴퓨팅을 활용한 데이터 전송</a:t>
                 </a:r>
+                <a:endParaRPr lang="ko-KR" altLang="en-US"/>
               </a:p>
             </p:txBody>
           </p:sp>
           <p:sp>
             <p:nvSpPr>
-              <p:cNvPr id="32" name="TextBox 31">
-                <a:extLst>
-                  <a:ext uri="{FF2B5EF4-FFF2-40B4-BE49-F238E27FC236}">
-                    <a16:creationId xmlns:a16="http://schemas.microsoft.com/office/drawing/2014/main" id="{1CE249F7-EE76-A79A-FCA3-B5E791599A3A}"/>
-                  </a:ext>
-                </a:extLst>
-              </p:cNvPr>
+              <p:cNvPr id="32" name="TextBox 31"/>
               <p:cNvSpPr txBox="1"/>
               <p:nvPr/>
             </p:nvSpPr>
             <p:spPr>
               <a:xfrm>
-                <a:off x="3178812" y="1413255"/>
-                <a:ext cx="184730" cy="400110"/>
+                <a:off x="3126691" y="1413255"/>
+                <a:ext cx="278130" cy="400110"/>
               </a:xfrm>
               <a:prstGeom prst="rect">
                 <a:avLst/>
@@ -11262,13 +10901,15 @@
               <a:noFill/>
             </p:spPr>
             <p:txBody>
-              <a:bodyPr wrap="none" rtlCol="0">
+              <a:bodyPr wrap="none">
                 <a:spAutoFit/>
               </a:bodyPr>
               <a:lstStyle/>
               <a:p>
-                <a:pPr algn="ctr"/>
-                <a:endParaRPr lang="ko-KR" altLang="en-US" sz="2000" dirty="0">
+                <a:pPr algn="ctr">
+                  <a:defRPr/>
+                </a:pPr>
+                <a:endParaRPr lang="ko-KR" altLang="en-US" sz="2000">
                   <a:solidFill>
                     <a:schemeClr val="bg1"/>
                   </a:solidFill>
@@ -11278,20 +10919,14 @@
           </p:sp>
           <p:sp>
             <p:nvSpPr>
-              <p:cNvPr id="36" name="TextBox 35">
-                <a:extLst>
-                  <a:ext uri="{FF2B5EF4-FFF2-40B4-BE49-F238E27FC236}">
-                    <a16:creationId xmlns:a16="http://schemas.microsoft.com/office/drawing/2014/main" id="{73972465-2C47-4EE9-E90A-3EFBC5BECB1C}"/>
-                  </a:ext>
-                </a:extLst>
-              </p:cNvPr>
+              <p:cNvPr id="36" name="TextBox 35"/>
               <p:cNvSpPr txBox="1"/>
               <p:nvPr/>
             </p:nvSpPr>
             <p:spPr>
               <a:xfrm>
                 <a:off x="959777" y="2082635"/>
-                <a:ext cx="4622800" cy="307777"/>
+                <a:ext cx="4622800" cy="295333"/>
               </a:xfrm>
               <a:prstGeom prst="rect">
                 <a:avLst/>
@@ -11299,33 +10934,29 @@
               <a:noFill/>
             </p:spPr>
             <p:txBody>
-              <a:bodyPr wrap="square" rtlCol="0">
+              <a:bodyPr wrap="square">
                 <a:spAutoFit/>
               </a:bodyPr>
               <a:lstStyle/>
               <a:p>
-                <a:pPr algn="just"/>
-                <a:endParaRPr lang="ko-KR" altLang="en-US" sz="1400" dirty="0"/>
+                <a:pPr algn="just">
+                  <a:defRPr/>
+                </a:pPr>
+                <a:endParaRPr lang="ko-KR" altLang="en-US" sz="1400"/>
               </a:p>
             </p:txBody>
           </p:sp>
         </p:grpSp>
         <p:sp>
           <p:nvSpPr>
-            <p:cNvPr id="25" name="TextBox 24">
-              <a:extLst>
-                <a:ext uri="{FF2B5EF4-FFF2-40B4-BE49-F238E27FC236}">
-                  <a16:creationId xmlns:a16="http://schemas.microsoft.com/office/drawing/2014/main" id="{93EA9BEA-59AA-4A09-AF8B-B41DA627D3B9}"/>
-                </a:ext>
-              </a:extLst>
-            </p:cNvPr>
+            <p:cNvPr id="25" name="TextBox 24"/>
             <p:cNvSpPr txBox="1"/>
             <p:nvPr/>
           </p:nvSpPr>
           <p:spPr>
             <a:xfrm>
-              <a:off x="908713" y="1917442"/>
-              <a:ext cx="4724927" cy="1754326"/>
+              <a:off x="908712" y="1917442"/>
+              <a:ext cx="4724928" cy="1736876"/>
             </a:xfrm>
             <a:prstGeom prst="rect">
               <a:avLst/>
@@ -11338,7 +10969,10 @@
             </a:bodyPr>
             <a:lstStyle/>
             <a:p>
-              <a:endParaRPr lang="ko-KR" altLang="en-US" dirty="0">
+              <a:pPr lvl="0">
+                <a:defRPr/>
+              </a:pPr>
+              <a:endParaRPr lang="ko-KR" altLang="en-US">
                 <a:solidFill>
                   <a:schemeClr val="bg2">
                     <a:lumMod val="25000"/>
@@ -11349,9 +10983,10 @@
             <a:p>
               <a:pPr marL="342900" indent="-342900">
                 <a:buAutoNum type="arabicPeriod"/>
+                <a:defRPr/>
               </a:pPr>
               <a:r>
-                <a:rPr lang="ko-KR" altLang="en-US" dirty="0">
+                <a:rPr lang="ko-KR" altLang="en-US">
                   <a:solidFill>
                     <a:schemeClr val="bg2">
                       <a:lumMod val="25000"/>
@@ -11360,7 +10995,7 @@
                 </a:rPr>
                 <a:t>  데이터 전송 부담 완화</a:t>
               </a:r>
-              <a:endParaRPr lang="en-US" altLang="ko-KR" dirty="0">
+              <a:endParaRPr lang="ko-KR" altLang="en-US">
                 <a:solidFill>
                   <a:schemeClr val="bg2">
                     <a:lumMod val="25000"/>
@@ -11371,8 +11006,9 @@
             <a:p>
               <a:pPr marL="342900" indent="-342900">
                 <a:buAutoNum type="arabicPeriod"/>
+                <a:defRPr/>
               </a:pPr>
-              <a:endParaRPr lang="en-US" altLang="ko-KR" dirty="0">
+              <a:endParaRPr lang="en-US" altLang="ko-KR">
                 <a:solidFill>
                   <a:schemeClr val="bg2">
                     <a:lumMod val="25000"/>
@@ -11383,9 +11019,10 @@
             <a:p>
               <a:pPr marL="342900" indent="-342900">
                 <a:buAutoNum type="arabicPeriod"/>
+                <a:defRPr/>
               </a:pPr>
               <a:r>
-                <a:rPr lang="en-US" altLang="ko-KR" dirty="0">
+                <a:rPr lang="en-US" altLang="ko-KR">
                   <a:solidFill>
                     <a:schemeClr val="bg2">
                       <a:lumMod val="25000"/>
@@ -11395,7 +11032,7 @@
                 <a:t>  </a:t>
               </a:r>
               <a:r>
-                <a:rPr lang="ko-KR" altLang="en-US" dirty="0">
+                <a:rPr lang="ko-KR" altLang="en-US">
                   <a:solidFill>
                     <a:schemeClr val="bg2">
                       <a:lumMod val="25000"/>
@@ -11404,7 +11041,7 @@
                 </a:rPr>
                 <a:t>실시간 응답</a:t>
               </a:r>
-              <a:endParaRPr lang="en-US" altLang="ko-KR" dirty="0">
+              <a:endParaRPr lang="ko-KR" altLang="en-US">
                 <a:solidFill>
                   <a:schemeClr val="bg2">
                     <a:lumMod val="25000"/>
@@ -11415,8 +11052,9 @@
             <a:p>
               <a:pPr marL="342900" indent="-342900">
                 <a:buAutoNum type="arabicPeriod"/>
+                <a:defRPr/>
               </a:pPr>
-              <a:endParaRPr lang="en-US" altLang="ko-KR" dirty="0">
+              <a:endParaRPr lang="en-US" altLang="ko-KR">
                 <a:solidFill>
                   <a:schemeClr val="bg2">
                     <a:lumMod val="25000"/>
@@ -11427,9 +11065,10 @@
             <a:p>
               <a:pPr marL="342900" indent="-342900">
                 <a:buAutoNum type="arabicPeriod"/>
+                <a:defRPr/>
               </a:pPr>
               <a:r>
-                <a:rPr lang="en-US" altLang="ko-KR" dirty="0">
+                <a:rPr lang="en-US" altLang="ko-KR">
                   <a:solidFill>
                     <a:schemeClr val="bg2">
                       <a:lumMod val="25000"/>
@@ -11439,7 +11078,7 @@
                 <a:t>  </a:t>
               </a:r>
               <a:r>
-                <a:rPr lang="ko-KR" altLang="en-US" dirty="0">
+                <a:rPr lang="ko-KR" altLang="en-US">
                   <a:solidFill>
                     <a:schemeClr val="bg2">
                       <a:lumMod val="25000"/>
@@ -11448,6 +11087,13 @@
                 </a:rPr>
                 <a:t>보안 및 개인 정보 보호</a:t>
               </a:r>
+              <a:endParaRPr lang="ko-KR" altLang="en-US">
+                <a:solidFill>
+                  <a:schemeClr val="bg2">
+                    <a:lumMod val="25000"/>
+                  </a:schemeClr>
+                </a:solidFill>
+              </a:endParaRPr>
             </a:p>
           </p:txBody>
         </p:sp>
@@ -11462,6 +11108,14 @@
   <p:clrMapOvr>
     <a:masterClrMapping/>
   </p:clrMapOvr>
+  <mc:AlternateContent xmlns:mc="http://schemas.openxmlformats.org/markup-compatibility/2006">
+    <mc:Choice xmlns:p14="http://schemas.microsoft.com/office/powerpoint/2010/main" Requires="p14">
+      <p:transition xmlns:mc="http://schemas.openxmlformats.org/markup-compatibility/2006" xmlns:p14="http://schemas.microsoft.com/office/powerpoint/2010/main" mc:Ignorable="p14" p14:dur="500"/>
+    </mc:Choice>
+    <mc:Fallback>
+      <p:transition/>
+    </mc:Fallback>
+  </mc:AlternateContent>
 </p:sld>
 </file>
 
@@ -13440,44 +13094,44 @@
 </file>
 
 <file path=ppt/theme/theme1.xml><?xml version="1.0" encoding="utf-8"?>
-<a:theme xmlns:a="http://schemas.openxmlformats.org/drawingml/2006/main" name="Office 테마">
+<a:theme xmlns:r="http://schemas.openxmlformats.org/officeDocument/2006/relationships" xmlns:c="http://schemas.openxmlformats.org/drawingml/2006/chart" xmlns:dgm="http://schemas.openxmlformats.org/drawingml/2006/diagram" xmlns:dsp="http://schemas.microsoft.com/office/drawing/2008/diagram" xmlns:a="http://schemas.openxmlformats.org/drawingml/2006/main" xmlns:pic="http://schemas.openxmlformats.org/drawingml/2006/picture" xmlns:wp="http://schemas.openxmlformats.org/drawingml/2006/wordprocessingDrawing" xmlns:xdr="http://schemas.openxmlformats.org/drawingml/2006/spreadsheetDrawing" xmlns:lc="http://schemas.openxmlformats.org/drawingml/2006/lockedCanvas" xmlns:p="http://schemas.openxmlformats.org/presentationml/2006/main" name="Office 테마">
   <a:themeElements>
     <a:clrScheme name="Office">
       <a:dk1>
         <a:sysClr val="windowText" lastClr="000000"/>
       </a:dk1>
       <a:lt1>
-        <a:sysClr val="window" lastClr="FFFFFF"/>
+        <a:sysClr val="window" lastClr="ffffff"/>
       </a:lt1>
       <a:dk2>
-        <a:srgbClr val="0E2841"/>
+        <a:srgbClr val="0e2841"/>
       </a:dk2>
       <a:lt2>
-        <a:srgbClr val="E8E8E8"/>
+        <a:srgbClr val="e8e8e8"/>
       </a:lt2>
       <a:accent1>
         <a:srgbClr val="156082"/>
       </a:accent1>
       <a:accent2>
-        <a:srgbClr val="E97132"/>
+        <a:srgbClr val="e97132"/>
       </a:accent2>
       <a:accent3>
-        <a:srgbClr val="196B24"/>
+        <a:srgbClr val="196b24"/>
       </a:accent3>
       <a:accent4>
-        <a:srgbClr val="0F9ED5"/>
+        <a:srgbClr val="0f9ed5"/>
       </a:accent4>
       <a:accent5>
-        <a:srgbClr val="A02B93"/>
+        <a:srgbClr val="a02b93"/>
       </a:accent5>
       <a:accent6>
-        <a:srgbClr val="4EA72E"/>
+        <a:srgbClr val="4ea72e"/>
       </a:accent6>
       <a:hlink>
         <a:srgbClr val="467886"/>
       </a:hlink>
       <a:folHlink>
-        <a:srgbClr val="96607D"/>
+        <a:srgbClr val="96607d"/>
       </a:folHlink>
     </a:clrScheme>
     <a:fontScheme name="Office">
@@ -13485,7 +13139,7 @@
         <a:latin typeface="맑은 고딕" panose="02110004020202020204"/>
         <a:ea typeface=""/>
         <a:cs typeface=""/>
-        <a:font script="Jpan" typeface="游ゴシック Light"/>
+        <a:font script="Jpan" typeface="Yu Gothic Light"/>
         <a:font script="Hang" typeface="맑은 고딕"/>
         <a:font script="Hans" typeface="等线 Light"/>
         <a:font script="Hant" typeface="新細明體"/>
@@ -13537,7 +13191,7 @@
         <a:latin typeface="맑은 고딕" panose="02110004020202020204"/>
         <a:ea typeface=""/>
         <a:cs typeface=""/>
-        <a:font script="Jpan" typeface="游ゴシック"/>
+        <a:font script="Jpan" typeface="Yu Gothic"/>
         <a:font script="Hang" typeface="맑은 고딕"/>
         <a:font script="Hans" typeface="等线"/>
         <a:font script="Hant" typeface="新細明體"/>
@@ -13650,21 +13304,21 @@
             <a:schemeClr val="phClr"/>
           </a:solidFill>
           <a:prstDash val="solid"/>
-          <a:miter lim="800000"/>
+          <a:miter/>
         </a:ln>
         <a:ln w="19050" cap="flat" cmpd="sng" algn="ctr">
           <a:solidFill>
             <a:schemeClr val="phClr"/>
           </a:solidFill>
           <a:prstDash val="solid"/>
-          <a:miter lim="800000"/>
+          <a:miter/>
         </a:ln>
         <a:ln w="25400" cap="flat" cmpd="sng" algn="ctr">
           <a:solidFill>
             <a:schemeClr val="phClr"/>
           </a:solidFill>
           <a:prstDash val="solid"/>
-          <a:miter lim="800000"/>
+          <a:miter/>
         </a:ln>
       </a:lnStyleLst>
       <a:effectStyleLst>
@@ -13725,6 +13379,27 @@
     </a:fmtScheme>
   </a:themeElements>
   <a:objectDefaults>
+    <a:spDef>
+      <a:spPr/>
+      <a:bodyPr/>
+      <a:lstStyle/>
+      <a:style>
+        <a:lnRef idx="2">
+          <a:schemeClr val="accent1">
+            <a:shade val="20000"/>
+          </a:schemeClr>
+        </a:lnRef>
+        <a:fillRef idx="1">
+          <a:schemeClr val="accent1"/>
+        </a:fillRef>
+        <a:effectRef idx="0">
+          <a:schemeClr val="accent1"/>
+        </a:effectRef>
+        <a:fontRef idx="minor">
+          <a:schemeClr val="lt1"/>
+        </a:fontRef>
+      </a:style>
+    </a:spDef>
     <a:lnDef>
       <a:spPr/>
       <a:bodyPr/>
@@ -13744,55 +13419,54 @@
         </a:fontRef>
       </a:style>
     </a:lnDef>
+    <a:txDef>
+      <a:spPr/>
+      <a:bodyPr/>
+      <a:lstStyle/>
+    </a:txDef>
   </a:objectDefaults>
-  <a:extraClrSchemeLst/>
-  <a:extLst>
-    <a:ext uri="{05A4C25C-085E-4340-85A3-A5531E510DB2}">
-      <thm15:themeFamily xmlns:thm15="http://schemas.microsoft.com/office/thememl/2012/main" name="Office Theme" id="{2E142A2C-CD16-42D6-873A-C26D2A0506FA}" vid="{1BDDFF52-6CD6-40A5-AB3C-68EB2F1E4D0A}"/>
-    </a:ext>
-  </a:extLst>
 </a:theme>
 </file>
 
 <file path=ppt/theme/theme2.xml><?xml version="1.0" encoding="utf-8"?>
-<a:theme xmlns:a="http://schemas.openxmlformats.org/drawingml/2006/main" name="Office 테마">
+<a:theme xmlns:r="http://schemas.openxmlformats.org/officeDocument/2006/relationships" xmlns:c="http://schemas.openxmlformats.org/drawingml/2006/chart" xmlns:dgm="http://schemas.openxmlformats.org/drawingml/2006/diagram" xmlns:dsp="http://schemas.microsoft.com/office/drawing/2008/diagram" xmlns:a="http://schemas.openxmlformats.org/drawingml/2006/main" xmlns:pic="http://schemas.openxmlformats.org/drawingml/2006/picture" xmlns:wp="http://schemas.openxmlformats.org/drawingml/2006/wordprocessingDrawing" xmlns:xdr="http://schemas.openxmlformats.org/drawingml/2006/spreadsheetDrawing" xmlns:lc="http://schemas.openxmlformats.org/drawingml/2006/lockedCanvas" xmlns:p="http://schemas.openxmlformats.org/presentationml/2006/main" name="Office 테마">
   <a:themeElements>
     <a:clrScheme name="Office">
       <a:dk1>
         <a:sysClr val="windowText" lastClr="000000"/>
       </a:dk1>
       <a:lt1>
-        <a:sysClr val="window" lastClr="FFFFFF"/>
+        <a:sysClr val="window" lastClr="ffffff"/>
       </a:lt1>
       <a:dk2>
-        <a:srgbClr val="0E2841"/>
+        <a:srgbClr val="0e2841"/>
       </a:dk2>
       <a:lt2>
-        <a:srgbClr val="E8E8E8"/>
+        <a:srgbClr val="e8e8e8"/>
       </a:lt2>
       <a:accent1>
         <a:srgbClr val="156082"/>
       </a:accent1>
       <a:accent2>
-        <a:srgbClr val="E97132"/>
+        <a:srgbClr val="e97132"/>
       </a:accent2>
       <a:accent3>
-        <a:srgbClr val="196B24"/>
+        <a:srgbClr val="196b24"/>
       </a:accent3>
       <a:accent4>
-        <a:srgbClr val="0F9ED5"/>
+        <a:srgbClr val="0f9ed5"/>
       </a:accent4>
       <a:accent5>
-        <a:srgbClr val="A02B93"/>
+        <a:srgbClr val="a02b93"/>
       </a:accent5>
       <a:accent6>
-        <a:srgbClr val="4EA72E"/>
+        <a:srgbClr val="4ea72e"/>
       </a:accent6>
       <a:hlink>
         <a:srgbClr val="467886"/>
       </a:hlink>
       <a:folHlink>
-        <a:srgbClr val="96607D"/>
+        <a:srgbClr val="96607d"/>
       </a:folHlink>
     </a:clrScheme>
     <a:fontScheme name="Office">
@@ -13800,7 +13474,7 @@
         <a:latin typeface="맑은 고딕" panose="02110004020202020204"/>
         <a:ea typeface=""/>
         <a:cs typeface=""/>
-        <a:font script="Jpan" typeface="游ゴシック Light"/>
+        <a:font script="Jpan" typeface="Yu Gothic Light"/>
         <a:font script="Hang" typeface="맑은 고딕"/>
         <a:font script="Hans" typeface="等线 Light"/>
         <a:font script="Hant" typeface="新細明體"/>
@@ -13852,7 +13526,7 @@
         <a:latin typeface="맑은 고딕" panose="02110004020202020204"/>
         <a:ea typeface=""/>
         <a:cs typeface=""/>
-        <a:font script="Jpan" typeface="游ゴシック"/>
+        <a:font script="Jpan" typeface="Yu Gothic"/>
         <a:font script="Hang" typeface="맑은 고딕"/>
         <a:font script="Hans" typeface="等线"/>
         <a:font script="Hant" typeface="新細明體"/>
@@ -13965,21 +13639,21 @@
             <a:schemeClr val="phClr"/>
           </a:solidFill>
           <a:prstDash val="solid"/>
-          <a:miter lim="800000"/>
+          <a:miter/>
         </a:ln>
         <a:ln w="19050" cap="flat" cmpd="sng" algn="ctr">
           <a:solidFill>
             <a:schemeClr val="phClr"/>
           </a:solidFill>
           <a:prstDash val="solid"/>
-          <a:miter lim="800000"/>
+          <a:miter/>
         </a:ln>
         <a:ln w="25400" cap="flat" cmpd="sng" algn="ctr">
           <a:solidFill>
             <a:schemeClr val="phClr"/>
           </a:solidFill>
           <a:prstDash val="solid"/>
-          <a:miter lim="800000"/>
+          <a:miter/>
         </a:ln>
       </a:lnStyleLst>
       <a:effectStyleLst>
@@ -14040,6 +13714,27 @@
     </a:fmtScheme>
   </a:themeElements>
   <a:objectDefaults>
+    <a:spDef>
+      <a:spPr/>
+      <a:bodyPr/>
+      <a:lstStyle/>
+      <a:style>
+        <a:lnRef idx="2">
+          <a:schemeClr val="accent1">
+            <a:shade val="20000"/>
+          </a:schemeClr>
+        </a:lnRef>
+        <a:fillRef idx="1">
+          <a:schemeClr val="accent1"/>
+        </a:fillRef>
+        <a:effectRef idx="0">
+          <a:schemeClr val="accent1"/>
+        </a:effectRef>
+        <a:fontRef idx="minor">
+          <a:schemeClr val="lt1"/>
+        </a:fontRef>
+      </a:style>
+    </a:spDef>
     <a:lnDef>
       <a:spPr/>
       <a:bodyPr/>
@@ -14059,12 +13754,11 @@
         </a:fontRef>
       </a:style>
     </a:lnDef>
+    <a:txDef>
+      <a:spPr/>
+      <a:bodyPr/>
+      <a:lstStyle/>
+    </a:txDef>
   </a:objectDefaults>
-  <a:extraClrSchemeLst/>
-  <a:extLst>
-    <a:ext uri="{05A4C25C-085E-4340-85A3-A5531E510DB2}">
-      <thm15:themeFamily xmlns:thm15="http://schemas.microsoft.com/office/thememl/2012/main" name="Office Theme" id="{2E142A2C-CD16-42D6-873A-C26D2A0506FA}" vid="{1BDDFF52-6CD6-40A5-AB3C-68EB2F1E4D0A}"/>
-    </a:ext>
-  </a:extLst>
 </a:theme>
 </file>